--- a/大数据面试大保健/图表绘画.pptx
+++ b/大数据面试大保健/图表绘画.pptx
@@ -13,6 +13,7 @@
     <p:sldId id="261" r:id="rId7"/>
     <p:sldId id="262" r:id="rId8"/>
     <p:sldId id="263" r:id="rId9"/>
+    <p:sldId id="264" r:id="rId10"/>
   </p:sldIdLst>
   <p:sldSz cx="12192000" cy="6858000"/>
   <p:notesSz cx="6858000" cy="9144000"/>
@@ -266,7 +267,7 @@
           <a:p>
             <a:fld id="{79FB2370-331C-4951-9B27-AA94FFB015CE}" type="datetimeFigureOut">
               <a:rPr lang="zh-CN" altLang="en-US" smtClean="0"/>
-              <a:t>2023/2/22</a:t>
+              <a:t>2023/2/26</a:t>
             </a:fld>
             <a:endParaRPr lang="zh-CN" altLang="en-US"/>
           </a:p>
@@ -464,7 +465,7 @@
           <a:p>
             <a:fld id="{79FB2370-331C-4951-9B27-AA94FFB015CE}" type="datetimeFigureOut">
               <a:rPr lang="zh-CN" altLang="en-US" smtClean="0"/>
-              <a:t>2023/2/22</a:t>
+              <a:t>2023/2/26</a:t>
             </a:fld>
             <a:endParaRPr lang="zh-CN" altLang="en-US"/>
           </a:p>
@@ -672,7 +673,7 @@
           <a:p>
             <a:fld id="{79FB2370-331C-4951-9B27-AA94FFB015CE}" type="datetimeFigureOut">
               <a:rPr lang="zh-CN" altLang="en-US" smtClean="0"/>
-              <a:t>2023/2/22</a:t>
+              <a:t>2023/2/26</a:t>
             </a:fld>
             <a:endParaRPr lang="zh-CN" altLang="en-US"/>
           </a:p>
@@ -870,7 +871,7 @@
           <a:p>
             <a:fld id="{79FB2370-331C-4951-9B27-AA94FFB015CE}" type="datetimeFigureOut">
               <a:rPr lang="zh-CN" altLang="en-US" smtClean="0"/>
-              <a:t>2023/2/22</a:t>
+              <a:t>2023/2/26</a:t>
             </a:fld>
             <a:endParaRPr lang="zh-CN" altLang="en-US"/>
           </a:p>
@@ -1145,7 +1146,7 @@
           <a:p>
             <a:fld id="{79FB2370-331C-4951-9B27-AA94FFB015CE}" type="datetimeFigureOut">
               <a:rPr lang="zh-CN" altLang="en-US" smtClean="0"/>
-              <a:t>2023/2/22</a:t>
+              <a:t>2023/2/26</a:t>
             </a:fld>
             <a:endParaRPr lang="zh-CN" altLang="en-US"/>
           </a:p>
@@ -1410,7 +1411,7 @@
           <a:p>
             <a:fld id="{79FB2370-331C-4951-9B27-AA94FFB015CE}" type="datetimeFigureOut">
               <a:rPr lang="zh-CN" altLang="en-US" smtClean="0"/>
-              <a:t>2023/2/22</a:t>
+              <a:t>2023/2/26</a:t>
             </a:fld>
             <a:endParaRPr lang="zh-CN" altLang="en-US"/>
           </a:p>
@@ -1822,7 +1823,7 @@
           <a:p>
             <a:fld id="{79FB2370-331C-4951-9B27-AA94FFB015CE}" type="datetimeFigureOut">
               <a:rPr lang="zh-CN" altLang="en-US" smtClean="0"/>
-              <a:t>2023/2/22</a:t>
+              <a:t>2023/2/26</a:t>
             </a:fld>
             <a:endParaRPr lang="zh-CN" altLang="en-US"/>
           </a:p>
@@ -1963,7 +1964,7 @@
           <a:p>
             <a:fld id="{79FB2370-331C-4951-9B27-AA94FFB015CE}" type="datetimeFigureOut">
               <a:rPr lang="zh-CN" altLang="en-US" smtClean="0"/>
-              <a:t>2023/2/22</a:t>
+              <a:t>2023/2/26</a:t>
             </a:fld>
             <a:endParaRPr lang="zh-CN" altLang="en-US"/>
           </a:p>
@@ -2076,7 +2077,7 @@
           <a:p>
             <a:fld id="{79FB2370-331C-4951-9B27-AA94FFB015CE}" type="datetimeFigureOut">
               <a:rPr lang="zh-CN" altLang="en-US" smtClean="0"/>
-              <a:t>2023/2/22</a:t>
+              <a:t>2023/2/26</a:t>
             </a:fld>
             <a:endParaRPr lang="zh-CN" altLang="en-US"/>
           </a:p>
@@ -2387,7 +2388,7 @@
           <a:p>
             <a:fld id="{79FB2370-331C-4951-9B27-AA94FFB015CE}" type="datetimeFigureOut">
               <a:rPr lang="zh-CN" altLang="en-US" smtClean="0"/>
-              <a:t>2023/2/22</a:t>
+              <a:t>2023/2/26</a:t>
             </a:fld>
             <a:endParaRPr lang="zh-CN" altLang="en-US"/>
           </a:p>
@@ -2675,7 +2676,7 @@
           <a:p>
             <a:fld id="{79FB2370-331C-4951-9B27-AA94FFB015CE}" type="datetimeFigureOut">
               <a:rPr lang="zh-CN" altLang="en-US" smtClean="0"/>
-              <a:t>2023/2/22</a:t>
+              <a:t>2023/2/26</a:t>
             </a:fld>
             <a:endParaRPr lang="zh-CN" altLang="en-US"/>
           </a:p>
@@ -2916,7 +2917,7 @@
           <a:p>
             <a:fld id="{79FB2370-331C-4951-9B27-AA94FFB015CE}" type="datetimeFigureOut">
               <a:rPr lang="zh-CN" altLang="en-US" smtClean="0"/>
-              <a:t>2023/2/22</a:t>
+              <a:t>2023/2/26</a:t>
             </a:fld>
             <a:endParaRPr lang="zh-CN" altLang="en-US"/>
           </a:p>
@@ -9153,6 +9154,45 @@
           </a:fontRef>
         </p:style>
       </p:cxnSp>
+      <p:sp>
+        <p:nvSpPr>
+          <p:cNvPr id="80" name="文本框 79">
+            <a:extLst>
+              <a:ext uri="{FF2B5EF4-FFF2-40B4-BE49-F238E27FC236}">
+                <a16:creationId xmlns:a16="http://schemas.microsoft.com/office/drawing/2014/main" id="{E228E7BB-68B7-450C-92A1-F5E3AD5A94AB}"/>
+              </a:ext>
+            </a:extLst>
+          </p:cNvPr>
+          <p:cNvSpPr txBox="1"/>
+          <p:nvPr/>
+        </p:nvSpPr>
+        <p:spPr>
+          <a:xfrm>
+            <a:off x="9069645" y="1040077"/>
+            <a:ext cx="2208486" cy="307777"/>
+          </a:xfrm>
+          <a:prstGeom prst="rect">
+            <a:avLst/>
+          </a:prstGeom>
+          <a:noFill/>
+        </p:spPr>
+        <p:txBody>
+          <a:bodyPr wrap="square" rtlCol="0">
+            <a:spAutoFit/>
+          </a:bodyPr>
+          <a:lstStyle/>
+          <a:p>
+            <a:r>
+              <a:rPr lang="zh-CN" altLang="en-US" sz="1400" b="1" dirty="0">
+                <a:solidFill>
+                  <a:srgbClr val="00B0F0"/>
+                </a:solidFill>
+              </a:rPr>
+              <a:t>调度器</a:t>
+            </a:r>
+          </a:p>
+        </p:txBody>
+      </p:sp>
     </p:spTree>
     <p:extLst>
       <p:ext uri="{BB962C8B-B14F-4D97-AF65-F5344CB8AC3E}">
@@ -15942,6 +15982,380 @@
       </p:grpSpPr>
       <p:sp>
         <p:nvSpPr>
+          <p:cNvPr id="137" name="矩形 136">
+            <a:extLst>
+              <a:ext uri="{FF2B5EF4-FFF2-40B4-BE49-F238E27FC236}">
+                <a16:creationId xmlns:a16="http://schemas.microsoft.com/office/drawing/2014/main" id="{5BAE1D01-5858-440E-A984-80B82CFC12ED}"/>
+              </a:ext>
+            </a:extLst>
+          </p:cNvPr>
+          <p:cNvSpPr/>
+          <p:nvPr/>
+        </p:nvSpPr>
+        <p:spPr>
+          <a:xfrm>
+            <a:off x="3919925" y="5378421"/>
+            <a:ext cx="754957" cy="455861"/>
+          </a:xfrm>
+          <a:prstGeom prst="rect">
+            <a:avLst/>
+          </a:prstGeom>
+        </p:spPr>
+        <p:style>
+          <a:lnRef idx="3">
+            <a:schemeClr val="lt1"/>
+          </a:lnRef>
+          <a:fillRef idx="1">
+            <a:schemeClr val="accent4"/>
+          </a:fillRef>
+          <a:effectRef idx="1">
+            <a:schemeClr val="accent4"/>
+          </a:effectRef>
+          <a:fontRef idx="minor">
+            <a:schemeClr val="lt1"/>
+          </a:fontRef>
+        </p:style>
+        <p:txBody>
+          <a:bodyPr rtlCol="0" anchor="ctr"/>
+          <a:lstStyle/>
+          <a:p>
+            <a:pPr algn="ctr"/>
+            <a:r>
+              <a:rPr lang="zh-CN" altLang="en-US" sz="1200" b="1" dirty="0">
+                <a:solidFill>
+                  <a:schemeClr val="tx1"/>
+                </a:solidFill>
+              </a:rPr>
+              <a:t>分区</a:t>
+            </a:r>
+            <a:r>
+              <a:rPr lang="en-US" altLang="zh-CN" sz="1200" b="1" dirty="0">
+                <a:solidFill>
+                  <a:schemeClr val="tx1"/>
+                </a:solidFill>
+              </a:rPr>
+              <a:t>1</a:t>
+            </a:r>
+          </a:p>
+          <a:p>
+            <a:pPr algn="ctr"/>
+            <a:r>
+              <a:rPr lang="zh-CN" altLang="en-US" sz="1200" b="1" dirty="0">
+                <a:solidFill>
+                  <a:schemeClr val="tx1"/>
+                </a:solidFill>
+              </a:rPr>
+              <a:t>压缩</a:t>
+            </a:r>
+          </a:p>
+        </p:txBody>
+      </p:sp>
+      <p:cxnSp>
+        <p:nvCxnSpPr>
+          <p:cNvPr id="143" name="直接箭头连接符 142">
+            <a:extLst>
+              <a:ext uri="{FF2B5EF4-FFF2-40B4-BE49-F238E27FC236}">
+                <a16:creationId xmlns:a16="http://schemas.microsoft.com/office/drawing/2014/main" id="{BC43C9B5-3707-4807-B716-3C73F2D92BEB}"/>
+              </a:ext>
+            </a:extLst>
+          </p:cNvPr>
+          <p:cNvCxnSpPr/>
+          <p:nvPr/>
+        </p:nvCxnSpPr>
+        <p:spPr>
+          <a:xfrm flipH="1">
+            <a:off x="3047930" y="5606351"/>
+            <a:ext cx="783028" cy="7886"/>
+          </a:xfrm>
+          <a:prstGeom prst="straightConnector1">
+            <a:avLst/>
+          </a:prstGeom>
+          <a:ln>
+            <a:tailEnd type="triangle"/>
+          </a:ln>
+        </p:spPr>
+        <p:style>
+          <a:lnRef idx="1">
+            <a:schemeClr val="accent1"/>
+          </a:lnRef>
+          <a:fillRef idx="0">
+            <a:schemeClr val="accent1"/>
+          </a:fillRef>
+          <a:effectRef idx="0">
+            <a:schemeClr val="accent1"/>
+          </a:effectRef>
+          <a:fontRef idx="minor">
+            <a:schemeClr val="tx1"/>
+          </a:fontRef>
+        </p:style>
+      </p:cxnSp>
+      <p:sp>
+        <p:nvSpPr>
+          <p:cNvPr id="144" name="圆柱体 143">
+            <a:extLst>
+              <a:ext uri="{FF2B5EF4-FFF2-40B4-BE49-F238E27FC236}">
+                <a16:creationId xmlns:a16="http://schemas.microsoft.com/office/drawing/2014/main" id="{5536CA4C-9A81-45F8-83F6-5909D9F7F08A}"/>
+              </a:ext>
+            </a:extLst>
+          </p:cNvPr>
+          <p:cNvSpPr/>
+          <p:nvPr/>
+        </p:nvSpPr>
+        <p:spPr>
+          <a:xfrm>
+            <a:off x="874216" y="5131599"/>
+            <a:ext cx="1993979" cy="997545"/>
+          </a:xfrm>
+          <a:prstGeom prst="can">
+            <a:avLst/>
+          </a:prstGeom>
+        </p:spPr>
+        <p:style>
+          <a:lnRef idx="2">
+            <a:schemeClr val="accent6">
+              <a:shade val="50000"/>
+            </a:schemeClr>
+          </a:lnRef>
+          <a:fillRef idx="1">
+            <a:schemeClr val="accent6"/>
+          </a:fillRef>
+          <a:effectRef idx="0">
+            <a:schemeClr val="accent6"/>
+          </a:effectRef>
+          <a:fontRef idx="minor">
+            <a:schemeClr val="lt1"/>
+          </a:fontRef>
+        </p:style>
+        <p:txBody>
+          <a:bodyPr rtlCol="0" anchor="ctr"/>
+          <a:lstStyle/>
+          <a:p>
+            <a:pPr algn="ctr"/>
+            <a:endParaRPr lang="zh-CN" altLang="en-US" dirty="0"/>
+          </a:p>
+        </p:txBody>
+      </p:sp>
+      <p:sp>
+        <p:nvSpPr>
+          <p:cNvPr id="145" name="矩形 144">
+            <a:extLst>
+              <a:ext uri="{FF2B5EF4-FFF2-40B4-BE49-F238E27FC236}">
+                <a16:creationId xmlns:a16="http://schemas.microsoft.com/office/drawing/2014/main" id="{5D1E0482-F5F2-4539-A3AF-7DE1C2430844}"/>
+              </a:ext>
+            </a:extLst>
+          </p:cNvPr>
+          <p:cNvSpPr/>
+          <p:nvPr/>
+        </p:nvSpPr>
+        <p:spPr>
+          <a:xfrm>
+            <a:off x="1133645" y="5523387"/>
+            <a:ext cx="754957" cy="455861"/>
+          </a:xfrm>
+          <a:prstGeom prst="rect">
+            <a:avLst/>
+          </a:prstGeom>
+        </p:spPr>
+        <p:style>
+          <a:lnRef idx="3">
+            <a:schemeClr val="lt1"/>
+          </a:lnRef>
+          <a:fillRef idx="1">
+            <a:schemeClr val="accent4"/>
+          </a:fillRef>
+          <a:effectRef idx="1">
+            <a:schemeClr val="accent4"/>
+          </a:effectRef>
+          <a:fontRef idx="minor">
+            <a:schemeClr val="lt1"/>
+          </a:fontRef>
+        </p:style>
+        <p:txBody>
+          <a:bodyPr rtlCol="0" anchor="ctr"/>
+          <a:lstStyle/>
+          <a:p>
+            <a:pPr algn="ctr"/>
+            <a:r>
+              <a:rPr lang="zh-CN" altLang="en-US" sz="1200" b="1" dirty="0">
+                <a:solidFill>
+                  <a:schemeClr val="tx1"/>
+                </a:solidFill>
+              </a:rPr>
+              <a:t>分区</a:t>
+            </a:r>
+            <a:r>
+              <a:rPr lang="en-US" altLang="zh-CN" sz="1200" b="1" dirty="0">
+                <a:solidFill>
+                  <a:schemeClr val="tx1"/>
+                </a:solidFill>
+              </a:rPr>
+              <a:t>1</a:t>
+            </a:r>
+          </a:p>
+          <a:p>
+            <a:pPr algn="ctr"/>
+            <a:r>
+              <a:rPr lang="zh-CN" altLang="en-US" sz="1200" b="1" dirty="0">
+                <a:solidFill>
+                  <a:schemeClr val="tx1"/>
+                </a:solidFill>
+              </a:rPr>
+              <a:t>输出</a:t>
+            </a:r>
+          </a:p>
+        </p:txBody>
+      </p:sp>
+      <p:sp>
+        <p:nvSpPr>
+          <p:cNvPr id="146" name="矩形 145">
+            <a:extLst>
+              <a:ext uri="{FF2B5EF4-FFF2-40B4-BE49-F238E27FC236}">
+                <a16:creationId xmlns:a16="http://schemas.microsoft.com/office/drawing/2014/main" id="{B3CDB1E3-2E87-42F3-AAA2-2E3A0B55E48D}"/>
+              </a:ext>
+            </a:extLst>
+          </p:cNvPr>
+          <p:cNvSpPr/>
+          <p:nvPr/>
+        </p:nvSpPr>
+        <p:spPr>
+          <a:xfrm>
+            <a:off x="1888602" y="5523387"/>
+            <a:ext cx="754957" cy="455861"/>
+          </a:xfrm>
+          <a:prstGeom prst="rect">
+            <a:avLst/>
+          </a:prstGeom>
+        </p:spPr>
+        <p:style>
+          <a:lnRef idx="3">
+            <a:schemeClr val="lt1"/>
+          </a:lnRef>
+          <a:fillRef idx="1">
+            <a:schemeClr val="accent4"/>
+          </a:fillRef>
+          <a:effectRef idx="1">
+            <a:schemeClr val="accent4"/>
+          </a:effectRef>
+          <a:fontRef idx="minor">
+            <a:schemeClr val="lt1"/>
+          </a:fontRef>
+        </p:style>
+        <p:txBody>
+          <a:bodyPr rtlCol="0" anchor="ctr"/>
+          <a:lstStyle/>
+          <a:p>
+            <a:pPr algn="ctr"/>
+            <a:r>
+              <a:rPr lang="zh-CN" altLang="en-US" sz="1200" b="1" dirty="0">
+                <a:solidFill>
+                  <a:schemeClr val="tx1"/>
+                </a:solidFill>
+              </a:rPr>
+              <a:t>分区</a:t>
+            </a:r>
+            <a:r>
+              <a:rPr lang="en-US" altLang="zh-CN" sz="1200" b="1" dirty="0">
+                <a:solidFill>
+                  <a:schemeClr val="tx1"/>
+                </a:solidFill>
+              </a:rPr>
+              <a:t>2</a:t>
+            </a:r>
+          </a:p>
+          <a:p>
+            <a:pPr algn="ctr"/>
+            <a:r>
+              <a:rPr lang="zh-CN" altLang="en-US" sz="1200" b="1" dirty="0">
+                <a:solidFill>
+                  <a:schemeClr val="tx1"/>
+                </a:solidFill>
+              </a:rPr>
+              <a:t>输出</a:t>
+            </a:r>
+          </a:p>
+        </p:txBody>
+      </p:sp>
+      <p:sp>
+        <p:nvSpPr>
+          <p:cNvPr id="147" name="文本框 146">
+            <a:extLst>
+              <a:ext uri="{FF2B5EF4-FFF2-40B4-BE49-F238E27FC236}">
+                <a16:creationId xmlns:a16="http://schemas.microsoft.com/office/drawing/2014/main" id="{0BD650E7-DF89-4EB9-A383-B675812380F5}"/>
+              </a:ext>
+            </a:extLst>
+          </p:cNvPr>
+          <p:cNvSpPr txBox="1"/>
+          <p:nvPr/>
+        </p:nvSpPr>
+        <p:spPr>
+          <a:xfrm>
+            <a:off x="3186538" y="5262187"/>
+            <a:ext cx="899095" cy="276999"/>
+          </a:xfrm>
+          <a:prstGeom prst="rect">
+            <a:avLst/>
+          </a:prstGeom>
+          <a:noFill/>
+        </p:spPr>
+        <p:txBody>
+          <a:bodyPr wrap="square" rtlCol="0">
+            <a:spAutoFit/>
+          </a:bodyPr>
+          <a:lstStyle/>
+          <a:p>
+            <a:r>
+              <a:rPr lang="zh-CN" altLang="en-US" sz="1200" b="1" dirty="0"/>
+              <a:t>写磁盘</a:t>
+            </a:r>
+          </a:p>
+        </p:txBody>
+      </p:sp>
+      <p:sp>
+        <p:nvSpPr>
+          <p:cNvPr id="151" name="文本框 150">
+            <a:extLst>
+              <a:ext uri="{FF2B5EF4-FFF2-40B4-BE49-F238E27FC236}">
+                <a16:creationId xmlns:a16="http://schemas.microsoft.com/office/drawing/2014/main" id="{EA4C54C8-EE1E-4A6B-BA7D-9C3594A3AC8E}"/>
+              </a:ext>
+            </a:extLst>
+          </p:cNvPr>
+          <p:cNvSpPr txBox="1"/>
+          <p:nvPr/>
+        </p:nvSpPr>
+        <p:spPr>
+          <a:xfrm>
+            <a:off x="3282419" y="5669728"/>
+            <a:ext cx="620315" cy="400110"/>
+          </a:xfrm>
+          <a:prstGeom prst="rect">
+            <a:avLst/>
+          </a:prstGeom>
+          <a:noFill/>
+        </p:spPr>
+        <p:txBody>
+          <a:bodyPr wrap="square" rtlCol="0">
+            <a:spAutoFit/>
+          </a:bodyPr>
+          <a:lstStyle/>
+          <a:p>
+            <a:r>
+              <a:rPr lang="en-US" altLang="zh-CN" sz="2000" b="1" dirty="0">
+                <a:solidFill>
+                  <a:srgbClr val="FF0000"/>
+                </a:solidFill>
+              </a:rPr>
+              <a:t>12</a:t>
+            </a:r>
+            <a:endParaRPr lang="zh-CN" altLang="en-US" sz="2000" b="1" dirty="0">
+              <a:solidFill>
+                <a:srgbClr val="FF0000"/>
+              </a:solidFill>
+            </a:endParaRPr>
+          </a:p>
+        </p:txBody>
+      </p:sp>
+      <p:sp>
+        <p:nvSpPr>
           <p:cNvPr id="5" name="矩形 4">
             <a:extLst>
               <a:ext uri="{FF2B5EF4-FFF2-40B4-BE49-F238E27FC236}">
@@ -16044,10 +16458,137 @@
       </p:sp>
       <p:sp>
         <p:nvSpPr>
-          <p:cNvPr id="20" name="矩形 19">
-            <a:extLst>
-              <a:ext uri="{FF2B5EF4-FFF2-40B4-BE49-F238E27FC236}">
-                <a16:creationId xmlns:a16="http://schemas.microsoft.com/office/drawing/2014/main" id="{60C36725-ACDE-434B-BB2A-E99921CC2D9D}"/>
+          <p:cNvPr id="35" name="文本框 34">
+            <a:extLst>
+              <a:ext uri="{FF2B5EF4-FFF2-40B4-BE49-F238E27FC236}">
+                <a16:creationId xmlns:a16="http://schemas.microsoft.com/office/drawing/2014/main" id="{CDE4AEE5-7D68-4F51-89EE-3B1CB95BADEC}"/>
+              </a:ext>
+            </a:extLst>
+          </p:cNvPr>
+          <p:cNvSpPr txBox="1"/>
+          <p:nvPr/>
+        </p:nvSpPr>
+        <p:spPr>
+          <a:xfrm>
+            <a:off x="2058269" y="1271585"/>
+            <a:ext cx="620315" cy="400110"/>
+          </a:xfrm>
+          <a:prstGeom prst="rect">
+            <a:avLst/>
+          </a:prstGeom>
+          <a:noFill/>
+        </p:spPr>
+        <p:txBody>
+          <a:bodyPr wrap="square" rtlCol="0">
+            <a:spAutoFit/>
+          </a:bodyPr>
+          <a:lstStyle/>
+          <a:p>
+            <a:r>
+              <a:rPr lang="en-US" altLang="zh-CN" sz="2000" b="1" dirty="0">
+                <a:solidFill>
+                  <a:srgbClr val="FF0000"/>
+                </a:solidFill>
+              </a:rPr>
+              <a:t>7</a:t>
+            </a:r>
+            <a:endParaRPr lang="zh-CN" altLang="en-US" sz="2000" b="1" dirty="0">
+              <a:solidFill>
+                <a:srgbClr val="FF0000"/>
+              </a:solidFill>
+            </a:endParaRPr>
+          </a:p>
+        </p:txBody>
+      </p:sp>
+      <p:sp>
+        <p:nvSpPr>
+          <p:cNvPr id="46" name="文本框 45">
+            <a:extLst>
+              <a:ext uri="{FF2B5EF4-FFF2-40B4-BE49-F238E27FC236}">
+                <a16:creationId xmlns:a16="http://schemas.microsoft.com/office/drawing/2014/main" id="{4DB056CA-23EA-446F-921A-56CFB8D4A255}"/>
+              </a:ext>
+            </a:extLst>
+          </p:cNvPr>
+          <p:cNvSpPr txBox="1"/>
+          <p:nvPr/>
+        </p:nvSpPr>
+        <p:spPr>
+          <a:xfrm>
+            <a:off x="4276526" y="141342"/>
+            <a:ext cx="1419521" cy="276999"/>
+          </a:xfrm>
+          <a:prstGeom prst="rect">
+            <a:avLst/>
+          </a:prstGeom>
+          <a:noFill/>
+        </p:spPr>
+        <p:txBody>
+          <a:bodyPr wrap="square" rtlCol="0">
+            <a:spAutoFit/>
+          </a:bodyPr>
+          <a:lstStyle/>
+          <a:p>
+            <a:r>
+              <a:rPr lang="zh-CN" altLang="en-US" sz="1200" b="1" dirty="0"/>
+              <a:t>环形缓冲区</a:t>
+            </a:r>
+          </a:p>
+        </p:txBody>
+      </p:sp>
+      <p:sp>
+        <p:nvSpPr>
+          <p:cNvPr id="66" name="文本框 65">
+            <a:extLst>
+              <a:ext uri="{FF2B5EF4-FFF2-40B4-BE49-F238E27FC236}">
+                <a16:creationId xmlns:a16="http://schemas.microsoft.com/office/drawing/2014/main" id="{C76C8236-66A5-4F6C-8A1E-AC8EAFDD166C}"/>
+              </a:ext>
+            </a:extLst>
+          </p:cNvPr>
+          <p:cNvSpPr txBox="1"/>
+          <p:nvPr/>
+        </p:nvSpPr>
+        <p:spPr>
+          <a:xfrm>
+            <a:off x="86883" y="3092763"/>
+            <a:ext cx="1932902" cy="461665"/>
+          </a:xfrm>
+          <a:prstGeom prst="rect">
+            <a:avLst/>
+          </a:prstGeom>
+          <a:noFill/>
+        </p:spPr>
+        <p:txBody>
+          <a:bodyPr wrap="square" rtlCol="0">
+            <a:spAutoFit/>
+          </a:bodyPr>
+          <a:lstStyle/>
+          <a:p>
+            <a:pPr algn="ctr"/>
+            <a:r>
+              <a:rPr lang="en-US" altLang="zh-CN" sz="1200" dirty="0"/>
+              <a:t>Map2</a:t>
+            </a:r>
+            <a:r>
+              <a:rPr lang="zh-CN" altLang="en-US" sz="1200" dirty="0"/>
+              <a:t>方法的流程和</a:t>
+            </a:r>
+            <a:r>
+              <a:rPr lang="en-US" altLang="zh-CN" sz="1200" dirty="0"/>
+              <a:t>Map1</a:t>
+            </a:r>
+            <a:r>
+              <a:rPr lang="zh-CN" altLang="en-US" sz="1200" dirty="0"/>
+              <a:t>方法一样</a:t>
+            </a:r>
+          </a:p>
+        </p:txBody>
+      </p:sp>
+      <p:sp>
+        <p:nvSpPr>
+          <p:cNvPr id="126" name="矩形 125">
+            <a:extLst>
+              <a:ext uri="{FF2B5EF4-FFF2-40B4-BE49-F238E27FC236}">
+                <a16:creationId xmlns:a16="http://schemas.microsoft.com/office/drawing/2014/main" id="{3FE077DA-BC09-441C-8BD2-68AD4BA4F6E0}"/>
               </a:ext>
             </a:extLst>
           </p:cNvPr>
@@ -16056,25 +16597,25 @@
         </p:nvSpPr>
         <p:spPr>
           <a:xfrm>
-            <a:off x="1828800" y="381000"/>
-            <a:ext cx="6162676" cy="2436384"/>
-          </a:xfrm>
-          <a:prstGeom prst="rect">
-            <a:avLst/>
-          </a:prstGeom>
-        </p:spPr>
-        <p:style>
-          <a:lnRef idx="2">
-            <a:schemeClr val="accent1"/>
+            <a:off x="2337282" y="748934"/>
+            <a:ext cx="754957" cy="455861"/>
+          </a:xfrm>
+          <a:prstGeom prst="rect">
+            <a:avLst/>
+          </a:prstGeom>
+        </p:spPr>
+        <p:style>
+          <a:lnRef idx="3">
+            <a:schemeClr val="lt1"/>
           </a:lnRef>
           <a:fillRef idx="1">
+            <a:schemeClr val="accent4"/>
+          </a:fillRef>
+          <a:effectRef idx="1">
+            <a:schemeClr val="accent4"/>
+          </a:effectRef>
+          <a:fontRef idx="minor">
             <a:schemeClr val="lt1"/>
-          </a:fillRef>
-          <a:effectRef idx="0">
-            <a:schemeClr val="accent1"/>
-          </a:effectRef>
-          <a:fontRef idx="minor">
-            <a:schemeClr val="dk1"/>
           </a:fontRef>
         </p:style>
         <p:txBody>
@@ -16082,16 +16623,36 @@
           <a:lstStyle/>
           <a:p>
             <a:pPr algn="ctr"/>
-            <a:endParaRPr lang="zh-CN" altLang="en-US"/>
-          </a:p>
-        </p:txBody>
-      </p:sp>
-      <p:sp>
-        <p:nvSpPr>
-          <p:cNvPr id="21" name="圆: 空心 20">
-            <a:extLst>
-              <a:ext uri="{FF2B5EF4-FFF2-40B4-BE49-F238E27FC236}">
-                <a16:creationId xmlns:a16="http://schemas.microsoft.com/office/drawing/2014/main" id="{8138921E-ECA3-4BF1-94C5-070B880D68D3}"/>
+            <a:r>
+              <a:rPr lang="zh-CN" altLang="en-US" sz="1600" b="1" dirty="0">
+                <a:solidFill>
+                  <a:schemeClr val="tx1"/>
+                </a:solidFill>
+              </a:rPr>
+              <a:t>分区</a:t>
+            </a:r>
+            <a:r>
+              <a:rPr lang="en-US" altLang="zh-CN" sz="1600" b="1" dirty="0">
+                <a:solidFill>
+                  <a:schemeClr val="tx1"/>
+                </a:solidFill>
+              </a:rPr>
+              <a:t>1</a:t>
+            </a:r>
+            <a:endParaRPr lang="zh-CN" altLang="en-US" sz="1600" b="1" dirty="0">
+              <a:solidFill>
+                <a:schemeClr val="tx1"/>
+              </a:solidFill>
+            </a:endParaRPr>
+          </a:p>
+        </p:txBody>
+      </p:sp>
+      <p:sp>
+        <p:nvSpPr>
+          <p:cNvPr id="127" name="矩形 126">
+            <a:extLst>
+              <a:ext uri="{FF2B5EF4-FFF2-40B4-BE49-F238E27FC236}">
+                <a16:creationId xmlns:a16="http://schemas.microsoft.com/office/drawing/2014/main" id="{B9258050-25F7-4664-96DF-2C4BF4366361}"/>
               </a:ext>
             </a:extLst>
           </p:cNvPr>
@@ -16100,7 +16661,471 @@
         </p:nvSpPr>
         <p:spPr>
           <a:xfrm>
-            <a:off x="2379765" y="539135"/>
+            <a:off x="3092239" y="748934"/>
+            <a:ext cx="754957" cy="455861"/>
+          </a:xfrm>
+          <a:prstGeom prst="rect">
+            <a:avLst/>
+          </a:prstGeom>
+        </p:spPr>
+        <p:style>
+          <a:lnRef idx="3">
+            <a:schemeClr val="lt1"/>
+          </a:lnRef>
+          <a:fillRef idx="1">
+            <a:schemeClr val="accent4"/>
+          </a:fillRef>
+          <a:effectRef idx="1">
+            <a:schemeClr val="accent4"/>
+          </a:effectRef>
+          <a:fontRef idx="minor">
+            <a:schemeClr val="lt1"/>
+          </a:fontRef>
+        </p:style>
+        <p:txBody>
+          <a:bodyPr rtlCol="0" anchor="ctr"/>
+          <a:lstStyle/>
+          <a:p>
+            <a:pPr algn="ctr"/>
+            <a:r>
+              <a:rPr lang="zh-CN" altLang="en-US" sz="1600" b="1" dirty="0">
+                <a:solidFill>
+                  <a:schemeClr val="tx1"/>
+                </a:solidFill>
+              </a:rPr>
+              <a:t>分区</a:t>
+            </a:r>
+            <a:r>
+              <a:rPr lang="en-US" altLang="zh-CN" sz="1600" b="1" dirty="0">
+                <a:solidFill>
+                  <a:schemeClr val="tx1"/>
+                </a:solidFill>
+              </a:rPr>
+              <a:t>2</a:t>
+            </a:r>
+            <a:endParaRPr lang="zh-CN" altLang="en-US" sz="1600" b="1" dirty="0">
+              <a:solidFill>
+                <a:schemeClr val="tx1"/>
+              </a:solidFill>
+            </a:endParaRPr>
+          </a:p>
+        </p:txBody>
+      </p:sp>
+      <p:sp>
+        <p:nvSpPr>
+          <p:cNvPr id="128" name="矩形 127">
+            <a:extLst>
+              <a:ext uri="{FF2B5EF4-FFF2-40B4-BE49-F238E27FC236}">
+                <a16:creationId xmlns:a16="http://schemas.microsoft.com/office/drawing/2014/main" id="{A62CA8E8-D641-4E36-B786-1768718EE7FE}"/>
+              </a:ext>
+            </a:extLst>
+          </p:cNvPr>
+          <p:cNvSpPr/>
+          <p:nvPr/>
+        </p:nvSpPr>
+        <p:spPr>
+          <a:xfrm>
+            <a:off x="2353872" y="2000809"/>
+            <a:ext cx="754957" cy="455861"/>
+          </a:xfrm>
+          <a:prstGeom prst="rect">
+            <a:avLst/>
+          </a:prstGeom>
+        </p:spPr>
+        <p:style>
+          <a:lnRef idx="3">
+            <a:schemeClr val="lt1"/>
+          </a:lnRef>
+          <a:fillRef idx="1">
+            <a:schemeClr val="accent4"/>
+          </a:fillRef>
+          <a:effectRef idx="1">
+            <a:schemeClr val="accent4"/>
+          </a:effectRef>
+          <a:fontRef idx="minor">
+            <a:schemeClr val="lt1"/>
+          </a:fontRef>
+        </p:style>
+        <p:txBody>
+          <a:bodyPr rtlCol="0" anchor="ctr"/>
+          <a:lstStyle/>
+          <a:p>
+            <a:pPr algn="ctr"/>
+            <a:r>
+              <a:rPr lang="zh-CN" altLang="en-US" sz="1600" b="1" dirty="0">
+                <a:solidFill>
+                  <a:schemeClr val="tx1"/>
+                </a:solidFill>
+              </a:rPr>
+              <a:t>分区</a:t>
+            </a:r>
+            <a:r>
+              <a:rPr lang="en-US" altLang="zh-CN" sz="1600" b="1" dirty="0">
+                <a:solidFill>
+                  <a:schemeClr val="tx1"/>
+                </a:solidFill>
+              </a:rPr>
+              <a:t>1</a:t>
+            </a:r>
+            <a:endParaRPr lang="zh-CN" altLang="en-US" sz="1600" b="1" dirty="0">
+              <a:solidFill>
+                <a:schemeClr val="tx1"/>
+              </a:solidFill>
+            </a:endParaRPr>
+          </a:p>
+        </p:txBody>
+      </p:sp>
+      <p:sp>
+        <p:nvSpPr>
+          <p:cNvPr id="131" name="矩形 130">
+            <a:extLst>
+              <a:ext uri="{FF2B5EF4-FFF2-40B4-BE49-F238E27FC236}">
+                <a16:creationId xmlns:a16="http://schemas.microsoft.com/office/drawing/2014/main" id="{F17E3CAC-F7E0-4E7B-BBB1-2E0E1967D6A6}"/>
+              </a:ext>
+            </a:extLst>
+          </p:cNvPr>
+          <p:cNvSpPr/>
+          <p:nvPr/>
+        </p:nvSpPr>
+        <p:spPr>
+          <a:xfrm>
+            <a:off x="3108829" y="2000809"/>
+            <a:ext cx="754957" cy="455861"/>
+          </a:xfrm>
+          <a:prstGeom prst="rect">
+            <a:avLst/>
+          </a:prstGeom>
+        </p:spPr>
+        <p:style>
+          <a:lnRef idx="3">
+            <a:schemeClr val="lt1"/>
+          </a:lnRef>
+          <a:fillRef idx="1">
+            <a:schemeClr val="accent4"/>
+          </a:fillRef>
+          <a:effectRef idx="1">
+            <a:schemeClr val="accent4"/>
+          </a:effectRef>
+          <a:fontRef idx="minor">
+            <a:schemeClr val="lt1"/>
+          </a:fontRef>
+        </p:style>
+        <p:txBody>
+          <a:bodyPr rtlCol="0" anchor="ctr"/>
+          <a:lstStyle/>
+          <a:p>
+            <a:pPr algn="ctr"/>
+            <a:r>
+              <a:rPr lang="zh-CN" altLang="en-US" sz="1600" b="1" dirty="0">
+                <a:solidFill>
+                  <a:schemeClr val="tx1"/>
+                </a:solidFill>
+              </a:rPr>
+              <a:t>分区</a:t>
+            </a:r>
+            <a:r>
+              <a:rPr lang="en-US" altLang="zh-CN" sz="1600" b="1" dirty="0">
+                <a:solidFill>
+                  <a:schemeClr val="tx1"/>
+                </a:solidFill>
+              </a:rPr>
+              <a:t>2</a:t>
+            </a:r>
+            <a:endParaRPr lang="zh-CN" altLang="en-US" sz="1600" b="1" dirty="0">
+              <a:solidFill>
+                <a:schemeClr val="tx1"/>
+              </a:solidFill>
+            </a:endParaRPr>
+          </a:p>
+        </p:txBody>
+      </p:sp>
+      <p:sp>
+        <p:nvSpPr>
+          <p:cNvPr id="133" name="文本框 132">
+            <a:extLst>
+              <a:ext uri="{FF2B5EF4-FFF2-40B4-BE49-F238E27FC236}">
+                <a16:creationId xmlns:a16="http://schemas.microsoft.com/office/drawing/2014/main" id="{6EF4E7AD-993B-4A6E-926D-D7C0384A2609}"/>
+              </a:ext>
+            </a:extLst>
+          </p:cNvPr>
+          <p:cNvSpPr txBox="1"/>
+          <p:nvPr/>
+        </p:nvSpPr>
+        <p:spPr>
+          <a:xfrm>
+            <a:off x="2840352" y="425658"/>
+            <a:ext cx="736296" cy="276999"/>
+          </a:xfrm>
+          <a:prstGeom prst="rect">
+            <a:avLst/>
+          </a:prstGeom>
+          <a:noFill/>
+        </p:spPr>
+        <p:txBody>
+          <a:bodyPr wrap="square" rtlCol="0">
+            <a:spAutoFit/>
+          </a:bodyPr>
+          <a:lstStyle/>
+          <a:p>
+            <a:r>
+              <a:rPr lang="zh-CN" altLang="en-US" sz="1200" b="1" dirty="0"/>
+              <a:t>分区</a:t>
+            </a:r>
+          </a:p>
+        </p:txBody>
+      </p:sp>
+      <p:sp>
+        <p:nvSpPr>
+          <p:cNvPr id="139" name="文本框 138">
+            <a:extLst>
+              <a:ext uri="{FF2B5EF4-FFF2-40B4-BE49-F238E27FC236}">
+                <a16:creationId xmlns:a16="http://schemas.microsoft.com/office/drawing/2014/main" id="{7EF81A8B-6FAF-4D9B-9D72-E1C9922B4C59}"/>
+              </a:ext>
+            </a:extLst>
+          </p:cNvPr>
+          <p:cNvSpPr txBox="1"/>
+          <p:nvPr/>
+        </p:nvSpPr>
+        <p:spPr>
+          <a:xfrm>
+            <a:off x="2882483" y="1741341"/>
+            <a:ext cx="736296" cy="276999"/>
+          </a:xfrm>
+          <a:prstGeom prst="rect">
+            <a:avLst/>
+          </a:prstGeom>
+          <a:noFill/>
+        </p:spPr>
+        <p:txBody>
+          <a:bodyPr wrap="square" rtlCol="0">
+            <a:spAutoFit/>
+          </a:bodyPr>
+          <a:lstStyle/>
+          <a:p>
+            <a:r>
+              <a:rPr lang="zh-CN" altLang="en-US" sz="1200" b="1" dirty="0"/>
+              <a:t>分区</a:t>
+            </a:r>
+          </a:p>
+        </p:txBody>
+      </p:sp>
+      <p:cxnSp>
+        <p:nvCxnSpPr>
+          <p:cNvPr id="142" name="直接箭头连接符 141">
+            <a:extLst>
+              <a:ext uri="{FF2B5EF4-FFF2-40B4-BE49-F238E27FC236}">
+                <a16:creationId xmlns:a16="http://schemas.microsoft.com/office/drawing/2014/main" id="{992001DD-8381-4FF2-81D0-E783C8F1E543}"/>
+              </a:ext>
+            </a:extLst>
+          </p:cNvPr>
+          <p:cNvCxnSpPr>
+            <a:cxnSpLocks/>
+            <a:stCxn id="5" idx="3"/>
+          </p:cNvCxnSpPr>
+          <p:nvPr/>
+        </p:nvCxnSpPr>
+        <p:spPr>
+          <a:xfrm flipV="1">
+            <a:off x="1639046" y="984847"/>
+            <a:ext cx="696876" cy="496946"/>
+          </a:xfrm>
+          <a:prstGeom prst="straightConnector1">
+            <a:avLst/>
+          </a:prstGeom>
+          <a:ln>
+            <a:tailEnd type="triangle"/>
+          </a:ln>
+        </p:spPr>
+        <p:style>
+          <a:lnRef idx="3">
+            <a:schemeClr val="accent1"/>
+          </a:lnRef>
+          <a:fillRef idx="0">
+            <a:schemeClr val="accent1"/>
+          </a:fillRef>
+          <a:effectRef idx="2">
+            <a:schemeClr val="accent1"/>
+          </a:effectRef>
+          <a:fontRef idx="minor">
+            <a:schemeClr val="tx1"/>
+          </a:fontRef>
+        </p:style>
+      </p:cxnSp>
+      <p:cxnSp>
+        <p:nvCxnSpPr>
+          <p:cNvPr id="148" name="直接箭头连接符 147">
+            <a:extLst>
+              <a:ext uri="{FF2B5EF4-FFF2-40B4-BE49-F238E27FC236}">
+                <a16:creationId xmlns:a16="http://schemas.microsoft.com/office/drawing/2014/main" id="{70870BF9-E1F2-4A8C-B878-99319D897147}"/>
+              </a:ext>
+            </a:extLst>
+          </p:cNvPr>
+          <p:cNvCxnSpPr>
+            <a:cxnSpLocks/>
+            <a:stCxn id="5" idx="3"/>
+          </p:cNvCxnSpPr>
+          <p:nvPr/>
+        </p:nvCxnSpPr>
+        <p:spPr>
+          <a:xfrm>
+            <a:off x="1639046" y="1481793"/>
+            <a:ext cx="707057" cy="775719"/>
+          </a:xfrm>
+          <a:prstGeom prst="straightConnector1">
+            <a:avLst/>
+          </a:prstGeom>
+          <a:ln>
+            <a:tailEnd type="triangle"/>
+          </a:ln>
+        </p:spPr>
+        <p:style>
+          <a:lnRef idx="3">
+            <a:schemeClr val="accent1"/>
+          </a:lnRef>
+          <a:fillRef idx="0">
+            <a:schemeClr val="accent1"/>
+          </a:fillRef>
+          <a:effectRef idx="2">
+            <a:schemeClr val="accent1"/>
+          </a:effectRef>
+          <a:fontRef idx="minor">
+            <a:schemeClr val="tx1"/>
+          </a:fontRef>
+        </p:style>
+      </p:cxnSp>
+      <p:cxnSp>
+        <p:nvCxnSpPr>
+          <p:cNvPr id="152" name="直接箭头连接符 151">
+            <a:extLst>
+              <a:ext uri="{FF2B5EF4-FFF2-40B4-BE49-F238E27FC236}">
+                <a16:creationId xmlns:a16="http://schemas.microsoft.com/office/drawing/2014/main" id="{D707F7A4-1AEA-42C7-AC60-4189ECF421E2}"/>
+              </a:ext>
+            </a:extLst>
+          </p:cNvPr>
+          <p:cNvCxnSpPr>
+            <a:cxnSpLocks/>
+          </p:cNvCxnSpPr>
+          <p:nvPr/>
+        </p:nvCxnSpPr>
+        <p:spPr>
+          <a:xfrm flipV="1">
+            <a:off x="3870369" y="988614"/>
+            <a:ext cx="296599" cy="1478"/>
+          </a:xfrm>
+          <a:prstGeom prst="straightConnector1">
+            <a:avLst/>
+          </a:prstGeom>
+          <a:ln>
+            <a:tailEnd type="triangle"/>
+          </a:ln>
+        </p:spPr>
+        <p:style>
+          <a:lnRef idx="3">
+            <a:schemeClr val="accent1"/>
+          </a:lnRef>
+          <a:fillRef idx="0">
+            <a:schemeClr val="accent1"/>
+          </a:fillRef>
+          <a:effectRef idx="2">
+            <a:schemeClr val="accent1"/>
+          </a:effectRef>
+          <a:fontRef idx="minor">
+            <a:schemeClr val="tx1"/>
+          </a:fontRef>
+        </p:style>
+      </p:cxnSp>
+      <p:cxnSp>
+        <p:nvCxnSpPr>
+          <p:cNvPr id="153" name="直接箭头连接符 152">
+            <a:extLst>
+              <a:ext uri="{FF2B5EF4-FFF2-40B4-BE49-F238E27FC236}">
+                <a16:creationId xmlns:a16="http://schemas.microsoft.com/office/drawing/2014/main" id="{A4EBB002-4E95-42DB-8BCB-28593CF9E747}"/>
+              </a:ext>
+            </a:extLst>
+          </p:cNvPr>
+          <p:cNvCxnSpPr>
+            <a:cxnSpLocks/>
+          </p:cNvCxnSpPr>
+          <p:nvPr/>
+        </p:nvCxnSpPr>
+        <p:spPr>
+          <a:xfrm flipV="1">
+            <a:off x="3879300" y="2227261"/>
+            <a:ext cx="296599" cy="1478"/>
+          </a:xfrm>
+          <a:prstGeom prst="straightConnector1">
+            <a:avLst/>
+          </a:prstGeom>
+          <a:ln>
+            <a:tailEnd type="triangle"/>
+          </a:ln>
+        </p:spPr>
+        <p:style>
+          <a:lnRef idx="3">
+            <a:schemeClr val="accent1"/>
+          </a:lnRef>
+          <a:fillRef idx="0">
+            <a:schemeClr val="accent1"/>
+          </a:fillRef>
+          <a:effectRef idx="2">
+            <a:schemeClr val="accent1"/>
+          </a:effectRef>
+          <a:fontRef idx="minor">
+            <a:schemeClr val="tx1"/>
+          </a:fontRef>
+        </p:style>
+      </p:cxnSp>
+      <p:sp>
+        <p:nvSpPr>
+          <p:cNvPr id="154" name="文本框 153">
+            <a:extLst>
+              <a:ext uri="{FF2B5EF4-FFF2-40B4-BE49-F238E27FC236}">
+                <a16:creationId xmlns:a16="http://schemas.microsoft.com/office/drawing/2014/main" id="{52EC3F99-4889-4F6B-AD23-A2547704B6D8}"/>
+              </a:ext>
+            </a:extLst>
+          </p:cNvPr>
+          <p:cNvSpPr txBox="1"/>
+          <p:nvPr/>
+        </p:nvSpPr>
+        <p:spPr>
+          <a:xfrm>
+            <a:off x="2820765" y="1288424"/>
+            <a:ext cx="553998" cy="619125"/>
+          </a:xfrm>
+          <a:prstGeom prst="rect">
+            <a:avLst/>
+          </a:prstGeom>
+          <a:noFill/>
+        </p:spPr>
+        <p:txBody>
+          <a:bodyPr vert="eaVert" wrap="square" rtlCol="0">
+            <a:spAutoFit/>
+          </a:bodyPr>
+          <a:lstStyle/>
+          <a:p>
+            <a:r>
+              <a:rPr lang="en-US" altLang="zh-CN" sz="2400" dirty="0"/>
+              <a:t>……</a:t>
+            </a:r>
+            <a:endParaRPr lang="zh-CN" altLang="en-US" sz="2400" dirty="0"/>
+          </a:p>
+        </p:txBody>
+      </p:sp>
+      <p:sp>
+        <p:nvSpPr>
+          <p:cNvPr id="171" name="圆: 空心 170">
+            <a:extLst>
+              <a:ext uri="{FF2B5EF4-FFF2-40B4-BE49-F238E27FC236}">
+                <a16:creationId xmlns:a16="http://schemas.microsoft.com/office/drawing/2014/main" id="{82FE0DD5-B050-4E88-8399-DD221D337187}"/>
+              </a:ext>
+            </a:extLst>
+          </p:cNvPr>
+          <p:cNvSpPr/>
+          <p:nvPr/>
+        </p:nvSpPr>
+        <p:spPr>
+          <a:xfrm>
+            <a:off x="4208404" y="616566"/>
             <a:ext cx="1746348" cy="1711137"/>
           </a:xfrm>
           <a:prstGeom prst="donut">
@@ -16138,10 +17163,10 @@
       </p:sp>
       <p:sp>
         <p:nvSpPr>
-          <p:cNvPr id="24" name="文本框 23">
-            <a:extLst>
-              <a:ext uri="{FF2B5EF4-FFF2-40B4-BE49-F238E27FC236}">
-                <a16:creationId xmlns:a16="http://schemas.microsoft.com/office/drawing/2014/main" id="{67BA1428-112F-4E09-B6BE-8A0AF949097E}"/>
+          <p:cNvPr id="172" name="文本框 171">
+            <a:extLst>
+              <a:ext uri="{FF2B5EF4-FFF2-40B4-BE49-F238E27FC236}">
+                <a16:creationId xmlns:a16="http://schemas.microsoft.com/office/drawing/2014/main" id="{1A42A810-3524-47A5-B750-27C0DFC0DD9C}"/>
               </a:ext>
             </a:extLst>
           </p:cNvPr>
@@ -16150,7 +17175,7 @@
         </p:nvSpPr>
         <p:spPr>
           <a:xfrm>
-            <a:off x="2845129" y="330130"/>
+            <a:off x="4673768" y="407561"/>
             <a:ext cx="1009201" cy="276999"/>
           </a:xfrm>
           <a:prstGeom prst="rect">
@@ -16190,10 +17215,10 @@
       </p:sp>
       <p:sp>
         <p:nvSpPr>
-          <p:cNvPr id="25" name="箭头: 左弧形 24">
-            <a:extLst>
-              <a:ext uri="{FF2B5EF4-FFF2-40B4-BE49-F238E27FC236}">
-                <a16:creationId xmlns:a16="http://schemas.microsoft.com/office/drawing/2014/main" id="{C7C9D9FD-F0E4-4EC0-BCD8-323E78A8D2D2}"/>
+          <p:cNvPr id="173" name="箭头: 左弧形 172">
+            <a:extLst>
+              <a:ext uri="{FF2B5EF4-FFF2-40B4-BE49-F238E27FC236}">
+                <a16:creationId xmlns:a16="http://schemas.microsoft.com/office/drawing/2014/main" id="{576E9874-B7DB-46D1-BE76-40B1F8E1355C}"/>
               </a:ext>
             </a:extLst>
           </p:cNvPr>
@@ -16202,7 +17227,7 @@
         </p:nvSpPr>
         <p:spPr>
           <a:xfrm>
-            <a:off x="2560044" y="647876"/>
+            <a:off x="4388683" y="725307"/>
             <a:ext cx="629637" cy="1558126"/>
           </a:xfrm>
           <a:prstGeom prst="curvedRightArrow">
@@ -16244,10 +17269,10 @@
       </p:sp>
       <p:sp>
         <p:nvSpPr>
-          <p:cNvPr id="26" name="箭头: 右弧形 25">
-            <a:extLst>
-              <a:ext uri="{FF2B5EF4-FFF2-40B4-BE49-F238E27FC236}">
-                <a16:creationId xmlns:a16="http://schemas.microsoft.com/office/drawing/2014/main" id="{0F7EB461-F6EE-422B-BF79-4FB7F61B4D15}"/>
+          <p:cNvPr id="174" name="箭头: 右弧形 173">
+            <a:extLst>
+              <a:ext uri="{FF2B5EF4-FFF2-40B4-BE49-F238E27FC236}">
+                <a16:creationId xmlns:a16="http://schemas.microsoft.com/office/drawing/2014/main" id="{903CAA81-C2C3-4A17-8DD3-093337A03921}"/>
               </a:ext>
             </a:extLst>
           </p:cNvPr>
@@ -16256,7 +17281,7 @@
         </p:nvSpPr>
         <p:spPr>
           <a:xfrm>
-            <a:off x="3306962" y="638914"/>
+            <a:off x="5135601" y="716345"/>
             <a:ext cx="701870" cy="1584405"/>
           </a:xfrm>
           <a:prstGeom prst="curvedLeftArrow">
@@ -16294,10 +17319,10 @@
       </p:sp>
       <p:sp>
         <p:nvSpPr>
-          <p:cNvPr id="27" name="文本框 26">
-            <a:extLst>
-              <a:ext uri="{FF2B5EF4-FFF2-40B4-BE49-F238E27FC236}">
-                <a16:creationId xmlns:a16="http://schemas.microsoft.com/office/drawing/2014/main" id="{9D0FE36C-44F5-4672-87E2-C4E928382B2F}"/>
+          <p:cNvPr id="175" name="文本框 174">
+            <a:extLst>
+              <a:ext uri="{FF2B5EF4-FFF2-40B4-BE49-F238E27FC236}">
+                <a16:creationId xmlns:a16="http://schemas.microsoft.com/office/drawing/2014/main" id="{BB19AB36-14B4-4B68-B9C0-CBF3B1795E5D}"/>
               </a:ext>
             </a:extLst>
           </p:cNvPr>
@@ -16306,7 +17331,7 @@
         </p:nvSpPr>
         <p:spPr>
           <a:xfrm>
-            <a:off x="2383487" y="2092893"/>
+            <a:off x="4212126" y="2170324"/>
             <a:ext cx="1419521" cy="646331"/>
           </a:xfrm>
           <a:prstGeom prst="rect">
@@ -16344,10 +17369,10 @@
       </p:sp>
       <p:sp>
         <p:nvSpPr>
-          <p:cNvPr id="29" name="文本框 28">
-            <a:extLst>
-              <a:ext uri="{FF2B5EF4-FFF2-40B4-BE49-F238E27FC236}">
-                <a16:creationId xmlns:a16="http://schemas.microsoft.com/office/drawing/2014/main" id="{CADEA195-9B80-4B37-A54A-B9B67F2F8F23}"/>
+          <p:cNvPr id="176" name="文本框 175">
+            <a:extLst>
+              <a:ext uri="{FF2B5EF4-FFF2-40B4-BE49-F238E27FC236}">
+                <a16:creationId xmlns:a16="http://schemas.microsoft.com/office/drawing/2014/main" id="{D3B38C01-483E-436B-9991-3BF0BB587BF9}"/>
               </a:ext>
             </a:extLst>
           </p:cNvPr>
@@ -16356,7 +17381,7 @@
         </p:nvSpPr>
         <p:spPr>
           <a:xfrm>
-            <a:off x="2909813" y="1535806"/>
+            <a:off x="4738452" y="1613237"/>
             <a:ext cx="1419521" cy="276999"/>
           </a:xfrm>
           <a:prstGeom prst="rect">
@@ -16391,10 +17416,10 @@
       </p:sp>
       <p:sp>
         <p:nvSpPr>
-          <p:cNvPr id="30" name="文本框 29">
-            <a:extLst>
-              <a:ext uri="{FF2B5EF4-FFF2-40B4-BE49-F238E27FC236}">
-                <a16:creationId xmlns:a16="http://schemas.microsoft.com/office/drawing/2014/main" id="{66BD311C-A149-4A16-AC95-1CAADF0D749C}"/>
+          <p:cNvPr id="177" name="文本框 176">
+            <a:extLst>
+              <a:ext uri="{FF2B5EF4-FFF2-40B4-BE49-F238E27FC236}">
+                <a16:creationId xmlns:a16="http://schemas.microsoft.com/office/drawing/2014/main" id="{47C57720-2FC7-446D-9F1A-8755B8989384}"/>
               </a:ext>
             </a:extLst>
           </p:cNvPr>
@@ -16403,7 +17428,7 @@
         </p:nvSpPr>
         <p:spPr>
           <a:xfrm>
-            <a:off x="3532763" y="2103888"/>
+            <a:off x="5361402" y="2181319"/>
             <a:ext cx="908162" cy="646331"/>
           </a:xfrm>
           <a:prstGeom prst="rect">
@@ -16446,53 +17471,12 @@
           </a:p>
         </p:txBody>
       </p:sp>
-      <p:cxnSp>
-        <p:nvCxnSpPr>
-          <p:cNvPr id="33" name="直接箭头连接符 32">
-            <a:extLst>
-              <a:ext uri="{FF2B5EF4-FFF2-40B4-BE49-F238E27FC236}">
-                <a16:creationId xmlns:a16="http://schemas.microsoft.com/office/drawing/2014/main" id="{62B92A40-D1B3-4D50-8624-106090E206F4}"/>
-              </a:ext>
-            </a:extLst>
-          </p:cNvPr>
-          <p:cNvCxnSpPr>
-            <a:cxnSpLocks/>
-          </p:cNvCxnSpPr>
-          <p:nvPr/>
-        </p:nvCxnSpPr>
-        <p:spPr>
-          <a:xfrm>
-            <a:off x="1724851" y="1394705"/>
-            <a:ext cx="551624" cy="5470"/>
-          </a:xfrm>
-          <a:prstGeom prst="straightConnector1">
-            <a:avLst/>
-          </a:prstGeom>
-          <a:ln>
-            <a:tailEnd type="triangle"/>
-          </a:ln>
-        </p:spPr>
-        <p:style>
-          <a:lnRef idx="3">
-            <a:schemeClr val="accent1"/>
-          </a:lnRef>
-          <a:fillRef idx="0">
-            <a:schemeClr val="accent1"/>
-          </a:fillRef>
-          <a:effectRef idx="2">
-            <a:schemeClr val="accent1"/>
-          </a:effectRef>
-          <a:fontRef idx="minor">
-            <a:schemeClr val="tx1"/>
-          </a:fontRef>
-        </p:style>
-      </p:cxnSp>
-      <p:sp>
-        <p:nvSpPr>
-          <p:cNvPr id="35" name="文本框 34">
-            <a:extLst>
-              <a:ext uri="{FF2B5EF4-FFF2-40B4-BE49-F238E27FC236}">
-                <a16:creationId xmlns:a16="http://schemas.microsoft.com/office/drawing/2014/main" id="{CDE4AEE5-7D68-4F51-89EE-3B1CB95BADEC}"/>
+      <p:sp>
+        <p:nvSpPr>
+          <p:cNvPr id="178" name="文本框 177">
+            <a:extLst>
+              <a:ext uri="{FF2B5EF4-FFF2-40B4-BE49-F238E27FC236}">
+                <a16:creationId xmlns:a16="http://schemas.microsoft.com/office/drawing/2014/main" id="{5B4F5D65-F39E-42EE-90A4-E43480A6E835}"/>
               </a:ext>
             </a:extLst>
           </p:cNvPr>
@@ -16501,7 +17485,7 @@
         </p:nvSpPr>
         <p:spPr>
           <a:xfrm>
-            <a:off x="1794125" y="943184"/>
+            <a:off x="3915609" y="467135"/>
             <a:ext cx="620315" cy="400110"/>
           </a:xfrm>
           <a:prstGeom prst="rect">
@@ -16521,7 +17505,7 @@
                   <a:srgbClr val="FF0000"/>
                 </a:solidFill>
               </a:rPr>
-              <a:t>7</a:t>
+              <a:t>8</a:t>
             </a:r>
             <a:endParaRPr lang="zh-CN" altLang="en-US" sz="2000" b="1" dirty="0">
               <a:solidFill>
@@ -16533,129 +17517,37 @@
       </p:sp>
       <p:sp>
         <p:nvSpPr>
-          <p:cNvPr id="36" name="矩形 35">
-            <a:extLst>
-              <a:ext uri="{FF2B5EF4-FFF2-40B4-BE49-F238E27FC236}">
-                <a16:creationId xmlns:a16="http://schemas.microsoft.com/office/drawing/2014/main" id="{19831985-4933-445F-AAB7-C45F5C8CFBFE}"/>
-              </a:ext>
-            </a:extLst>
-          </p:cNvPr>
-          <p:cNvSpPr/>
-          <p:nvPr/>
-        </p:nvSpPr>
-        <p:spPr>
-          <a:xfrm>
-            <a:off x="4550240" y="787893"/>
-            <a:ext cx="754957" cy="455861"/>
-          </a:xfrm>
-          <a:prstGeom prst="rect">
-            <a:avLst/>
-          </a:prstGeom>
-        </p:spPr>
-        <p:style>
-          <a:lnRef idx="3">
-            <a:schemeClr val="lt1"/>
-          </a:lnRef>
-          <a:fillRef idx="1">
-            <a:schemeClr val="accent4"/>
-          </a:fillRef>
-          <a:effectRef idx="1">
-            <a:schemeClr val="accent4"/>
-          </a:effectRef>
-          <a:fontRef idx="minor">
-            <a:schemeClr val="lt1"/>
-          </a:fontRef>
-        </p:style>
-        <p:txBody>
-          <a:bodyPr rtlCol="0" anchor="ctr"/>
-          <a:lstStyle/>
-          <a:p>
-            <a:pPr algn="ctr"/>
-            <a:r>
-              <a:rPr lang="zh-CN" altLang="en-US" sz="1600" b="1" dirty="0">
-                <a:solidFill>
-                  <a:schemeClr val="tx1"/>
-                </a:solidFill>
-              </a:rPr>
-              <a:t>分区</a:t>
-            </a:r>
-            <a:r>
-              <a:rPr lang="en-US" altLang="zh-CN" sz="1600" b="1" dirty="0">
-                <a:solidFill>
-                  <a:schemeClr val="tx1"/>
-                </a:solidFill>
-              </a:rPr>
-              <a:t>1</a:t>
-            </a:r>
-            <a:endParaRPr lang="zh-CN" altLang="en-US" sz="1600" b="1" dirty="0">
-              <a:solidFill>
-                <a:schemeClr val="tx1"/>
-              </a:solidFill>
-            </a:endParaRPr>
-          </a:p>
-        </p:txBody>
-      </p:sp>
-      <p:sp>
-        <p:nvSpPr>
-          <p:cNvPr id="38" name="矩形 37">
-            <a:extLst>
-              <a:ext uri="{FF2B5EF4-FFF2-40B4-BE49-F238E27FC236}">
-                <a16:creationId xmlns:a16="http://schemas.microsoft.com/office/drawing/2014/main" id="{6C20D6A0-42C8-45F3-A022-BCF09AE4D79B}"/>
-              </a:ext>
-            </a:extLst>
-          </p:cNvPr>
-          <p:cNvSpPr/>
-          <p:nvPr/>
-        </p:nvSpPr>
-        <p:spPr>
-          <a:xfrm>
-            <a:off x="5305197" y="787893"/>
-            <a:ext cx="754957" cy="455861"/>
-          </a:xfrm>
-          <a:prstGeom prst="rect">
-            <a:avLst/>
-          </a:prstGeom>
-        </p:spPr>
-        <p:style>
-          <a:lnRef idx="3">
-            <a:schemeClr val="lt1"/>
-          </a:lnRef>
-          <a:fillRef idx="1">
-            <a:schemeClr val="accent4"/>
-          </a:fillRef>
-          <a:effectRef idx="1">
-            <a:schemeClr val="accent4"/>
-          </a:effectRef>
-          <a:fontRef idx="minor">
-            <a:schemeClr val="lt1"/>
-          </a:fontRef>
-        </p:style>
-        <p:txBody>
-          <a:bodyPr rtlCol="0" anchor="ctr"/>
-          <a:lstStyle/>
-          <a:p>
-            <a:pPr algn="ctr"/>
-            <a:r>
-              <a:rPr lang="zh-CN" altLang="en-US" sz="1600" b="1" dirty="0">
-                <a:solidFill>
-                  <a:schemeClr val="tx1"/>
-                </a:solidFill>
-              </a:rPr>
-              <a:t>分区</a:t>
-            </a:r>
-            <a:r>
-              <a:rPr lang="en-US" altLang="zh-CN" sz="1600" b="1" dirty="0">
-                <a:solidFill>
-                  <a:schemeClr val="tx1"/>
-                </a:solidFill>
-              </a:rPr>
-              <a:t>2</a:t>
-            </a:r>
-            <a:endParaRPr lang="zh-CN" altLang="en-US" sz="1600" b="1" dirty="0">
-              <a:solidFill>
-                <a:schemeClr val="tx1"/>
-              </a:solidFill>
-            </a:endParaRPr>
+          <p:cNvPr id="80" name="文本框 79">
+            <a:extLst>
+              <a:ext uri="{FF2B5EF4-FFF2-40B4-BE49-F238E27FC236}">
+                <a16:creationId xmlns:a16="http://schemas.microsoft.com/office/drawing/2014/main" id="{9C0710A7-33D2-4236-96BA-21A0EB1969DB}"/>
+              </a:ext>
+            </a:extLst>
+          </p:cNvPr>
+          <p:cNvSpPr txBox="1"/>
+          <p:nvPr/>
+        </p:nvSpPr>
+        <p:spPr>
+          <a:xfrm>
+            <a:off x="5913794" y="1363493"/>
+            <a:ext cx="553998" cy="619125"/>
+          </a:xfrm>
+          <a:prstGeom prst="rect">
+            <a:avLst/>
+          </a:prstGeom>
+          <a:noFill/>
+        </p:spPr>
+        <p:txBody>
+          <a:bodyPr vert="eaVert" wrap="square" rtlCol="0">
+            <a:spAutoFit/>
+          </a:bodyPr>
+          <a:lstStyle/>
+          <a:p>
+            <a:r>
+              <a:rPr lang="en-US" altLang="zh-CN" sz="2400" dirty="0"/>
+              <a:t>……</a:t>
+            </a:r>
+            <a:endParaRPr lang="zh-CN" altLang="en-US" sz="2400" dirty="0"/>
           </a:p>
         </p:txBody>
       </p:sp>
@@ -16801,138 +17693,10 @@
       </p:sp>
       <p:sp>
         <p:nvSpPr>
-          <p:cNvPr id="42" name="矩形 41">
-            <a:extLst>
-              <a:ext uri="{FF2B5EF4-FFF2-40B4-BE49-F238E27FC236}">
-                <a16:creationId xmlns:a16="http://schemas.microsoft.com/office/drawing/2014/main" id="{6C33BB31-DFEA-4DBE-A6B4-E7618A708DBE}"/>
-              </a:ext>
-            </a:extLst>
-          </p:cNvPr>
-          <p:cNvSpPr/>
-          <p:nvPr/>
-        </p:nvSpPr>
-        <p:spPr>
-          <a:xfrm>
-            <a:off x="4566830" y="2039768"/>
-            <a:ext cx="754957" cy="455861"/>
-          </a:xfrm>
-          <a:prstGeom prst="rect">
-            <a:avLst/>
-          </a:prstGeom>
-        </p:spPr>
-        <p:style>
-          <a:lnRef idx="3">
-            <a:schemeClr val="lt1"/>
-          </a:lnRef>
-          <a:fillRef idx="1">
-            <a:schemeClr val="accent4"/>
-          </a:fillRef>
-          <a:effectRef idx="1">
-            <a:schemeClr val="accent4"/>
-          </a:effectRef>
-          <a:fontRef idx="minor">
-            <a:schemeClr val="lt1"/>
-          </a:fontRef>
-        </p:style>
-        <p:txBody>
-          <a:bodyPr rtlCol="0" anchor="ctr"/>
-          <a:lstStyle/>
-          <a:p>
-            <a:pPr algn="ctr"/>
-            <a:r>
-              <a:rPr lang="zh-CN" altLang="en-US" sz="1600" b="1" dirty="0">
-                <a:solidFill>
-                  <a:schemeClr val="tx1"/>
-                </a:solidFill>
-              </a:rPr>
-              <a:t>分区</a:t>
-            </a:r>
-            <a:r>
-              <a:rPr lang="en-US" altLang="zh-CN" sz="1600" b="1" dirty="0">
-                <a:solidFill>
-                  <a:schemeClr val="tx1"/>
-                </a:solidFill>
-              </a:rPr>
-              <a:t>1</a:t>
-            </a:r>
-            <a:endParaRPr lang="zh-CN" altLang="en-US" sz="1600" b="1" dirty="0">
-              <a:solidFill>
-                <a:schemeClr val="tx1"/>
-              </a:solidFill>
-            </a:endParaRPr>
-          </a:p>
-        </p:txBody>
-      </p:sp>
-      <p:sp>
-        <p:nvSpPr>
-          <p:cNvPr id="43" name="矩形 42">
-            <a:extLst>
-              <a:ext uri="{FF2B5EF4-FFF2-40B4-BE49-F238E27FC236}">
-                <a16:creationId xmlns:a16="http://schemas.microsoft.com/office/drawing/2014/main" id="{BBD4A937-3B32-4323-AC0B-3AD5FAC48F93}"/>
-              </a:ext>
-            </a:extLst>
-          </p:cNvPr>
-          <p:cNvSpPr/>
-          <p:nvPr/>
-        </p:nvSpPr>
-        <p:spPr>
-          <a:xfrm>
-            <a:off x="5321787" y="2039768"/>
-            <a:ext cx="754957" cy="455861"/>
-          </a:xfrm>
-          <a:prstGeom prst="rect">
-            <a:avLst/>
-          </a:prstGeom>
-        </p:spPr>
-        <p:style>
-          <a:lnRef idx="3">
-            <a:schemeClr val="lt1"/>
-          </a:lnRef>
-          <a:fillRef idx="1">
-            <a:schemeClr val="accent4"/>
-          </a:fillRef>
-          <a:effectRef idx="1">
-            <a:schemeClr val="accent4"/>
-          </a:effectRef>
-          <a:fontRef idx="minor">
-            <a:schemeClr val="lt1"/>
-          </a:fontRef>
-        </p:style>
-        <p:txBody>
-          <a:bodyPr rtlCol="0" anchor="ctr"/>
-          <a:lstStyle/>
-          <a:p>
-            <a:pPr algn="ctr"/>
-            <a:r>
-              <a:rPr lang="zh-CN" altLang="en-US" sz="1600" b="1" dirty="0">
-                <a:solidFill>
-                  <a:schemeClr val="tx1"/>
-                </a:solidFill>
-              </a:rPr>
-              <a:t>分区</a:t>
-            </a:r>
-            <a:r>
-              <a:rPr lang="en-US" altLang="zh-CN" sz="1600" b="1" dirty="0">
-                <a:solidFill>
-                  <a:schemeClr val="tx1"/>
-                </a:solidFill>
-              </a:rPr>
-              <a:t>2</a:t>
-            </a:r>
-            <a:endParaRPr lang="zh-CN" altLang="en-US" sz="1600" b="1" dirty="0">
-              <a:solidFill>
-                <a:schemeClr val="tx1"/>
-              </a:solidFill>
-            </a:endParaRPr>
-          </a:p>
-        </p:txBody>
-      </p:sp>
-      <p:sp>
-        <p:nvSpPr>
-          <p:cNvPr id="46" name="文本框 45">
-            <a:extLst>
-              <a:ext uri="{FF2B5EF4-FFF2-40B4-BE49-F238E27FC236}">
-                <a16:creationId xmlns:a16="http://schemas.microsoft.com/office/drawing/2014/main" id="{4DB056CA-23EA-446F-921A-56CFB8D4A255}"/>
+          <p:cNvPr id="50" name="文本框 49">
+            <a:extLst>
+              <a:ext uri="{FF2B5EF4-FFF2-40B4-BE49-F238E27FC236}">
+                <a16:creationId xmlns:a16="http://schemas.microsoft.com/office/drawing/2014/main" id="{E557BAE7-17EA-4E99-869C-F0B8C97FDAA2}"/>
               </a:ext>
             </a:extLst>
           </p:cNvPr>
@@ -16941,8 +17705,8 @@
         </p:nvSpPr>
         <p:spPr>
           <a:xfrm>
-            <a:off x="4276526" y="141342"/>
-            <a:ext cx="1419521" cy="276999"/>
+            <a:off x="6724154" y="485459"/>
+            <a:ext cx="856134" cy="276999"/>
           </a:xfrm>
           <a:prstGeom prst="rect">
             <a:avLst/>
@@ -16957,17 +17721,17 @@
           <a:p>
             <a:r>
               <a:rPr lang="zh-CN" altLang="en-US" sz="1200" b="1" dirty="0"/>
-              <a:t>环形缓冲区</a:t>
-            </a:r>
-          </a:p>
-        </p:txBody>
-      </p:sp>
-      <p:sp>
-        <p:nvSpPr>
-          <p:cNvPr id="47" name="文本框 46">
-            <a:extLst>
-              <a:ext uri="{FF2B5EF4-FFF2-40B4-BE49-F238E27FC236}">
-                <a16:creationId xmlns:a16="http://schemas.microsoft.com/office/drawing/2014/main" id="{28A4351F-427E-4749-8DE4-DBBFEE632FDF}"/>
+              <a:t>快速排序</a:t>
+            </a:r>
+          </a:p>
+        </p:txBody>
+      </p:sp>
+      <p:sp>
+        <p:nvSpPr>
+          <p:cNvPr id="59" name="文本框 58">
+            <a:extLst>
+              <a:ext uri="{FF2B5EF4-FFF2-40B4-BE49-F238E27FC236}">
+                <a16:creationId xmlns:a16="http://schemas.microsoft.com/office/drawing/2014/main" id="{51A603B1-7974-43C9-9BE4-6E96DDC028F9}"/>
               </a:ext>
             </a:extLst>
           </p:cNvPr>
@@ -16976,315 +17740,7 @@
         </p:nvSpPr>
         <p:spPr>
           <a:xfrm>
-            <a:off x="3118034" y="3037313"/>
-            <a:ext cx="736296" cy="276999"/>
-          </a:xfrm>
-          <a:prstGeom prst="rect">
-            <a:avLst/>
-          </a:prstGeom>
-          <a:noFill/>
-        </p:spPr>
-        <p:txBody>
-          <a:bodyPr wrap="square" rtlCol="0">
-            <a:spAutoFit/>
-          </a:bodyPr>
-          <a:lstStyle/>
-          <a:p>
-            <a:r>
-              <a:rPr lang="zh-CN" altLang="en-US" sz="1200" b="1" dirty="0">
-                <a:solidFill>
-                  <a:srgbClr val="FF0000"/>
-                </a:solidFill>
-              </a:rPr>
-              <a:t>分区</a:t>
-            </a:r>
-          </a:p>
-        </p:txBody>
-      </p:sp>
-      <p:sp>
-        <p:nvSpPr>
-          <p:cNvPr id="48" name="文本框 47">
-            <a:extLst>
-              <a:ext uri="{FF2B5EF4-FFF2-40B4-BE49-F238E27FC236}">
-                <a16:creationId xmlns:a16="http://schemas.microsoft.com/office/drawing/2014/main" id="{FC5CB216-7261-4419-ADFA-8711E57C73BE}"/>
-              </a:ext>
-            </a:extLst>
-          </p:cNvPr>
-          <p:cNvSpPr txBox="1"/>
-          <p:nvPr/>
-        </p:nvSpPr>
-        <p:spPr>
-          <a:xfrm>
-            <a:off x="5053310" y="464617"/>
-            <a:ext cx="736296" cy="276999"/>
-          </a:xfrm>
-          <a:prstGeom prst="rect">
-            <a:avLst/>
-          </a:prstGeom>
-          <a:noFill/>
-        </p:spPr>
-        <p:txBody>
-          <a:bodyPr wrap="square" rtlCol="0">
-            <a:spAutoFit/>
-          </a:bodyPr>
-          <a:lstStyle/>
-          <a:p>
-            <a:r>
-              <a:rPr lang="zh-CN" altLang="en-US" sz="1200" b="1" dirty="0"/>
-              <a:t>分区</a:t>
-            </a:r>
-          </a:p>
-        </p:txBody>
-      </p:sp>
-      <p:sp>
-        <p:nvSpPr>
-          <p:cNvPr id="49" name="文本框 48">
-            <a:extLst>
-              <a:ext uri="{FF2B5EF4-FFF2-40B4-BE49-F238E27FC236}">
-                <a16:creationId xmlns:a16="http://schemas.microsoft.com/office/drawing/2014/main" id="{8020EA1F-2E62-47D8-852C-20954BE98D05}"/>
-              </a:ext>
-            </a:extLst>
-          </p:cNvPr>
-          <p:cNvSpPr txBox="1"/>
-          <p:nvPr/>
-        </p:nvSpPr>
-        <p:spPr>
-          <a:xfrm>
-            <a:off x="5095441" y="1780300"/>
-            <a:ext cx="736296" cy="276999"/>
-          </a:xfrm>
-          <a:prstGeom prst="rect">
-            <a:avLst/>
-          </a:prstGeom>
-          <a:noFill/>
-        </p:spPr>
-        <p:txBody>
-          <a:bodyPr wrap="square" rtlCol="0">
-            <a:spAutoFit/>
-          </a:bodyPr>
-          <a:lstStyle/>
-          <a:p>
-            <a:r>
-              <a:rPr lang="zh-CN" altLang="en-US" sz="1200" b="1" dirty="0"/>
-              <a:t>分区</a:t>
-            </a:r>
-          </a:p>
-        </p:txBody>
-      </p:sp>
-      <p:sp>
-        <p:nvSpPr>
-          <p:cNvPr id="50" name="文本框 49">
-            <a:extLst>
-              <a:ext uri="{FF2B5EF4-FFF2-40B4-BE49-F238E27FC236}">
-                <a16:creationId xmlns:a16="http://schemas.microsoft.com/office/drawing/2014/main" id="{E557BAE7-17EA-4E99-869C-F0B8C97FDAA2}"/>
-              </a:ext>
-            </a:extLst>
-          </p:cNvPr>
-          <p:cNvSpPr txBox="1"/>
-          <p:nvPr/>
-        </p:nvSpPr>
-        <p:spPr>
-          <a:xfrm>
-            <a:off x="6724154" y="485459"/>
-            <a:ext cx="856134" cy="276999"/>
-          </a:xfrm>
-          <a:prstGeom prst="rect">
-            <a:avLst/>
-          </a:prstGeom>
-          <a:noFill/>
-        </p:spPr>
-        <p:txBody>
-          <a:bodyPr wrap="square" rtlCol="0">
-            <a:spAutoFit/>
-          </a:bodyPr>
-          <a:lstStyle/>
-          <a:p>
-            <a:r>
-              <a:rPr lang="zh-CN" altLang="en-US" sz="1200" b="1" dirty="0"/>
-              <a:t>快速排序</a:t>
-            </a:r>
-          </a:p>
-        </p:txBody>
-      </p:sp>
-      <p:cxnSp>
-        <p:nvCxnSpPr>
-          <p:cNvPr id="52" name="直接箭头连接符 51">
-            <a:extLst>
-              <a:ext uri="{FF2B5EF4-FFF2-40B4-BE49-F238E27FC236}">
-                <a16:creationId xmlns:a16="http://schemas.microsoft.com/office/drawing/2014/main" id="{B33C71D1-875C-4B1F-9600-391339AC4667}"/>
-              </a:ext>
-            </a:extLst>
-          </p:cNvPr>
-          <p:cNvCxnSpPr>
-            <a:cxnSpLocks/>
-          </p:cNvCxnSpPr>
-          <p:nvPr/>
-        </p:nvCxnSpPr>
-        <p:spPr>
-          <a:xfrm flipV="1">
-            <a:off x="4099881" y="1023805"/>
-            <a:ext cx="448999" cy="1"/>
-          </a:xfrm>
-          <a:prstGeom prst="straightConnector1">
-            <a:avLst/>
-          </a:prstGeom>
-          <a:ln>
-            <a:tailEnd type="triangle"/>
-          </a:ln>
-        </p:spPr>
-        <p:style>
-          <a:lnRef idx="3">
-            <a:schemeClr val="accent1"/>
-          </a:lnRef>
-          <a:fillRef idx="0">
-            <a:schemeClr val="accent1"/>
-          </a:fillRef>
-          <a:effectRef idx="2">
-            <a:schemeClr val="accent1"/>
-          </a:effectRef>
-          <a:fontRef idx="minor">
-            <a:schemeClr val="tx1"/>
-          </a:fontRef>
-        </p:style>
-      </p:cxnSp>
-      <p:cxnSp>
-        <p:nvCxnSpPr>
-          <p:cNvPr id="55" name="直接箭头连接符 54">
-            <a:extLst>
-              <a:ext uri="{FF2B5EF4-FFF2-40B4-BE49-F238E27FC236}">
-                <a16:creationId xmlns:a16="http://schemas.microsoft.com/office/drawing/2014/main" id="{063B054E-5CCA-4B2E-896E-309E1A9CFBF2}"/>
-              </a:ext>
-            </a:extLst>
-          </p:cNvPr>
-          <p:cNvCxnSpPr>
-            <a:cxnSpLocks/>
-          </p:cNvCxnSpPr>
-          <p:nvPr/>
-        </p:nvCxnSpPr>
-        <p:spPr>
-          <a:xfrm flipV="1">
-            <a:off x="4110062" y="2296470"/>
-            <a:ext cx="448999" cy="1"/>
-          </a:xfrm>
-          <a:prstGeom prst="straightConnector1">
-            <a:avLst/>
-          </a:prstGeom>
-          <a:ln>
-            <a:tailEnd type="triangle"/>
-          </a:ln>
-        </p:spPr>
-        <p:style>
-          <a:lnRef idx="3">
-            <a:schemeClr val="accent1"/>
-          </a:lnRef>
-          <a:fillRef idx="0">
-            <a:schemeClr val="accent1"/>
-          </a:fillRef>
-          <a:effectRef idx="2">
-            <a:schemeClr val="accent1"/>
-          </a:effectRef>
-          <a:fontRef idx="minor">
-            <a:schemeClr val="tx1"/>
-          </a:fontRef>
-        </p:style>
-      </p:cxnSp>
-      <p:cxnSp>
-        <p:nvCxnSpPr>
-          <p:cNvPr id="56" name="直接箭头连接符 55">
-            <a:extLst>
-              <a:ext uri="{FF2B5EF4-FFF2-40B4-BE49-F238E27FC236}">
-                <a16:creationId xmlns:a16="http://schemas.microsoft.com/office/drawing/2014/main" id="{2D924EAF-E7A7-4D54-92FE-C69421DE0999}"/>
-              </a:ext>
-            </a:extLst>
-          </p:cNvPr>
-          <p:cNvCxnSpPr>
-            <a:cxnSpLocks/>
-          </p:cNvCxnSpPr>
-          <p:nvPr/>
-        </p:nvCxnSpPr>
-        <p:spPr>
-          <a:xfrm flipV="1">
-            <a:off x="6083327" y="1027573"/>
-            <a:ext cx="296599" cy="1478"/>
-          </a:xfrm>
-          <a:prstGeom prst="straightConnector1">
-            <a:avLst/>
-          </a:prstGeom>
-          <a:ln>
-            <a:tailEnd type="triangle"/>
-          </a:ln>
-        </p:spPr>
-        <p:style>
-          <a:lnRef idx="3">
-            <a:schemeClr val="accent1"/>
-          </a:lnRef>
-          <a:fillRef idx="0">
-            <a:schemeClr val="accent1"/>
-          </a:fillRef>
-          <a:effectRef idx="2">
-            <a:schemeClr val="accent1"/>
-          </a:effectRef>
-          <a:fontRef idx="minor">
-            <a:schemeClr val="tx1"/>
-          </a:fontRef>
-        </p:style>
-      </p:cxnSp>
-      <p:cxnSp>
-        <p:nvCxnSpPr>
-          <p:cNvPr id="58" name="直接箭头连接符 57">
-            <a:extLst>
-              <a:ext uri="{FF2B5EF4-FFF2-40B4-BE49-F238E27FC236}">
-                <a16:creationId xmlns:a16="http://schemas.microsoft.com/office/drawing/2014/main" id="{81F73668-556D-4B85-A6B7-FDFFC558FCE3}"/>
-              </a:ext>
-            </a:extLst>
-          </p:cNvPr>
-          <p:cNvCxnSpPr>
-            <a:cxnSpLocks/>
-          </p:cNvCxnSpPr>
-          <p:nvPr/>
-        </p:nvCxnSpPr>
-        <p:spPr>
-          <a:xfrm flipV="1">
-            <a:off x="6092258" y="2266220"/>
-            <a:ext cx="296599" cy="1478"/>
-          </a:xfrm>
-          <a:prstGeom prst="straightConnector1">
-            <a:avLst/>
-          </a:prstGeom>
-          <a:ln>
-            <a:tailEnd type="triangle"/>
-          </a:ln>
-        </p:spPr>
-        <p:style>
-          <a:lnRef idx="3">
-            <a:schemeClr val="accent1"/>
-          </a:lnRef>
-          <a:fillRef idx="0">
-            <a:schemeClr val="accent1"/>
-          </a:fillRef>
-          <a:effectRef idx="2">
-            <a:schemeClr val="accent1"/>
-          </a:effectRef>
-          <a:fontRef idx="minor">
-            <a:schemeClr val="tx1"/>
-          </a:fontRef>
-        </p:style>
-      </p:cxnSp>
-      <p:sp>
-        <p:nvSpPr>
-          <p:cNvPr id="59" name="文本框 58">
-            <a:extLst>
-              <a:ext uri="{FF2B5EF4-FFF2-40B4-BE49-F238E27FC236}">
-                <a16:creationId xmlns:a16="http://schemas.microsoft.com/office/drawing/2014/main" id="{51A603B1-7974-43C9-9BE4-6E96DDC028F9}"/>
-              </a:ext>
-            </a:extLst>
-          </p:cNvPr>
-          <p:cNvSpPr txBox="1"/>
-          <p:nvPr/>
-        </p:nvSpPr>
-        <p:spPr>
-          <a:xfrm>
-            <a:off x="6039806" y="352084"/>
+            <a:off x="5954752" y="485459"/>
             <a:ext cx="620315" cy="400110"/>
           </a:xfrm>
           <a:prstGeom prst="rect">
@@ -17304,7 +17760,7 @@
                   <a:srgbClr val="FF0000"/>
                 </a:solidFill>
               </a:rPr>
-              <a:t>8</a:t>
+              <a:t>9</a:t>
             </a:r>
             <a:endParaRPr lang="zh-CN" altLang="en-US" sz="2000" b="1" dirty="0">
               <a:solidFill>
@@ -17489,12 +17945,94 @@
           </a:p>
         </p:txBody>
       </p:sp>
-      <p:sp>
-        <p:nvSpPr>
-          <p:cNvPr id="66" name="文本框 65">
-            <a:extLst>
-              <a:ext uri="{FF2B5EF4-FFF2-40B4-BE49-F238E27FC236}">
-                <a16:creationId xmlns:a16="http://schemas.microsoft.com/office/drawing/2014/main" id="{C76C8236-66A5-4F6C-8A1E-AC8EAFDD166C}"/>
+      <p:cxnSp>
+        <p:nvCxnSpPr>
+          <p:cNvPr id="124" name="直接箭头连接符 123">
+            <a:extLst>
+              <a:ext uri="{FF2B5EF4-FFF2-40B4-BE49-F238E27FC236}">
+                <a16:creationId xmlns:a16="http://schemas.microsoft.com/office/drawing/2014/main" id="{5672080B-C531-427A-9404-F650A824A9AC}"/>
+              </a:ext>
+            </a:extLst>
+          </p:cNvPr>
+          <p:cNvCxnSpPr>
+            <a:cxnSpLocks/>
+          </p:cNvCxnSpPr>
+          <p:nvPr/>
+        </p:nvCxnSpPr>
+        <p:spPr>
+          <a:xfrm flipV="1">
+            <a:off x="6083327" y="1027573"/>
+            <a:ext cx="296599" cy="1478"/>
+          </a:xfrm>
+          <a:prstGeom prst="straightConnector1">
+            <a:avLst/>
+          </a:prstGeom>
+          <a:ln>
+            <a:tailEnd type="triangle"/>
+          </a:ln>
+        </p:spPr>
+        <p:style>
+          <a:lnRef idx="3">
+            <a:schemeClr val="accent1"/>
+          </a:lnRef>
+          <a:fillRef idx="0">
+            <a:schemeClr val="accent1"/>
+          </a:fillRef>
+          <a:effectRef idx="2">
+            <a:schemeClr val="accent1"/>
+          </a:effectRef>
+          <a:fontRef idx="minor">
+            <a:schemeClr val="tx1"/>
+          </a:fontRef>
+        </p:style>
+      </p:cxnSp>
+      <p:cxnSp>
+        <p:nvCxnSpPr>
+          <p:cNvPr id="125" name="直接箭头连接符 124">
+            <a:extLst>
+              <a:ext uri="{FF2B5EF4-FFF2-40B4-BE49-F238E27FC236}">
+                <a16:creationId xmlns:a16="http://schemas.microsoft.com/office/drawing/2014/main" id="{3324BEAF-FA54-46AD-9E49-73CCAC5A3027}"/>
+              </a:ext>
+            </a:extLst>
+          </p:cNvPr>
+          <p:cNvCxnSpPr>
+            <a:cxnSpLocks/>
+          </p:cNvCxnSpPr>
+          <p:nvPr/>
+        </p:nvCxnSpPr>
+        <p:spPr>
+          <a:xfrm flipV="1">
+            <a:off x="6092258" y="2266220"/>
+            <a:ext cx="296599" cy="1478"/>
+          </a:xfrm>
+          <a:prstGeom prst="straightConnector1">
+            <a:avLst/>
+          </a:prstGeom>
+          <a:ln>
+            <a:tailEnd type="triangle"/>
+          </a:ln>
+        </p:spPr>
+        <p:style>
+          <a:lnRef idx="3">
+            <a:schemeClr val="accent1"/>
+          </a:lnRef>
+          <a:fillRef idx="0">
+            <a:schemeClr val="accent1"/>
+          </a:fillRef>
+          <a:effectRef idx="2">
+            <a:schemeClr val="accent1"/>
+          </a:effectRef>
+          <a:fontRef idx="minor">
+            <a:schemeClr val="tx1"/>
+          </a:fontRef>
+        </p:style>
+      </p:cxnSp>
+      <p:sp>
+        <p:nvSpPr>
+          <p:cNvPr id="180" name="文本框 179">
+            <a:extLst>
+              <a:ext uri="{FF2B5EF4-FFF2-40B4-BE49-F238E27FC236}">
+                <a16:creationId xmlns:a16="http://schemas.microsoft.com/office/drawing/2014/main" id="{EB04503F-1A7B-4D78-B1B6-0C2623E24DDC}"/>
               </a:ext>
             </a:extLst>
           </p:cNvPr>
@@ -17503,8 +18041,8 @@
         </p:nvSpPr>
         <p:spPr>
           <a:xfrm>
-            <a:off x="86883" y="3092763"/>
-            <a:ext cx="1932902" cy="461665"/>
+            <a:off x="1639046" y="5096503"/>
+            <a:ext cx="631097" cy="276999"/>
           </a:xfrm>
           <a:prstGeom prst="rect">
             <a:avLst/>
@@ -17517,22 +18055,9 @@
           </a:bodyPr>
           <a:lstStyle/>
           <a:p>
-            <a:pPr algn="ctr"/>
-            <a:r>
-              <a:rPr lang="en-US" altLang="zh-CN" sz="1200" dirty="0"/>
-              <a:t>Map2</a:t>
-            </a:r>
-            <a:r>
-              <a:rPr lang="zh-CN" altLang="en-US" sz="1200" dirty="0"/>
-              <a:t>方法的流程和</a:t>
-            </a:r>
-            <a:r>
-              <a:rPr lang="en-US" altLang="zh-CN" sz="1200" dirty="0"/>
-              <a:t>Map1</a:t>
-            </a:r>
-            <a:r>
-              <a:rPr lang="zh-CN" altLang="en-US" sz="1200" dirty="0"/>
-              <a:t>方法一样</a:t>
+            <a:r>
+              <a:rPr lang="zh-CN" altLang="en-US" sz="1200" b="1" dirty="0"/>
+              <a:t>磁盘</a:t>
             </a:r>
           </a:p>
         </p:txBody>
@@ -17580,277 +18105,6 @@
           <a:p>
             <a:pPr algn="ctr"/>
             <a:endParaRPr lang="zh-CN" altLang="en-US" dirty="0"/>
-          </a:p>
-        </p:txBody>
-      </p:sp>
-      <p:sp>
-        <p:nvSpPr>
-          <p:cNvPr id="72" name="文本框 71">
-            <a:extLst>
-              <a:ext uri="{FF2B5EF4-FFF2-40B4-BE49-F238E27FC236}">
-                <a16:creationId xmlns:a16="http://schemas.microsoft.com/office/drawing/2014/main" id="{F89A2FBD-4CFE-4913-A6EE-E22283A23C38}"/>
-              </a:ext>
-            </a:extLst>
-          </p:cNvPr>
-          <p:cNvSpPr txBox="1"/>
-          <p:nvPr/>
-        </p:nvSpPr>
-        <p:spPr>
-          <a:xfrm>
-            <a:off x="8039426" y="675919"/>
-            <a:ext cx="899095" cy="276999"/>
-          </a:xfrm>
-          <a:prstGeom prst="rect">
-            <a:avLst/>
-          </a:prstGeom>
-          <a:noFill/>
-        </p:spPr>
-        <p:txBody>
-          <a:bodyPr wrap="square" rtlCol="0">
-            <a:spAutoFit/>
-          </a:bodyPr>
-          <a:lstStyle/>
-          <a:p>
-            <a:r>
-              <a:rPr lang="en-US" altLang="zh-CN" sz="1200" b="1" dirty="0"/>
-              <a:t>Combiner</a:t>
-            </a:r>
-            <a:endParaRPr lang="zh-CN" altLang="en-US" sz="1200" b="1" dirty="0"/>
-          </a:p>
-        </p:txBody>
-      </p:sp>
-      <p:cxnSp>
-        <p:nvCxnSpPr>
-          <p:cNvPr id="74" name="直接箭头连接符 73">
-            <a:extLst>
-              <a:ext uri="{FF2B5EF4-FFF2-40B4-BE49-F238E27FC236}">
-                <a16:creationId xmlns:a16="http://schemas.microsoft.com/office/drawing/2014/main" id="{CB15FF47-0913-4223-B3C5-15ED4ED02BDD}"/>
-              </a:ext>
-            </a:extLst>
-          </p:cNvPr>
-          <p:cNvCxnSpPr>
-            <a:cxnSpLocks/>
-          </p:cNvCxnSpPr>
-          <p:nvPr/>
-        </p:nvCxnSpPr>
-        <p:spPr>
-          <a:xfrm flipV="1">
-            <a:off x="7924383" y="1050911"/>
-            <a:ext cx="1281908" cy="10278"/>
-          </a:xfrm>
-          <a:prstGeom prst="straightConnector1">
-            <a:avLst/>
-          </a:prstGeom>
-          <a:ln>
-            <a:tailEnd type="triangle"/>
-          </a:ln>
-        </p:spPr>
-        <p:style>
-          <a:lnRef idx="3">
-            <a:schemeClr val="accent1"/>
-          </a:lnRef>
-          <a:fillRef idx="0">
-            <a:schemeClr val="accent1"/>
-          </a:fillRef>
-          <a:effectRef idx="2">
-            <a:schemeClr val="accent1"/>
-          </a:effectRef>
-          <a:fontRef idx="minor">
-            <a:schemeClr val="tx1"/>
-          </a:fontRef>
-        </p:style>
-      </p:cxnSp>
-      <p:sp>
-        <p:nvSpPr>
-          <p:cNvPr id="75" name="文本框 74">
-            <a:extLst>
-              <a:ext uri="{FF2B5EF4-FFF2-40B4-BE49-F238E27FC236}">
-                <a16:creationId xmlns:a16="http://schemas.microsoft.com/office/drawing/2014/main" id="{8ADD91BF-E30D-44DC-90A5-D59F67768EDC}"/>
-              </a:ext>
-            </a:extLst>
-          </p:cNvPr>
-          <p:cNvSpPr txBox="1"/>
-          <p:nvPr/>
-        </p:nvSpPr>
-        <p:spPr>
-          <a:xfrm>
-            <a:off x="8072471" y="1961711"/>
-            <a:ext cx="899095" cy="276999"/>
-          </a:xfrm>
-          <a:prstGeom prst="rect">
-            <a:avLst/>
-          </a:prstGeom>
-          <a:noFill/>
-        </p:spPr>
-        <p:txBody>
-          <a:bodyPr wrap="square" rtlCol="0">
-            <a:spAutoFit/>
-          </a:bodyPr>
-          <a:lstStyle/>
-          <a:p>
-            <a:r>
-              <a:rPr lang="en-US" altLang="zh-CN" sz="1200" b="1" dirty="0"/>
-              <a:t>Combiner</a:t>
-            </a:r>
-            <a:endParaRPr lang="zh-CN" altLang="en-US" sz="1200" b="1" dirty="0"/>
-          </a:p>
-        </p:txBody>
-      </p:sp>
-      <p:sp>
-        <p:nvSpPr>
-          <p:cNvPr id="76" name="文本框 75">
-            <a:extLst>
-              <a:ext uri="{FF2B5EF4-FFF2-40B4-BE49-F238E27FC236}">
-                <a16:creationId xmlns:a16="http://schemas.microsoft.com/office/drawing/2014/main" id="{77FA077E-082C-4712-AF0F-EA78D21C7C64}"/>
-              </a:ext>
-            </a:extLst>
-          </p:cNvPr>
-          <p:cNvSpPr txBox="1"/>
-          <p:nvPr/>
-        </p:nvSpPr>
-        <p:spPr>
-          <a:xfrm>
-            <a:off x="8089994" y="2360181"/>
-            <a:ext cx="899095" cy="276999"/>
-          </a:xfrm>
-          <a:prstGeom prst="rect">
-            <a:avLst/>
-          </a:prstGeom>
-          <a:noFill/>
-        </p:spPr>
-        <p:txBody>
-          <a:bodyPr wrap="square" rtlCol="0">
-            <a:spAutoFit/>
-          </a:bodyPr>
-          <a:lstStyle/>
-          <a:p>
-            <a:r>
-              <a:rPr lang="zh-CN" altLang="en-US" sz="1200" b="1" dirty="0"/>
-              <a:t>第</a:t>
-            </a:r>
-            <a:r>
-              <a:rPr lang="en-US" altLang="zh-CN" sz="1200" b="1" dirty="0"/>
-              <a:t>n</a:t>
-            </a:r>
-            <a:r>
-              <a:rPr lang="zh-CN" altLang="en-US" sz="1200" b="1" dirty="0"/>
-              <a:t>次溢写</a:t>
-            </a:r>
-          </a:p>
-        </p:txBody>
-      </p:sp>
-      <p:sp>
-        <p:nvSpPr>
-          <p:cNvPr id="78" name="文本框 77">
-            <a:extLst>
-              <a:ext uri="{FF2B5EF4-FFF2-40B4-BE49-F238E27FC236}">
-                <a16:creationId xmlns:a16="http://schemas.microsoft.com/office/drawing/2014/main" id="{4F3532A2-A827-45C3-B2B2-D0A0F1278C74}"/>
-              </a:ext>
-            </a:extLst>
-          </p:cNvPr>
-          <p:cNvSpPr txBox="1"/>
-          <p:nvPr/>
-        </p:nvSpPr>
-        <p:spPr>
-          <a:xfrm>
-            <a:off x="8064504" y="1106163"/>
-            <a:ext cx="899095" cy="276999"/>
-          </a:xfrm>
-          <a:prstGeom prst="rect">
-            <a:avLst/>
-          </a:prstGeom>
-          <a:noFill/>
-        </p:spPr>
-        <p:txBody>
-          <a:bodyPr wrap="square" rtlCol="0">
-            <a:spAutoFit/>
-          </a:bodyPr>
-          <a:lstStyle/>
-          <a:p>
-            <a:r>
-              <a:rPr lang="zh-CN" altLang="en-US" sz="1200" b="1" dirty="0"/>
-              <a:t>第</a:t>
-            </a:r>
-            <a:r>
-              <a:rPr lang="en-US" altLang="zh-CN" sz="1200" b="1" dirty="0"/>
-              <a:t>1</a:t>
-            </a:r>
-            <a:r>
-              <a:rPr lang="zh-CN" altLang="en-US" sz="1200" b="1" dirty="0"/>
-              <a:t>次溢写</a:t>
-            </a:r>
-          </a:p>
-        </p:txBody>
-      </p:sp>
-      <p:sp>
-        <p:nvSpPr>
-          <p:cNvPr id="80" name="文本框 79">
-            <a:extLst>
-              <a:ext uri="{FF2B5EF4-FFF2-40B4-BE49-F238E27FC236}">
-                <a16:creationId xmlns:a16="http://schemas.microsoft.com/office/drawing/2014/main" id="{9C0710A7-33D2-4236-96BA-21A0EB1969DB}"/>
-              </a:ext>
-            </a:extLst>
-          </p:cNvPr>
-          <p:cNvSpPr txBox="1"/>
-          <p:nvPr/>
-        </p:nvSpPr>
-        <p:spPr>
-          <a:xfrm>
-            <a:off x="5913794" y="1363493"/>
-            <a:ext cx="553998" cy="619125"/>
-          </a:xfrm>
-          <a:prstGeom prst="rect">
-            <a:avLst/>
-          </a:prstGeom>
-          <a:noFill/>
-        </p:spPr>
-        <p:txBody>
-          <a:bodyPr vert="eaVert" wrap="square" rtlCol="0">
-            <a:spAutoFit/>
-          </a:bodyPr>
-          <a:lstStyle/>
-          <a:p>
-            <a:r>
-              <a:rPr lang="en-US" altLang="zh-CN" sz="2400" dirty="0"/>
-              <a:t>……</a:t>
-            </a:r>
-            <a:endParaRPr lang="zh-CN" altLang="en-US" sz="2400" dirty="0"/>
-          </a:p>
-        </p:txBody>
-      </p:sp>
-      <p:sp>
-        <p:nvSpPr>
-          <p:cNvPr id="81" name="文本框 80">
-            <a:extLst>
-              <a:ext uri="{FF2B5EF4-FFF2-40B4-BE49-F238E27FC236}">
-                <a16:creationId xmlns:a16="http://schemas.microsoft.com/office/drawing/2014/main" id="{E85E7054-286E-488B-B20B-2C14681CDEA0}"/>
-              </a:ext>
-            </a:extLst>
-          </p:cNvPr>
-          <p:cNvSpPr txBox="1"/>
-          <p:nvPr/>
-        </p:nvSpPr>
-        <p:spPr>
-          <a:xfrm>
-            <a:off x="8208678" y="1383162"/>
-            <a:ext cx="553998" cy="619125"/>
-          </a:xfrm>
-          <a:prstGeom prst="rect">
-            <a:avLst/>
-          </a:prstGeom>
-          <a:noFill/>
-        </p:spPr>
-        <p:txBody>
-          <a:bodyPr vert="eaVert" wrap="square" rtlCol="0">
-            <a:spAutoFit/>
-          </a:bodyPr>
-          <a:lstStyle/>
-          <a:p>
-            <a:r>
-              <a:rPr lang="en-US" altLang="zh-CN" sz="2400" dirty="0"/>
-              <a:t>……</a:t>
-            </a:r>
-            <a:endParaRPr lang="zh-CN" altLang="en-US" sz="2400" dirty="0"/>
           </a:p>
         </p:txBody>
       </p:sp>
@@ -18040,47 +18294,6 @@
           </a:p>
         </p:txBody>
       </p:sp>
-      <p:cxnSp>
-        <p:nvCxnSpPr>
-          <p:cNvPr id="92" name="直接箭头连接符 91">
-            <a:extLst>
-              <a:ext uri="{FF2B5EF4-FFF2-40B4-BE49-F238E27FC236}">
-                <a16:creationId xmlns:a16="http://schemas.microsoft.com/office/drawing/2014/main" id="{D77767FF-F02F-4AF3-A617-CA6C10A19C9A}"/>
-              </a:ext>
-            </a:extLst>
-          </p:cNvPr>
-          <p:cNvCxnSpPr>
-            <a:cxnSpLocks/>
-          </p:cNvCxnSpPr>
-          <p:nvPr/>
-        </p:nvCxnSpPr>
-        <p:spPr>
-          <a:xfrm flipV="1">
-            <a:off x="7952476" y="2299431"/>
-            <a:ext cx="1281908" cy="10278"/>
-          </a:xfrm>
-          <a:prstGeom prst="straightConnector1">
-            <a:avLst/>
-          </a:prstGeom>
-          <a:ln>
-            <a:tailEnd type="triangle"/>
-          </a:ln>
-        </p:spPr>
-        <p:style>
-          <a:lnRef idx="3">
-            <a:schemeClr val="accent1"/>
-          </a:lnRef>
-          <a:fillRef idx="0">
-            <a:schemeClr val="accent1"/>
-          </a:fillRef>
-          <a:effectRef idx="2">
-            <a:schemeClr val="accent1"/>
-          </a:effectRef>
-          <a:fontRef idx="minor">
-            <a:schemeClr val="tx1"/>
-          </a:fontRef>
-        </p:style>
-      </p:cxnSp>
       <p:sp>
         <p:nvSpPr>
           <p:cNvPr id="93" name="矩形 92">
@@ -18235,7 +18448,7 @@
         </p:nvSpPr>
         <p:spPr>
           <a:xfrm>
-            <a:off x="8573814" y="202464"/>
+            <a:off x="7003384" y="2907681"/>
             <a:ext cx="2208486" cy="307777"/>
           </a:xfrm>
           <a:prstGeom prst="rect">
@@ -18268,6 +18481,506 @@
           </a:p>
         </p:txBody>
       </p:sp>
+      <p:cxnSp>
+        <p:nvCxnSpPr>
+          <p:cNvPr id="103" name="连接符: 肘形 102">
+            <a:extLst>
+              <a:ext uri="{FF2B5EF4-FFF2-40B4-BE49-F238E27FC236}">
+                <a16:creationId xmlns:a16="http://schemas.microsoft.com/office/drawing/2014/main" id="{F256AB67-5BC6-40CA-BCA3-2407C1730FAF}"/>
+              </a:ext>
+            </a:extLst>
+          </p:cNvPr>
+          <p:cNvCxnSpPr>
+            <a:endCxn id="100" idx="1"/>
+          </p:cNvCxnSpPr>
+          <p:nvPr/>
+        </p:nvCxnSpPr>
+        <p:spPr>
+          <a:xfrm rot="5400000">
+            <a:off x="8038988" y="2804830"/>
+            <a:ext cx="3122152" cy="12700"/>
+          </a:xfrm>
+          <a:prstGeom prst="bentConnector4">
+            <a:avLst>
+              <a:gd name="adj1" fmla="val -22"/>
+              <a:gd name="adj2" fmla="val 4150000"/>
+            </a:avLst>
+          </a:prstGeom>
+          <a:ln>
+            <a:tailEnd type="triangle"/>
+          </a:ln>
+        </p:spPr>
+        <p:style>
+          <a:lnRef idx="3">
+            <a:schemeClr val="accent1"/>
+          </a:lnRef>
+          <a:fillRef idx="0">
+            <a:schemeClr val="accent1"/>
+          </a:fillRef>
+          <a:effectRef idx="2">
+            <a:schemeClr val="accent1"/>
+          </a:effectRef>
+          <a:fontRef idx="minor">
+            <a:schemeClr val="tx1"/>
+          </a:fontRef>
+        </p:style>
+      </p:cxnSp>
+      <p:cxnSp>
+        <p:nvCxnSpPr>
+          <p:cNvPr id="107" name="连接符: 肘形 106">
+            <a:extLst>
+              <a:ext uri="{FF2B5EF4-FFF2-40B4-BE49-F238E27FC236}">
+                <a16:creationId xmlns:a16="http://schemas.microsoft.com/office/drawing/2014/main" id="{97FB449D-94EF-4E95-843F-437F069E7507}"/>
+              </a:ext>
+            </a:extLst>
+          </p:cNvPr>
+          <p:cNvCxnSpPr>
+            <a:cxnSpLocks/>
+            <a:endCxn id="100" idx="1"/>
+          </p:cNvCxnSpPr>
+          <p:nvPr/>
+        </p:nvCxnSpPr>
+        <p:spPr>
+          <a:xfrm rot="5400000">
+            <a:off x="8606334" y="3353912"/>
+            <a:ext cx="2005725" cy="18263"/>
+          </a:xfrm>
+          <a:prstGeom prst="bentConnector4">
+            <a:avLst>
+              <a:gd name="adj1" fmla="val -1746"/>
+              <a:gd name="adj2" fmla="val 1873257"/>
+            </a:avLst>
+          </a:prstGeom>
+          <a:ln>
+            <a:tailEnd type="triangle"/>
+          </a:ln>
+        </p:spPr>
+        <p:style>
+          <a:lnRef idx="3">
+            <a:schemeClr val="accent1"/>
+          </a:lnRef>
+          <a:fillRef idx="0">
+            <a:schemeClr val="accent1"/>
+          </a:fillRef>
+          <a:effectRef idx="2">
+            <a:schemeClr val="accent1"/>
+          </a:effectRef>
+          <a:fontRef idx="minor">
+            <a:schemeClr val="tx1"/>
+          </a:fontRef>
+        </p:style>
+      </p:cxnSp>
+      <p:cxnSp>
+        <p:nvCxnSpPr>
+          <p:cNvPr id="113" name="连接符: 肘形 112">
+            <a:extLst>
+              <a:ext uri="{FF2B5EF4-FFF2-40B4-BE49-F238E27FC236}">
+                <a16:creationId xmlns:a16="http://schemas.microsoft.com/office/drawing/2014/main" id="{97844C47-B9AB-4BC4-AD15-9F9B9E172402}"/>
+              </a:ext>
+            </a:extLst>
+          </p:cNvPr>
+          <p:cNvCxnSpPr>
+            <a:cxnSpLocks/>
+            <a:stCxn id="94" idx="3"/>
+            <a:endCxn id="101" idx="3"/>
+          </p:cNvCxnSpPr>
+          <p:nvPr/>
+        </p:nvCxnSpPr>
+        <p:spPr>
+          <a:xfrm>
+            <a:off x="11109978" y="1171115"/>
+            <a:ext cx="12700" cy="3194791"/>
+          </a:xfrm>
+          <a:prstGeom prst="bentConnector3">
+            <a:avLst>
+              <a:gd name="adj1" fmla="val 4725000"/>
+            </a:avLst>
+          </a:prstGeom>
+          <a:ln>
+            <a:tailEnd type="triangle"/>
+          </a:ln>
+        </p:spPr>
+        <p:style>
+          <a:lnRef idx="3">
+            <a:schemeClr val="accent1"/>
+          </a:lnRef>
+          <a:fillRef idx="0">
+            <a:schemeClr val="accent1"/>
+          </a:fillRef>
+          <a:effectRef idx="2">
+            <a:schemeClr val="accent1"/>
+          </a:effectRef>
+          <a:fontRef idx="minor">
+            <a:schemeClr val="tx1"/>
+          </a:fontRef>
+        </p:style>
+      </p:cxnSp>
+      <p:cxnSp>
+        <p:nvCxnSpPr>
+          <p:cNvPr id="115" name="连接符: 肘形 114">
+            <a:extLst>
+              <a:ext uri="{FF2B5EF4-FFF2-40B4-BE49-F238E27FC236}">
+                <a16:creationId xmlns:a16="http://schemas.microsoft.com/office/drawing/2014/main" id="{D75E31DB-12D1-4379-806F-E4F1A032C5BC}"/>
+              </a:ext>
+            </a:extLst>
+          </p:cNvPr>
+          <p:cNvCxnSpPr>
+            <a:cxnSpLocks/>
+            <a:stCxn id="83" idx="3"/>
+          </p:cNvCxnSpPr>
+          <p:nvPr/>
+        </p:nvCxnSpPr>
+        <p:spPr>
+          <a:xfrm flipH="1">
+            <a:off x="11104415" y="2409250"/>
+            <a:ext cx="32792" cy="1965990"/>
+          </a:xfrm>
+          <a:prstGeom prst="bentConnector4">
+            <a:avLst>
+              <a:gd name="adj1" fmla="val -1713756"/>
+              <a:gd name="adj2" fmla="val 100370"/>
+            </a:avLst>
+          </a:prstGeom>
+          <a:ln>
+            <a:tailEnd type="triangle"/>
+          </a:ln>
+        </p:spPr>
+        <p:style>
+          <a:lnRef idx="3">
+            <a:schemeClr val="accent1"/>
+          </a:lnRef>
+          <a:fillRef idx="0">
+            <a:schemeClr val="accent1"/>
+          </a:fillRef>
+          <a:effectRef idx="2">
+            <a:schemeClr val="accent1"/>
+          </a:effectRef>
+          <a:fontRef idx="minor">
+            <a:schemeClr val="tx1"/>
+          </a:fontRef>
+        </p:style>
+      </p:cxnSp>
+      <p:sp>
+        <p:nvSpPr>
+          <p:cNvPr id="72" name="文本框 71">
+            <a:extLst>
+              <a:ext uri="{FF2B5EF4-FFF2-40B4-BE49-F238E27FC236}">
+                <a16:creationId xmlns:a16="http://schemas.microsoft.com/office/drawing/2014/main" id="{F89A2FBD-4CFE-4913-A6EE-E22283A23C38}"/>
+              </a:ext>
+            </a:extLst>
+          </p:cNvPr>
+          <p:cNvSpPr txBox="1"/>
+          <p:nvPr/>
+        </p:nvSpPr>
+        <p:spPr>
+          <a:xfrm>
+            <a:off x="8039426" y="675919"/>
+            <a:ext cx="899095" cy="276999"/>
+          </a:xfrm>
+          <a:prstGeom prst="rect">
+            <a:avLst/>
+          </a:prstGeom>
+          <a:noFill/>
+        </p:spPr>
+        <p:txBody>
+          <a:bodyPr wrap="square" rtlCol="0">
+            <a:spAutoFit/>
+          </a:bodyPr>
+          <a:lstStyle/>
+          <a:p>
+            <a:r>
+              <a:rPr lang="en-US" altLang="zh-CN" sz="1200" b="1" dirty="0"/>
+              <a:t>Combiner</a:t>
+            </a:r>
+            <a:endParaRPr lang="zh-CN" altLang="en-US" sz="1200" b="1" dirty="0"/>
+          </a:p>
+        </p:txBody>
+      </p:sp>
+      <p:cxnSp>
+        <p:nvCxnSpPr>
+          <p:cNvPr id="74" name="直接箭头连接符 73">
+            <a:extLst>
+              <a:ext uri="{FF2B5EF4-FFF2-40B4-BE49-F238E27FC236}">
+                <a16:creationId xmlns:a16="http://schemas.microsoft.com/office/drawing/2014/main" id="{CB15FF47-0913-4223-B3C5-15ED4ED02BDD}"/>
+              </a:ext>
+            </a:extLst>
+          </p:cNvPr>
+          <p:cNvCxnSpPr>
+            <a:cxnSpLocks/>
+          </p:cNvCxnSpPr>
+          <p:nvPr/>
+        </p:nvCxnSpPr>
+        <p:spPr>
+          <a:xfrm flipV="1">
+            <a:off x="7924383" y="1050911"/>
+            <a:ext cx="1281908" cy="10278"/>
+          </a:xfrm>
+          <a:prstGeom prst="straightConnector1">
+            <a:avLst/>
+          </a:prstGeom>
+          <a:ln>
+            <a:tailEnd type="triangle"/>
+          </a:ln>
+        </p:spPr>
+        <p:style>
+          <a:lnRef idx="3">
+            <a:schemeClr val="accent1"/>
+          </a:lnRef>
+          <a:fillRef idx="0">
+            <a:schemeClr val="accent1"/>
+          </a:fillRef>
+          <a:effectRef idx="2">
+            <a:schemeClr val="accent1"/>
+          </a:effectRef>
+          <a:fontRef idx="minor">
+            <a:schemeClr val="tx1"/>
+          </a:fontRef>
+        </p:style>
+      </p:cxnSp>
+      <p:sp>
+        <p:nvSpPr>
+          <p:cNvPr id="75" name="文本框 74">
+            <a:extLst>
+              <a:ext uri="{FF2B5EF4-FFF2-40B4-BE49-F238E27FC236}">
+                <a16:creationId xmlns:a16="http://schemas.microsoft.com/office/drawing/2014/main" id="{8ADD91BF-E30D-44DC-90A5-D59F67768EDC}"/>
+              </a:ext>
+            </a:extLst>
+          </p:cNvPr>
+          <p:cNvSpPr txBox="1"/>
+          <p:nvPr/>
+        </p:nvSpPr>
+        <p:spPr>
+          <a:xfrm>
+            <a:off x="8072471" y="1961711"/>
+            <a:ext cx="899095" cy="276999"/>
+          </a:xfrm>
+          <a:prstGeom prst="rect">
+            <a:avLst/>
+          </a:prstGeom>
+          <a:noFill/>
+        </p:spPr>
+        <p:txBody>
+          <a:bodyPr wrap="square" rtlCol="0">
+            <a:spAutoFit/>
+          </a:bodyPr>
+          <a:lstStyle/>
+          <a:p>
+            <a:r>
+              <a:rPr lang="en-US" altLang="zh-CN" sz="1200" b="1" dirty="0"/>
+              <a:t>Combiner</a:t>
+            </a:r>
+            <a:endParaRPr lang="zh-CN" altLang="en-US" sz="1200" b="1" dirty="0"/>
+          </a:p>
+        </p:txBody>
+      </p:sp>
+      <p:sp>
+        <p:nvSpPr>
+          <p:cNvPr id="76" name="文本框 75">
+            <a:extLst>
+              <a:ext uri="{FF2B5EF4-FFF2-40B4-BE49-F238E27FC236}">
+                <a16:creationId xmlns:a16="http://schemas.microsoft.com/office/drawing/2014/main" id="{77FA077E-082C-4712-AF0F-EA78D21C7C64}"/>
+              </a:ext>
+            </a:extLst>
+          </p:cNvPr>
+          <p:cNvSpPr txBox="1"/>
+          <p:nvPr/>
+        </p:nvSpPr>
+        <p:spPr>
+          <a:xfrm>
+            <a:off x="8089994" y="2360181"/>
+            <a:ext cx="899095" cy="276999"/>
+          </a:xfrm>
+          <a:prstGeom prst="rect">
+            <a:avLst/>
+          </a:prstGeom>
+          <a:noFill/>
+        </p:spPr>
+        <p:txBody>
+          <a:bodyPr wrap="square" rtlCol="0">
+            <a:spAutoFit/>
+          </a:bodyPr>
+          <a:lstStyle/>
+          <a:p>
+            <a:r>
+              <a:rPr lang="zh-CN" altLang="en-US" sz="1200" b="1" dirty="0"/>
+              <a:t>第</a:t>
+            </a:r>
+            <a:r>
+              <a:rPr lang="en-US" altLang="zh-CN" sz="1200" b="1" dirty="0"/>
+              <a:t>n</a:t>
+            </a:r>
+            <a:r>
+              <a:rPr lang="zh-CN" altLang="en-US" sz="1200" b="1" dirty="0"/>
+              <a:t>次溢写</a:t>
+            </a:r>
+          </a:p>
+        </p:txBody>
+      </p:sp>
+      <p:sp>
+        <p:nvSpPr>
+          <p:cNvPr id="78" name="文本框 77">
+            <a:extLst>
+              <a:ext uri="{FF2B5EF4-FFF2-40B4-BE49-F238E27FC236}">
+                <a16:creationId xmlns:a16="http://schemas.microsoft.com/office/drawing/2014/main" id="{4F3532A2-A827-45C3-B2B2-D0A0F1278C74}"/>
+              </a:ext>
+            </a:extLst>
+          </p:cNvPr>
+          <p:cNvSpPr txBox="1"/>
+          <p:nvPr/>
+        </p:nvSpPr>
+        <p:spPr>
+          <a:xfrm>
+            <a:off x="8064504" y="1106163"/>
+            <a:ext cx="899095" cy="276999"/>
+          </a:xfrm>
+          <a:prstGeom prst="rect">
+            <a:avLst/>
+          </a:prstGeom>
+          <a:noFill/>
+        </p:spPr>
+        <p:txBody>
+          <a:bodyPr wrap="square" rtlCol="0">
+            <a:spAutoFit/>
+          </a:bodyPr>
+          <a:lstStyle/>
+          <a:p>
+            <a:r>
+              <a:rPr lang="zh-CN" altLang="en-US" sz="1200" b="1" dirty="0"/>
+              <a:t>第</a:t>
+            </a:r>
+            <a:r>
+              <a:rPr lang="en-US" altLang="zh-CN" sz="1200" b="1" dirty="0"/>
+              <a:t>1</a:t>
+            </a:r>
+            <a:r>
+              <a:rPr lang="zh-CN" altLang="en-US" sz="1200" b="1" dirty="0"/>
+              <a:t>次溢写</a:t>
+            </a:r>
+          </a:p>
+        </p:txBody>
+      </p:sp>
+      <p:sp>
+        <p:nvSpPr>
+          <p:cNvPr id="81" name="文本框 80">
+            <a:extLst>
+              <a:ext uri="{FF2B5EF4-FFF2-40B4-BE49-F238E27FC236}">
+                <a16:creationId xmlns:a16="http://schemas.microsoft.com/office/drawing/2014/main" id="{E85E7054-286E-488B-B20B-2C14681CDEA0}"/>
+              </a:ext>
+            </a:extLst>
+          </p:cNvPr>
+          <p:cNvSpPr txBox="1"/>
+          <p:nvPr/>
+        </p:nvSpPr>
+        <p:spPr>
+          <a:xfrm>
+            <a:off x="8208678" y="1383162"/>
+            <a:ext cx="553998" cy="619125"/>
+          </a:xfrm>
+          <a:prstGeom prst="rect">
+            <a:avLst/>
+          </a:prstGeom>
+          <a:noFill/>
+        </p:spPr>
+        <p:txBody>
+          <a:bodyPr vert="eaVert" wrap="square" rtlCol="0">
+            <a:spAutoFit/>
+          </a:bodyPr>
+          <a:lstStyle/>
+          <a:p>
+            <a:r>
+              <a:rPr lang="en-US" altLang="zh-CN" sz="2400" dirty="0"/>
+              <a:t>……</a:t>
+            </a:r>
+            <a:endParaRPr lang="zh-CN" altLang="en-US" sz="2400" dirty="0"/>
+          </a:p>
+        </p:txBody>
+      </p:sp>
+      <p:cxnSp>
+        <p:nvCxnSpPr>
+          <p:cNvPr id="92" name="直接箭头连接符 91">
+            <a:extLst>
+              <a:ext uri="{FF2B5EF4-FFF2-40B4-BE49-F238E27FC236}">
+                <a16:creationId xmlns:a16="http://schemas.microsoft.com/office/drawing/2014/main" id="{D77767FF-F02F-4AF3-A617-CA6C10A19C9A}"/>
+              </a:ext>
+            </a:extLst>
+          </p:cNvPr>
+          <p:cNvCxnSpPr>
+            <a:cxnSpLocks/>
+          </p:cNvCxnSpPr>
+          <p:nvPr/>
+        </p:nvCxnSpPr>
+        <p:spPr>
+          <a:xfrm flipV="1">
+            <a:off x="7952476" y="2299431"/>
+            <a:ext cx="1281908" cy="10278"/>
+          </a:xfrm>
+          <a:prstGeom prst="straightConnector1">
+            <a:avLst/>
+          </a:prstGeom>
+          <a:ln>
+            <a:tailEnd type="triangle"/>
+          </a:ln>
+        </p:spPr>
+        <p:style>
+          <a:lnRef idx="3">
+            <a:schemeClr val="accent1"/>
+          </a:lnRef>
+          <a:fillRef idx="0">
+            <a:schemeClr val="accent1"/>
+          </a:fillRef>
+          <a:effectRef idx="2">
+            <a:schemeClr val="accent1"/>
+          </a:effectRef>
+          <a:fontRef idx="minor">
+            <a:schemeClr val="tx1"/>
+          </a:fontRef>
+        </p:style>
+      </p:cxnSp>
+      <p:sp>
+        <p:nvSpPr>
+          <p:cNvPr id="20" name="矩形 19">
+            <a:extLst>
+              <a:ext uri="{FF2B5EF4-FFF2-40B4-BE49-F238E27FC236}">
+                <a16:creationId xmlns:a16="http://schemas.microsoft.com/office/drawing/2014/main" id="{60C36725-ACDE-434B-BB2A-E99921CC2D9D}"/>
+              </a:ext>
+            </a:extLst>
+          </p:cNvPr>
+          <p:cNvSpPr/>
+          <p:nvPr/>
+        </p:nvSpPr>
+        <p:spPr>
+          <a:xfrm>
+            <a:off x="1828800" y="381000"/>
+            <a:ext cx="6196097" cy="2436384"/>
+          </a:xfrm>
+          <a:prstGeom prst="rect">
+            <a:avLst/>
+          </a:prstGeom>
+          <a:noFill/>
+        </p:spPr>
+        <p:style>
+          <a:lnRef idx="2">
+            <a:schemeClr val="accent1"/>
+          </a:lnRef>
+          <a:fillRef idx="1">
+            <a:schemeClr val="lt1"/>
+          </a:fillRef>
+          <a:effectRef idx="0">
+            <a:schemeClr val="accent1"/>
+          </a:effectRef>
+          <a:fontRef idx="minor">
+            <a:schemeClr val="dk1"/>
+          </a:fontRef>
+        </p:style>
+        <p:txBody>
+          <a:bodyPr rtlCol="0" anchor="ctr"/>
+          <a:lstStyle/>
+          <a:p>
+            <a:pPr algn="ctr"/>
+            <a:endParaRPr lang="zh-CN" altLang="en-US"/>
+          </a:p>
+        </p:txBody>
+      </p:sp>
       <p:sp>
         <p:nvSpPr>
           <p:cNvPr id="100" name="矩形 99">
@@ -18408,191 +19121,56 @@
           </a:p>
         </p:txBody>
       </p:sp>
-      <p:cxnSp>
-        <p:nvCxnSpPr>
-          <p:cNvPr id="103" name="连接符: 肘形 102">
-            <a:extLst>
-              <a:ext uri="{FF2B5EF4-FFF2-40B4-BE49-F238E27FC236}">
-                <a16:creationId xmlns:a16="http://schemas.microsoft.com/office/drawing/2014/main" id="{F256AB67-5BC6-40CA-BCA3-2407C1730FAF}"/>
-              </a:ext>
-            </a:extLst>
-          </p:cNvPr>
-          <p:cNvCxnSpPr>
-            <a:endCxn id="100" idx="1"/>
-          </p:cNvCxnSpPr>
-          <p:nvPr/>
-        </p:nvCxnSpPr>
-        <p:spPr>
-          <a:xfrm rot="5400000">
-            <a:off x="8038988" y="2804830"/>
-            <a:ext cx="3122152" cy="12700"/>
-          </a:xfrm>
-          <a:prstGeom prst="bentConnector4">
-            <a:avLst>
-              <a:gd name="adj1" fmla="val -22"/>
-              <a:gd name="adj2" fmla="val 4150000"/>
-            </a:avLst>
-          </a:prstGeom>
-          <a:ln>
-            <a:tailEnd type="triangle"/>
-          </a:ln>
-        </p:spPr>
-        <p:style>
-          <a:lnRef idx="3">
-            <a:schemeClr val="accent1"/>
-          </a:lnRef>
-          <a:fillRef idx="0">
-            <a:schemeClr val="accent1"/>
-          </a:fillRef>
-          <a:effectRef idx="2">
-            <a:schemeClr val="accent1"/>
-          </a:effectRef>
-          <a:fontRef idx="minor">
-            <a:schemeClr val="tx1"/>
-          </a:fontRef>
-        </p:style>
-      </p:cxnSp>
-      <p:cxnSp>
-        <p:nvCxnSpPr>
-          <p:cNvPr id="107" name="连接符: 肘形 106">
-            <a:extLst>
-              <a:ext uri="{FF2B5EF4-FFF2-40B4-BE49-F238E27FC236}">
-                <a16:creationId xmlns:a16="http://schemas.microsoft.com/office/drawing/2014/main" id="{97FB449D-94EF-4E95-843F-437F069E7507}"/>
-              </a:ext>
-            </a:extLst>
-          </p:cNvPr>
-          <p:cNvCxnSpPr>
-            <a:cxnSpLocks/>
-            <a:endCxn id="100" idx="1"/>
-          </p:cNvCxnSpPr>
-          <p:nvPr/>
-        </p:nvCxnSpPr>
-        <p:spPr>
-          <a:xfrm rot="5400000">
-            <a:off x="8606334" y="3353912"/>
-            <a:ext cx="2005725" cy="18263"/>
-          </a:xfrm>
-          <a:prstGeom prst="bentConnector4">
-            <a:avLst>
-              <a:gd name="adj1" fmla="val -1746"/>
-              <a:gd name="adj2" fmla="val 1873257"/>
-            </a:avLst>
-          </a:prstGeom>
-          <a:ln>
-            <a:tailEnd type="triangle"/>
-          </a:ln>
-        </p:spPr>
-        <p:style>
-          <a:lnRef idx="3">
-            <a:schemeClr val="accent1"/>
-          </a:lnRef>
-          <a:fillRef idx="0">
-            <a:schemeClr val="accent1"/>
-          </a:fillRef>
-          <a:effectRef idx="2">
-            <a:schemeClr val="accent1"/>
-          </a:effectRef>
-          <a:fontRef idx="minor">
-            <a:schemeClr val="tx1"/>
-          </a:fontRef>
-        </p:style>
-      </p:cxnSp>
-      <p:cxnSp>
-        <p:nvCxnSpPr>
-          <p:cNvPr id="113" name="连接符: 肘形 112">
-            <a:extLst>
-              <a:ext uri="{FF2B5EF4-FFF2-40B4-BE49-F238E27FC236}">
-                <a16:creationId xmlns:a16="http://schemas.microsoft.com/office/drawing/2014/main" id="{97844C47-B9AB-4BC4-AD15-9F9B9E172402}"/>
-              </a:ext>
-            </a:extLst>
-          </p:cNvPr>
-          <p:cNvCxnSpPr>
-            <a:cxnSpLocks/>
-            <a:stCxn id="94" idx="3"/>
-            <a:endCxn id="101" idx="3"/>
-          </p:cNvCxnSpPr>
-          <p:nvPr/>
-        </p:nvCxnSpPr>
-        <p:spPr>
-          <a:xfrm>
-            <a:off x="11109978" y="1171115"/>
-            <a:ext cx="12700" cy="3194791"/>
-          </a:xfrm>
-          <a:prstGeom prst="bentConnector3">
-            <a:avLst>
-              <a:gd name="adj1" fmla="val 4725000"/>
-            </a:avLst>
-          </a:prstGeom>
-          <a:ln>
-            <a:tailEnd type="triangle"/>
-          </a:ln>
-        </p:spPr>
-        <p:style>
-          <a:lnRef idx="3">
-            <a:schemeClr val="accent1"/>
-          </a:lnRef>
-          <a:fillRef idx="0">
-            <a:schemeClr val="accent1"/>
-          </a:fillRef>
-          <a:effectRef idx="2">
-            <a:schemeClr val="accent1"/>
-          </a:effectRef>
-          <a:fontRef idx="minor">
-            <a:schemeClr val="tx1"/>
-          </a:fontRef>
-        </p:style>
-      </p:cxnSp>
-      <p:cxnSp>
-        <p:nvCxnSpPr>
-          <p:cNvPr id="115" name="连接符: 肘形 114">
-            <a:extLst>
-              <a:ext uri="{FF2B5EF4-FFF2-40B4-BE49-F238E27FC236}">
-                <a16:creationId xmlns:a16="http://schemas.microsoft.com/office/drawing/2014/main" id="{D75E31DB-12D1-4379-806F-E4F1A032C5BC}"/>
-              </a:ext>
-            </a:extLst>
-          </p:cNvPr>
-          <p:cNvCxnSpPr>
-            <a:cxnSpLocks/>
-            <a:stCxn id="83" idx="3"/>
-          </p:cNvCxnSpPr>
-          <p:nvPr/>
-        </p:nvCxnSpPr>
-        <p:spPr>
-          <a:xfrm flipH="1">
-            <a:off x="11104415" y="2409250"/>
-            <a:ext cx="32792" cy="1965990"/>
-          </a:xfrm>
-          <a:prstGeom prst="bentConnector4">
-            <a:avLst>
-              <a:gd name="adj1" fmla="val -1713756"/>
-              <a:gd name="adj2" fmla="val 100370"/>
-            </a:avLst>
-          </a:prstGeom>
-          <a:ln>
-            <a:tailEnd type="triangle"/>
-          </a:ln>
-        </p:spPr>
-        <p:style>
-          <a:lnRef idx="3">
-            <a:schemeClr val="accent1"/>
-          </a:lnRef>
-          <a:fillRef idx="0">
-            <a:schemeClr val="accent1"/>
-          </a:fillRef>
-          <a:effectRef idx="2">
-            <a:schemeClr val="accent1"/>
-          </a:effectRef>
-          <a:fontRef idx="minor">
-            <a:schemeClr val="tx1"/>
-          </a:fontRef>
-        </p:style>
-      </p:cxnSp>
-      <p:sp>
-        <p:nvSpPr>
-          <p:cNvPr id="129" name="矩形 128">
-            <a:extLst>
-              <a:ext uri="{FF2B5EF4-FFF2-40B4-BE49-F238E27FC236}">
-                <a16:creationId xmlns:a16="http://schemas.microsoft.com/office/drawing/2014/main" id="{CB33617D-AB8C-4A4D-8DD1-8A6A83B0BCD2}"/>
+      <p:sp>
+        <p:nvSpPr>
+          <p:cNvPr id="149" name="文本框 148">
+            <a:extLst>
+              <a:ext uri="{FF2B5EF4-FFF2-40B4-BE49-F238E27FC236}">
+                <a16:creationId xmlns:a16="http://schemas.microsoft.com/office/drawing/2014/main" id="{A95DFF10-A3B1-4B6F-9CB7-476459E4C46B}"/>
+              </a:ext>
+            </a:extLst>
+          </p:cNvPr>
+          <p:cNvSpPr txBox="1"/>
+          <p:nvPr/>
+        </p:nvSpPr>
+        <p:spPr>
+          <a:xfrm>
+            <a:off x="8440306" y="3380665"/>
+            <a:ext cx="620315" cy="400110"/>
+          </a:xfrm>
+          <a:prstGeom prst="rect">
+            <a:avLst/>
+          </a:prstGeom>
+          <a:noFill/>
+        </p:spPr>
+        <p:txBody>
+          <a:bodyPr wrap="square" rtlCol="0">
+            <a:spAutoFit/>
+          </a:bodyPr>
+          <a:lstStyle/>
+          <a:p>
+            <a:r>
+              <a:rPr lang="en-US" altLang="zh-CN" sz="2000" b="1" dirty="0">
+                <a:solidFill>
+                  <a:srgbClr val="FF0000"/>
+                </a:solidFill>
+              </a:rPr>
+              <a:t>10</a:t>
+            </a:r>
+            <a:endParaRPr lang="zh-CN" altLang="en-US" sz="2000" b="1" dirty="0">
+              <a:solidFill>
+                <a:srgbClr val="FF0000"/>
+              </a:solidFill>
+            </a:endParaRPr>
+          </a:p>
+        </p:txBody>
+      </p:sp>
+      <p:sp>
+        <p:nvSpPr>
+          <p:cNvPr id="138" name="矩形 137">
+            <a:extLst>
+              <a:ext uri="{FF2B5EF4-FFF2-40B4-BE49-F238E27FC236}">
+                <a16:creationId xmlns:a16="http://schemas.microsoft.com/office/drawing/2014/main" id="{C0279138-3DFF-48F6-AFC2-CDC9F13582EB}"/>
               </a:ext>
             </a:extLst>
           </p:cNvPr>
@@ -18601,7 +19179,7 @@
         </p:nvSpPr>
         <p:spPr>
           <a:xfrm>
-            <a:off x="6957558" y="5366302"/>
+            <a:off x="4674882" y="5378421"/>
             <a:ext cx="754957" cy="455861"/>
           </a:xfrm>
           <a:prstGeom prst="rect">
@@ -18641,7 +19219,7 @@
                   <a:schemeClr val="tx1"/>
                 </a:solidFill>
               </a:rPr>
-              <a:t>1</a:t>
+              <a:t>2</a:t>
             </a:r>
           </a:p>
           <a:p>
@@ -18652,17 +19230,17 @@
                   <a:schemeClr val="tx1"/>
                 </a:solidFill>
               </a:rPr>
-              <a:t>归并</a:t>
-            </a:r>
-          </a:p>
-        </p:txBody>
-      </p:sp>
-      <p:sp>
-        <p:nvSpPr>
-          <p:cNvPr id="130" name="矩形 129">
-            <a:extLst>
-              <a:ext uri="{FF2B5EF4-FFF2-40B4-BE49-F238E27FC236}">
-                <a16:creationId xmlns:a16="http://schemas.microsoft.com/office/drawing/2014/main" id="{4815B3C8-12FC-42EB-A74D-DF4DACFBFD4C}"/>
+              <a:t>压缩</a:t>
+            </a:r>
+          </a:p>
+        </p:txBody>
+      </p:sp>
+      <p:sp>
+        <p:nvSpPr>
+          <p:cNvPr id="129" name="矩形 128">
+            <a:extLst>
+              <a:ext uri="{FF2B5EF4-FFF2-40B4-BE49-F238E27FC236}">
+                <a16:creationId xmlns:a16="http://schemas.microsoft.com/office/drawing/2014/main" id="{CB33617D-AB8C-4A4D-8DD1-8A6A83B0BCD2}"/>
               </a:ext>
             </a:extLst>
           </p:cNvPr>
@@ -18671,7 +19249,7 @@
         </p:nvSpPr>
         <p:spPr>
           <a:xfrm>
-            <a:off x="7712515" y="5366302"/>
+            <a:off x="6957558" y="5366302"/>
             <a:ext cx="754957" cy="455861"/>
           </a:xfrm>
           <a:prstGeom prst="rect">
@@ -18711,7 +19289,7 @@
                   <a:schemeClr val="tx1"/>
                 </a:solidFill>
               </a:rPr>
-              <a:t>2</a:t>
+              <a:t>1</a:t>
             </a:r>
           </a:p>
           <a:p>
@@ -18722,7 +19300,77 @@
                   <a:schemeClr val="tx1"/>
                 </a:solidFill>
               </a:rPr>
-              <a:t>归并</a:t>
+              <a:t>合并</a:t>
+            </a:r>
+          </a:p>
+        </p:txBody>
+      </p:sp>
+      <p:sp>
+        <p:nvSpPr>
+          <p:cNvPr id="130" name="矩形 129">
+            <a:extLst>
+              <a:ext uri="{FF2B5EF4-FFF2-40B4-BE49-F238E27FC236}">
+                <a16:creationId xmlns:a16="http://schemas.microsoft.com/office/drawing/2014/main" id="{4815B3C8-12FC-42EB-A74D-DF4DACFBFD4C}"/>
+              </a:ext>
+            </a:extLst>
+          </p:cNvPr>
+          <p:cNvSpPr/>
+          <p:nvPr/>
+        </p:nvSpPr>
+        <p:spPr>
+          <a:xfrm>
+            <a:off x="7712515" y="5366302"/>
+            <a:ext cx="754957" cy="455861"/>
+          </a:xfrm>
+          <a:prstGeom prst="rect">
+            <a:avLst/>
+          </a:prstGeom>
+        </p:spPr>
+        <p:style>
+          <a:lnRef idx="3">
+            <a:schemeClr val="lt1"/>
+          </a:lnRef>
+          <a:fillRef idx="1">
+            <a:schemeClr val="accent4"/>
+          </a:fillRef>
+          <a:effectRef idx="1">
+            <a:schemeClr val="accent4"/>
+          </a:effectRef>
+          <a:fontRef idx="minor">
+            <a:schemeClr val="lt1"/>
+          </a:fontRef>
+        </p:style>
+        <p:txBody>
+          <a:bodyPr rtlCol="0" anchor="ctr"/>
+          <a:lstStyle/>
+          <a:p>
+            <a:pPr algn="ctr"/>
+            <a:r>
+              <a:rPr lang="zh-CN" altLang="en-US" sz="1200" b="1" dirty="0">
+                <a:solidFill>
+                  <a:schemeClr val="tx1"/>
+                </a:solidFill>
+              </a:rPr>
+              <a:t>分区</a:t>
+            </a:r>
+            <a:r>
+              <a:rPr lang="en-US" altLang="zh-CN" sz="1200" b="1" dirty="0">
+                <a:solidFill>
+                  <a:schemeClr val="tx1"/>
+                </a:solidFill>
+              </a:rPr>
+              <a:t>2</a:t>
+            </a:r>
+          </a:p>
+          <a:p>
+            <a:pPr algn="ctr"/>
+            <a:r>
+              <a:rPr lang="zh-CN" altLang="en-US" sz="1200" b="1" dirty="0">
+                <a:solidFill>
+                  <a:schemeClr val="tx1"/>
+                </a:solidFill>
+              </a:rPr>
+              <a:t>合并</a:t>
             </a:r>
           </a:p>
         </p:txBody>
@@ -18737,6 +19385,7 @@
             </a:extLst>
           </p:cNvPr>
           <p:cNvCxnSpPr>
+            <a:cxnSpLocks/>
             <a:stCxn id="100" idx="2"/>
             <a:endCxn id="129" idx="0"/>
           </p:cNvCxnSpPr>
@@ -18769,6 +19418,126 @@
           </a:fontRef>
         </p:style>
       </p:cxnSp>
+      <p:cxnSp>
+        <p:nvCxnSpPr>
+          <p:cNvPr id="140" name="直接箭头连接符 139">
+            <a:extLst>
+              <a:ext uri="{FF2B5EF4-FFF2-40B4-BE49-F238E27FC236}">
+                <a16:creationId xmlns:a16="http://schemas.microsoft.com/office/drawing/2014/main" id="{088258BE-3AC6-4A51-952A-EC6439934709}"/>
+              </a:ext>
+            </a:extLst>
+          </p:cNvPr>
+          <p:cNvCxnSpPr>
+            <a:cxnSpLocks/>
+          </p:cNvCxnSpPr>
+          <p:nvPr/>
+        </p:nvCxnSpPr>
+        <p:spPr>
+          <a:xfrm flipH="1">
+            <a:off x="5532112" y="5602118"/>
+            <a:ext cx="1251755" cy="0"/>
+          </a:xfrm>
+          <a:prstGeom prst="straightConnector1">
+            <a:avLst/>
+          </a:prstGeom>
+          <a:ln>
+            <a:tailEnd type="triangle"/>
+          </a:ln>
+        </p:spPr>
+        <p:style>
+          <a:lnRef idx="3">
+            <a:schemeClr val="accent1"/>
+          </a:lnRef>
+          <a:fillRef idx="0">
+            <a:schemeClr val="accent1"/>
+          </a:fillRef>
+          <a:effectRef idx="2">
+            <a:schemeClr val="accent1"/>
+          </a:effectRef>
+          <a:fontRef idx="minor">
+            <a:schemeClr val="tx1"/>
+          </a:fontRef>
+        </p:style>
+      </p:cxnSp>
+      <p:sp>
+        <p:nvSpPr>
+          <p:cNvPr id="141" name="文本框 140">
+            <a:extLst>
+              <a:ext uri="{FF2B5EF4-FFF2-40B4-BE49-F238E27FC236}">
+                <a16:creationId xmlns:a16="http://schemas.microsoft.com/office/drawing/2014/main" id="{25B8D057-D083-428A-900D-690141434FA6}"/>
+              </a:ext>
+            </a:extLst>
+          </p:cNvPr>
+          <p:cNvSpPr txBox="1"/>
+          <p:nvPr/>
+        </p:nvSpPr>
+        <p:spPr>
+          <a:xfrm>
+            <a:off x="5965421" y="5274106"/>
+            <a:ext cx="899095" cy="276999"/>
+          </a:xfrm>
+          <a:prstGeom prst="rect">
+            <a:avLst/>
+          </a:prstGeom>
+          <a:noFill/>
+        </p:spPr>
+        <p:txBody>
+          <a:bodyPr wrap="square" rtlCol="0">
+            <a:spAutoFit/>
+          </a:bodyPr>
+          <a:lstStyle/>
+          <a:p>
+            <a:r>
+              <a:rPr lang="zh-CN" altLang="en-US" sz="1200" b="1" dirty="0"/>
+              <a:t>压缩</a:t>
+            </a:r>
+          </a:p>
+        </p:txBody>
+      </p:sp>
+      <p:sp>
+        <p:nvSpPr>
+          <p:cNvPr id="150" name="文本框 149">
+            <a:extLst>
+              <a:ext uri="{FF2B5EF4-FFF2-40B4-BE49-F238E27FC236}">
+                <a16:creationId xmlns:a16="http://schemas.microsoft.com/office/drawing/2014/main" id="{524D9F1A-A6B1-4949-BE75-BA298304E4B7}"/>
+              </a:ext>
+            </a:extLst>
+          </p:cNvPr>
+          <p:cNvSpPr txBox="1"/>
+          <p:nvPr/>
+        </p:nvSpPr>
+        <p:spPr>
+          <a:xfrm>
+            <a:off x="5977774" y="5630372"/>
+            <a:ext cx="620315" cy="400110"/>
+          </a:xfrm>
+          <a:prstGeom prst="rect">
+            <a:avLst/>
+          </a:prstGeom>
+          <a:noFill/>
+        </p:spPr>
+        <p:txBody>
+          <a:bodyPr wrap="square" rtlCol="0">
+            <a:spAutoFit/>
+          </a:bodyPr>
+          <a:lstStyle/>
+          <a:p>
+            <a:r>
+              <a:rPr lang="en-US" altLang="zh-CN" sz="2000" b="1" dirty="0">
+                <a:solidFill>
+                  <a:srgbClr val="FF0000"/>
+                </a:solidFill>
+              </a:rPr>
+              <a:t>11</a:t>
+            </a:r>
+            <a:endParaRPr lang="zh-CN" altLang="en-US" sz="2000" b="1" dirty="0">
+              <a:solidFill>
+                <a:srgbClr val="FF0000"/>
+              </a:solidFill>
+            </a:endParaRPr>
+          </a:p>
+        </p:txBody>
+      </p:sp>
       <p:cxnSp>
         <p:nvCxnSpPr>
           <p:cNvPr id="134" name="连接符: 肘形 133">
@@ -18867,7 +19636,7 @@
         </p:nvSpPr>
         <p:spPr>
           <a:xfrm>
-            <a:off x="8551242" y="6242715"/>
+            <a:off x="9375113" y="3656890"/>
             <a:ext cx="2208486" cy="307777"/>
           </a:xfrm>
           <a:prstGeom prst="rect">
@@ -18902,189 +19671,10 @@
       </p:sp>
       <p:sp>
         <p:nvSpPr>
-          <p:cNvPr id="137" name="矩形 136">
-            <a:extLst>
-              <a:ext uri="{FF2B5EF4-FFF2-40B4-BE49-F238E27FC236}">
-                <a16:creationId xmlns:a16="http://schemas.microsoft.com/office/drawing/2014/main" id="{5BAE1D01-5858-440E-A984-80B82CFC12ED}"/>
-              </a:ext>
-            </a:extLst>
-          </p:cNvPr>
-          <p:cNvSpPr/>
-          <p:nvPr/>
-        </p:nvSpPr>
-        <p:spPr>
-          <a:xfrm>
-            <a:off x="4529892" y="5374409"/>
-            <a:ext cx="754957" cy="455861"/>
-          </a:xfrm>
-          <a:prstGeom prst="rect">
-            <a:avLst/>
-          </a:prstGeom>
-        </p:spPr>
-        <p:style>
-          <a:lnRef idx="3">
-            <a:schemeClr val="lt1"/>
-          </a:lnRef>
-          <a:fillRef idx="1">
-            <a:schemeClr val="accent4"/>
-          </a:fillRef>
-          <a:effectRef idx="1">
-            <a:schemeClr val="accent4"/>
-          </a:effectRef>
-          <a:fontRef idx="minor">
-            <a:schemeClr val="lt1"/>
-          </a:fontRef>
-        </p:style>
-        <p:txBody>
-          <a:bodyPr rtlCol="0" anchor="ctr"/>
-          <a:lstStyle/>
-          <a:p>
-            <a:pPr algn="ctr"/>
-            <a:r>
-              <a:rPr lang="zh-CN" altLang="en-US" sz="1200" b="1" dirty="0">
-                <a:solidFill>
-                  <a:schemeClr val="tx1"/>
-                </a:solidFill>
-              </a:rPr>
-              <a:t>分区</a:t>
-            </a:r>
-            <a:r>
-              <a:rPr lang="en-US" altLang="zh-CN" sz="1200" b="1" dirty="0">
-                <a:solidFill>
-                  <a:schemeClr val="tx1"/>
-                </a:solidFill>
-              </a:rPr>
-              <a:t>1</a:t>
-            </a:r>
-          </a:p>
-          <a:p>
-            <a:pPr algn="ctr"/>
-            <a:r>
-              <a:rPr lang="zh-CN" altLang="en-US" sz="1200" b="1" dirty="0">
-                <a:solidFill>
-                  <a:schemeClr val="tx1"/>
-                </a:solidFill>
-              </a:rPr>
-              <a:t>压缩</a:t>
-            </a:r>
-          </a:p>
-        </p:txBody>
-      </p:sp>
-      <p:sp>
-        <p:nvSpPr>
-          <p:cNvPr id="138" name="矩形 137">
-            <a:extLst>
-              <a:ext uri="{FF2B5EF4-FFF2-40B4-BE49-F238E27FC236}">
-                <a16:creationId xmlns:a16="http://schemas.microsoft.com/office/drawing/2014/main" id="{C0279138-3DFF-48F6-AFC2-CDC9F13582EB}"/>
-              </a:ext>
-            </a:extLst>
-          </p:cNvPr>
-          <p:cNvSpPr/>
-          <p:nvPr/>
-        </p:nvSpPr>
-        <p:spPr>
-          <a:xfrm>
-            <a:off x="5284849" y="5374409"/>
-            <a:ext cx="754957" cy="455861"/>
-          </a:xfrm>
-          <a:prstGeom prst="rect">
-            <a:avLst/>
-          </a:prstGeom>
-        </p:spPr>
-        <p:style>
-          <a:lnRef idx="3">
-            <a:schemeClr val="lt1"/>
-          </a:lnRef>
-          <a:fillRef idx="1">
-            <a:schemeClr val="accent4"/>
-          </a:fillRef>
-          <a:effectRef idx="1">
-            <a:schemeClr val="accent4"/>
-          </a:effectRef>
-          <a:fontRef idx="minor">
-            <a:schemeClr val="lt1"/>
-          </a:fontRef>
-        </p:style>
-        <p:txBody>
-          <a:bodyPr rtlCol="0" anchor="ctr"/>
-          <a:lstStyle/>
-          <a:p>
-            <a:pPr algn="ctr"/>
-            <a:r>
-              <a:rPr lang="zh-CN" altLang="en-US" sz="1200" b="1" dirty="0">
-                <a:solidFill>
-                  <a:schemeClr val="tx1"/>
-                </a:solidFill>
-              </a:rPr>
-              <a:t>分区</a:t>
-            </a:r>
-            <a:r>
-              <a:rPr lang="en-US" altLang="zh-CN" sz="1200" b="1" dirty="0">
-                <a:solidFill>
-                  <a:schemeClr val="tx1"/>
-                </a:solidFill>
-              </a:rPr>
-              <a:t>2</a:t>
-            </a:r>
-          </a:p>
-          <a:p>
-            <a:pPr algn="ctr"/>
-            <a:r>
-              <a:rPr lang="zh-CN" altLang="en-US" sz="1200" b="1" dirty="0">
-                <a:solidFill>
-                  <a:schemeClr val="tx1"/>
-                </a:solidFill>
-              </a:rPr>
-              <a:t>压缩</a:t>
-            </a:r>
-          </a:p>
-        </p:txBody>
-      </p:sp>
-      <p:cxnSp>
-        <p:nvCxnSpPr>
-          <p:cNvPr id="140" name="直接箭头连接符 139">
-            <a:extLst>
-              <a:ext uri="{FF2B5EF4-FFF2-40B4-BE49-F238E27FC236}">
-                <a16:creationId xmlns:a16="http://schemas.microsoft.com/office/drawing/2014/main" id="{088258BE-3AC6-4A51-952A-EC6439934709}"/>
-              </a:ext>
-            </a:extLst>
-          </p:cNvPr>
-          <p:cNvCxnSpPr/>
-          <p:nvPr/>
-        </p:nvCxnSpPr>
-        <p:spPr>
-          <a:xfrm flipH="1">
-            <a:off x="6191250" y="5610225"/>
-            <a:ext cx="532904" cy="0"/>
-          </a:xfrm>
-          <a:prstGeom prst="straightConnector1">
-            <a:avLst/>
-          </a:prstGeom>
-          <a:ln>
-            <a:tailEnd type="triangle"/>
-          </a:ln>
-        </p:spPr>
-        <p:style>
-          <a:lnRef idx="3">
-            <a:schemeClr val="accent1"/>
-          </a:lnRef>
-          <a:fillRef idx="0">
-            <a:schemeClr val="accent1"/>
-          </a:fillRef>
-          <a:effectRef idx="2">
-            <a:schemeClr val="accent1"/>
-          </a:effectRef>
-          <a:fontRef idx="minor">
-            <a:schemeClr val="tx1"/>
-          </a:fontRef>
-        </p:style>
-      </p:cxnSp>
-      <p:sp>
-        <p:nvSpPr>
-          <p:cNvPr id="141" name="文本框 140">
-            <a:extLst>
-              <a:ext uri="{FF2B5EF4-FFF2-40B4-BE49-F238E27FC236}">
-                <a16:creationId xmlns:a16="http://schemas.microsoft.com/office/drawing/2014/main" id="{25B8D057-D083-428A-900D-690141434FA6}"/>
+          <p:cNvPr id="181" name="文本框 180">
+            <a:extLst>
+              <a:ext uri="{FF2B5EF4-FFF2-40B4-BE49-F238E27FC236}">
+                <a16:creationId xmlns:a16="http://schemas.microsoft.com/office/drawing/2014/main" id="{F8779613-7DB3-4B26-A518-6214E6E5CC46}"/>
               </a:ext>
             </a:extLst>
           </p:cNvPr>
@@ -19093,8 +19683,8 @@
         </p:nvSpPr>
         <p:spPr>
           <a:xfrm>
-            <a:off x="6212893" y="5263909"/>
-            <a:ext cx="899095" cy="276999"/>
+            <a:off x="10066701" y="528690"/>
+            <a:ext cx="631097" cy="276999"/>
           </a:xfrm>
           <a:prstGeom prst="rect">
             <a:avLst/>
@@ -19109,242 +19699,17 @@
           <a:p>
             <a:r>
               <a:rPr lang="zh-CN" altLang="en-US" sz="1200" b="1" dirty="0"/>
-              <a:t>压缩</a:t>
-            </a:r>
-          </a:p>
-        </p:txBody>
-      </p:sp>
-      <p:cxnSp>
-        <p:nvCxnSpPr>
-          <p:cNvPr id="143" name="直接箭头连接符 142">
-            <a:extLst>
-              <a:ext uri="{FF2B5EF4-FFF2-40B4-BE49-F238E27FC236}">
-                <a16:creationId xmlns:a16="http://schemas.microsoft.com/office/drawing/2014/main" id="{BC43C9B5-3707-4807-B716-3C73F2D92BEB}"/>
-              </a:ext>
-            </a:extLst>
-          </p:cNvPr>
-          <p:cNvCxnSpPr/>
-          <p:nvPr/>
-        </p:nvCxnSpPr>
-        <p:spPr>
-          <a:xfrm flipH="1">
-            <a:off x="3657897" y="5602339"/>
-            <a:ext cx="783028" cy="7886"/>
-          </a:xfrm>
-          <a:prstGeom prst="straightConnector1">
-            <a:avLst/>
-          </a:prstGeom>
-          <a:ln>
-            <a:tailEnd type="triangle"/>
-          </a:ln>
-        </p:spPr>
-        <p:style>
-          <a:lnRef idx="1">
-            <a:schemeClr val="accent1"/>
-          </a:lnRef>
-          <a:fillRef idx="0">
-            <a:schemeClr val="accent1"/>
-          </a:fillRef>
-          <a:effectRef idx="0">
-            <a:schemeClr val="accent1"/>
-          </a:effectRef>
-          <a:fontRef idx="minor">
-            <a:schemeClr val="tx1"/>
-          </a:fontRef>
-        </p:style>
-      </p:cxnSp>
-      <p:sp>
-        <p:nvSpPr>
-          <p:cNvPr id="144" name="圆柱体 143">
-            <a:extLst>
-              <a:ext uri="{FF2B5EF4-FFF2-40B4-BE49-F238E27FC236}">
-                <a16:creationId xmlns:a16="http://schemas.microsoft.com/office/drawing/2014/main" id="{5536CA4C-9A81-45F8-83F6-5909D9F7F08A}"/>
-              </a:ext>
-            </a:extLst>
-          </p:cNvPr>
-          <p:cNvSpPr/>
-          <p:nvPr/>
-        </p:nvSpPr>
-        <p:spPr>
-          <a:xfrm>
-            <a:off x="1475178" y="5018122"/>
-            <a:ext cx="1993979" cy="997545"/>
-          </a:xfrm>
-          <a:prstGeom prst="can">
-            <a:avLst/>
-          </a:prstGeom>
-        </p:spPr>
-        <p:style>
-          <a:lnRef idx="2">
-            <a:schemeClr val="accent6">
-              <a:shade val="50000"/>
-            </a:schemeClr>
-          </a:lnRef>
-          <a:fillRef idx="1">
-            <a:schemeClr val="accent6"/>
-          </a:fillRef>
-          <a:effectRef idx="0">
-            <a:schemeClr val="accent6"/>
-          </a:effectRef>
-          <a:fontRef idx="minor">
-            <a:schemeClr val="lt1"/>
-          </a:fontRef>
-        </p:style>
-        <p:txBody>
-          <a:bodyPr rtlCol="0" anchor="ctr"/>
-          <a:lstStyle/>
-          <a:p>
-            <a:pPr algn="ctr"/>
-            <a:endParaRPr lang="zh-CN" altLang="en-US" dirty="0"/>
-          </a:p>
-        </p:txBody>
-      </p:sp>
-      <p:sp>
-        <p:nvSpPr>
-          <p:cNvPr id="145" name="矩形 144">
-            <a:extLst>
-              <a:ext uri="{FF2B5EF4-FFF2-40B4-BE49-F238E27FC236}">
-                <a16:creationId xmlns:a16="http://schemas.microsoft.com/office/drawing/2014/main" id="{5D1E0482-F5F2-4539-A3AF-7DE1C2430844}"/>
-              </a:ext>
-            </a:extLst>
-          </p:cNvPr>
-          <p:cNvSpPr/>
-          <p:nvPr/>
-        </p:nvSpPr>
-        <p:spPr>
-          <a:xfrm>
-            <a:off x="1734607" y="5409910"/>
-            <a:ext cx="754957" cy="455861"/>
-          </a:xfrm>
-          <a:prstGeom prst="rect">
-            <a:avLst/>
-          </a:prstGeom>
-        </p:spPr>
-        <p:style>
-          <a:lnRef idx="3">
-            <a:schemeClr val="lt1"/>
-          </a:lnRef>
-          <a:fillRef idx="1">
-            <a:schemeClr val="accent4"/>
-          </a:fillRef>
-          <a:effectRef idx="1">
-            <a:schemeClr val="accent4"/>
-          </a:effectRef>
-          <a:fontRef idx="minor">
-            <a:schemeClr val="lt1"/>
-          </a:fontRef>
-        </p:style>
-        <p:txBody>
-          <a:bodyPr rtlCol="0" anchor="ctr"/>
-          <a:lstStyle/>
-          <a:p>
-            <a:pPr algn="ctr"/>
-            <a:r>
-              <a:rPr lang="zh-CN" altLang="en-US" sz="1200" b="1" dirty="0">
-                <a:solidFill>
-                  <a:schemeClr val="tx1"/>
-                </a:solidFill>
-              </a:rPr>
-              <a:t>分区</a:t>
-            </a:r>
-            <a:r>
-              <a:rPr lang="en-US" altLang="zh-CN" sz="1200" b="1" dirty="0">
-                <a:solidFill>
-                  <a:schemeClr val="tx1"/>
-                </a:solidFill>
-              </a:rPr>
-              <a:t>1</a:t>
-            </a:r>
-          </a:p>
-          <a:p>
-            <a:pPr algn="ctr"/>
-            <a:r>
-              <a:rPr lang="zh-CN" altLang="en-US" sz="1200" b="1" dirty="0">
-                <a:solidFill>
-                  <a:schemeClr val="tx1"/>
-                </a:solidFill>
-              </a:rPr>
-              <a:t>输出</a:t>
-            </a:r>
-          </a:p>
-        </p:txBody>
-      </p:sp>
-      <p:sp>
-        <p:nvSpPr>
-          <p:cNvPr id="146" name="矩形 145">
-            <a:extLst>
-              <a:ext uri="{FF2B5EF4-FFF2-40B4-BE49-F238E27FC236}">
-                <a16:creationId xmlns:a16="http://schemas.microsoft.com/office/drawing/2014/main" id="{B3CDB1E3-2E87-42F3-AAA2-2E3A0B55E48D}"/>
-              </a:ext>
-            </a:extLst>
-          </p:cNvPr>
-          <p:cNvSpPr/>
-          <p:nvPr/>
-        </p:nvSpPr>
-        <p:spPr>
-          <a:xfrm>
-            <a:off x="2489564" y="5409910"/>
-            <a:ext cx="754957" cy="455861"/>
-          </a:xfrm>
-          <a:prstGeom prst="rect">
-            <a:avLst/>
-          </a:prstGeom>
-        </p:spPr>
-        <p:style>
-          <a:lnRef idx="3">
-            <a:schemeClr val="lt1"/>
-          </a:lnRef>
-          <a:fillRef idx="1">
-            <a:schemeClr val="accent4"/>
-          </a:fillRef>
-          <a:effectRef idx="1">
-            <a:schemeClr val="accent4"/>
-          </a:effectRef>
-          <a:fontRef idx="minor">
-            <a:schemeClr val="lt1"/>
-          </a:fontRef>
-        </p:style>
-        <p:txBody>
-          <a:bodyPr rtlCol="0" anchor="ctr"/>
-          <a:lstStyle/>
-          <a:p>
-            <a:pPr algn="ctr"/>
-            <a:r>
-              <a:rPr lang="zh-CN" altLang="en-US" sz="1200" b="1" dirty="0">
-                <a:solidFill>
-                  <a:schemeClr val="tx1"/>
-                </a:solidFill>
-              </a:rPr>
-              <a:t>分区</a:t>
-            </a:r>
-            <a:r>
-              <a:rPr lang="en-US" altLang="zh-CN" sz="1200" b="1" dirty="0">
-                <a:solidFill>
-                  <a:schemeClr val="tx1"/>
-                </a:solidFill>
-              </a:rPr>
-              <a:t>2</a:t>
-            </a:r>
-          </a:p>
-          <a:p>
-            <a:pPr algn="ctr"/>
-            <a:r>
-              <a:rPr lang="zh-CN" altLang="en-US" sz="1200" b="1" dirty="0">
-                <a:solidFill>
-                  <a:schemeClr val="tx1"/>
-                </a:solidFill>
-              </a:rPr>
-              <a:t>输出</a:t>
-            </a:r>
-          </a:p>
-        </p:txBody>
-      </p:sp>
-      <p:sp>
-        <p:nvSpPr>
-          <p:cNvPr id="147" name="文本框 146">
-            <a:extLst>
-              <a:ext uri="{FF2B5EF4-FFF2-40B4-BE49-F238E27FC236}">
-                <a16:creationId xmlns:a16="http://schemas.microsoft.com/office/drawing/2014/main" id="{0BD650E7-DF89-4EB9-A383-B675812380F5}"/>
+              <a:t>磁盘</a:t>
+            </a:r>
+          </a:p>
+        </p:txBody>
+      </p:sp>
+      <p:sp>
+        <p:nvSpPr>
+          <p:cNvPr id="182" name="文本框 181">
+            <a:extLst>
+              <a:ext uri="{FF2B5EF4-FFF2-40B4-BE49-F238E27FC236}">
+                <a16:creationId xmlns:a16="http://schemas.microsoft.com/office/drawing/2014/main" id="{0B047E6A-DB83-4A39-A001-EE77D12C9537}"/>
               </a:ext>
             </a:extLst>
           </p:cNvPr>
@@ -19353,8 +19718,8 @@
         </p:nvSpPr>
         <p:spPr>
           <a:xfrm>
-            <a:off x="3796505" y="5258175"/>
-            <a:ext cx="899095" cy="276999"/>
+            <a:off x="10131569" y="1760785"/>
+            <a:ext cx="631097" cy="276999"/>
           </a:xfrm>
           <a:prstGeom prst="rect">
             <a:avLst/>
@@ -19369,140 +19734,8 @@
           <a:p>
             <a:r>
               <a:rPr lang="zh-CN" altLang="en-US" sz="1200" b="1" dirty="0"/>
-              <a:t>写磁盘</a:t>
-            </a:r>
-          </a:p>
-        </p:txBody>
-      </p:sp>
-      <p:sp>
-        <p:nvSpPr>
-          <p:cNvPr id="149" name="文本框 148">
-            <a:extLst>
-              <a:ext uri="{FF2B5EF4-FFF2-40B4-BE49-F238E27FC236}">
-                <a16:creationId xmlns:a16="http://schemas.microsoft.com/office/drawing/2014/main" id="{A95DFF10-A3B1-4B6F-9CB7-476459E4C46B}"/>
-              </a:ext>
-            </a:extLst>
-          </p:cNvPr>
-          <p:cNvSpPr txBox="1"/>
-          <p:nvPr/>
-        </p:nvSpPr>
-        <p:spPr>
-          <a:xfrm>
-            <a:off x="8544876" y="3467234"/>
-            <a:ext cx="620315" cy="400110"/>
-          </a:xfrm>
-          <a:prstGeom prst="rect">
-            <a:avLst/>
-          </a:prstGeom>
-          <a:noFill/>
-        </p:spPr>
-        <p:txBody>
-          <a:bodyPr wrap="square" rtlCol="0">
-            <a:spAutoFit/>
-          </a:bodyPr>
-          <a:lstStyle/>
-          <a:p>
-            <a:r>
-              <a:rPr lang="en-US" altLang="zh-CN" sz="2000" b="1" dirty="0">
-                <a:solidFill>
-                  <a:srgbClr val="FF0000"/>
-                </a:solidFill>
-              </a:rPr>
-              <a:t>9</a:t>
-            </a:r>
-            <a:endParaRPr lang="zh-CN" altLang="en-US" sz="2000" b="1" dirty="0">
-              <a:solidFill>
-                <a:srgbClr val="FF0000"/>
-              </a:solidFill>
-            </a:endParaRPr>
-          </a:p>
-        </p:txBody>
-      </p:sp>
-      <p:sp>
-        <p:nvSpPr>
-          <p:cNvPr id="150" name="文本框 149">
-            <a:extLst>
-              <a:ext uri="{FF2B5EF4-FFF2-40B4-BE49-F238E27FC236}">
-                <a16:creationId xmlns:a16="http://schemas.microsoft.com/office/drawing/2014/main" id="{524D9F1A-A6B1-4949-BE75-BA298304E4B7}"/>
-              </a:ext>
-            </a:extLst>
-          </p:cNvPr>
-          <p:cNvSpPr txBox="1"/>
-          <p:nvPr/>
-        </p:nvSpPr>
-        <p:spPr>
-          <a:xfrm>
-            <a:off x="6240557" y="5627676"/>
-            <a:ext cx="620315" cy="400110"/>
-          </a:xfrm>
-          <a:prstGeom prst="rect">
-            <a:avLst/>
-          </a:prstGeom>
-          <a:noFill/>
-        </p:spPr>
-        <p:txBody>
-          <a:bodyPr wrap="square" rtlCol="0">
-            <a:spAutoFit/>
-          </a:bodyPr>
-          <a:lstStyle/>
-          <a:p>
-            <a:r>
-              <a:rPr lang="en-US" altLang="zh-CN" sz="2000" b="1" dirty="0">
-                <a:solidFill>
-                  <a:srgbClr val="FF0000"/>
-                </a:solidFill>
-              </a:rPr>
-              <a:t>10</a:t>
-            </a:r>
-            <a:endParaRPr lang="zh-CN" altLang="en-US" sz="2000" b="1" dirty="0">
-              <a:solidFill>
-                <a:srgbClr val="FF0000"/>
-              </a:solidFill>
-            </a:endParaRPr>
-          </a:p>
-        </p:txBody>
-      </p:sp>
-      <p:sp>
-        <p:nvSpPr>
-          <p:cNvPr id="151" name="文本框 150">
-            <a:extLst>
-              <a:ext uri="{FF2B5EF4-FFF2-40B4-BE49-F238E27FC236}">
-                <a16:creationId xmlns:a16="http://schemas.microsoft.com/office/drawing/2014/main" id="{EA4C54C8-EE1E-4A6B-BA7D-9C3594A3AC8E}"/>
-              </a:ext>
-            </a:extLst>
-          </p:cNvPr>
-          <p:cNvSpPr txBox="1"/>
-          <p:nvPr/>
-        </p:nvSpPr>
-        <p:spPr>
-          <a:xfrm>
-            <a:off x="3892386" y="5665716"/>
-            <a:ext cx="620315" cy="400110"/>
-          </a:xfrm>
-          <a:prstGeom prst="rect">
-            <a:avLst/>
-          </a:prstGeom>
-          <a:noFill/>
-        </p:spPr>
-        <p:txBody>
-          <a:bodyPr wrap="square" rtlCol="0">
-            <a:spAutoFit/>
-          </a:bodyPr>
-          <a:lstStyle/>
-          <a:p>
-            <a:r>
-              <a:rPr lang="en-US" altLang="zh-CN" sz="2000" b="1" dirty="0">
-                <a:solidFill>
-                  <a:srgbClr val="FF0000"/>
-                </a:solidFill>
-              </a:rPr>
-              <a:t>11</a:t>
-            </a:r>
-            <a:endParaRPr lang="zh-CN" altLang="en-US" sz="2000" b="1" dirty="0">
-              <a:solidFill>
-                <a:srgbClr val="FF0000"/>
-              </a:solidFill>
-            </a:endParaRPr>
+              <a:t>磁盘</a:t>
+            </a:r>
           </a:p>
         </p:txBody>
       </p:sp>
@@ -20170,7 +20403,7 @@
         </p:nvSpPr>
         <p:spPr>
           <a:xfrm>
-            <a:off x="4476750" y="466725"/>
+            <a:off x="4591049" y="439047"/>
             <a:ext cx="7343775" cy="2266950"/>
           </a:xfrm>
           <a:prstGeom prst="rect">
@@ -20514,7 +20747,7 @@
                   <a:srgbClr val="FF0000"/>
                 </a:solidFill>
               </a:rPr>
-              <a:t>11</a:t>
+              <a:t>12</a:t>
             </a:r>
             <a:endParaRPr lang="zh-CN" altLang="en-US" sz="2000" b="1" dirty="0">
               <a:solidFill>
@@ -20539,229 +20772,6 @@
         <p:spPr>
           <a:xfrm>
             <a:off x="3937992" y="420379"/>
-            <a:ext cx="620315" cy="400110"/>
-          </a:xfrm>
-          <a:prstGeom prst="rect">
-            <a:avLst/>
-          </a:prstGeom>
-          <a:noFill/>
-        </p:spPr>
-        <p:txBody>
-          <a:bodyPr wrap="square" rtlCol="0">
-            <a:spAutoFit/>
-          </a:bodyPr>
-          <a:lstStyle/>
-          <a:p>
-            <a:r>
-              <a:rPr lang="en-US" altLang="zh-CN" sz="2000" b="1" dirty="0">
-                <a:solidFill>
-                  <a:srgbClr val="FF0000"/>
-                </a:solidFill>
-              </a:rPr>
-              <a:t>12</a:t>
-            </a:r>
-            <a:endParaRPr lang="zh-CN" altLang="en-US" sz="2000" b="1" dirty="0">
-              <a:solidFill>
-                <a:srgbClr val="FF0000"/>
-              </a:solidFill>
-            </a:endParaRPr>
-          </a:p>
-        </p:txBody>
-      </p:sp>
-      <p:sp>
-        <p:nvSpPr>
-          <p:cNvPr id="38" name="文本框 37">
-            <a:extLst>
-              <a:ext uri="{FF2B5EF4-FFF2-40B4-BE49-F238E27FC236}">
-                <a16:creationId xmlns:a16="http://schemas.microsoft.com/office/drawing/2014/main" id="{D2D227C7-F7AD-4FA2-8259-4EDACE533F77}"/>
-              </a:ext>
-            </a:extLst>
-          </p:cNvPr>
-          <p:cNvSpPr txBox="1"/>
-          <p:nvPr/>
-        </p:nvSpPr>
-        <p:spPr>
-          <a:xfrm>
-            <a:off x="4979447" y="470416"/>
-            <a:ext cx="909340" cy="276999"/>
-          </a:xfrm>
-          <a:prstGeom prst="rect">
-            <a:avLst/>
-          </a:prstGeom>
-          <a:noFill/>
-        </p:spPr>
-        <p:txBody>
-          <a:bodyPr wrap="square" rtlCol="0">
-            <a:spAutoFit/>
-          </a:bodyPr>
-          <a:lstStyle/>
-          <a:p>
-            <a:r>
-              <a:rPr lang="zh-CN" altLang="en-US" sz="1200" b="1" dirty="0"/>
-              <a:t>内存缓冲</a:t>
-            </a:r>
-          </a:p>
-        </p:txBody>
-      </p:sp>
-      <p:sp>
-        <p:nvSpPr>
-          <p:cNvPr id="40" name="矩形 39">
-            <a:extLst>
-              <a:ext uri="{FF2B5EF4-FFF2-40B4-BE49-F238E27FC236}">
-                <a16:creationId xmlns:a16="http://schemas.microsoft.com/office/drawing/2014/main" id="{5FC6B889-2751-48B6-A4F9-F43C70FD4DFF}"/>
-              </a:ext>
-            </a:extLst>
-          </p:cNvPr>
-          <p:cNvSpPr/>
-          <p:nvPr/>
-        </p:nvSpPr>
-        <p:spPr>
-          <a:xfrm>
-            <a:off x="6437743" y="1341548"/>
-            <a:ext cx="687728" cy="495370"/>
-          </a:xfrm>
-          <a:prstGeom prst="rect">
-            <a:avLst/>
-          </a:prstGeom>
-          <a:solidFill>
-            <a:schemeClr val="bg2">
-              <a:lumMod val="50000"/>
-            </a:schemeClr>
-          </a:solidFill>
-        </p:spPr>
-        <p:style>
-          <a:lnRef idx="2">
-            <a:schemeClr val="accent1">
-              <a:shade val="50000"/>
-            </a:schemeClr>
-          </a:lnRef>
-          <a:fillRef idx="1">
-            <a:schemeClr val="accent1"/>
-          </a:fillRef>
-          <a:effectRef idx="0">
-            <a:schemeClr val="accent1"/>
-          </a:effectRef>
-          <a:fontRef idx="minor">
-            <a:schemeClr val="lt1"/>
-          </a:fontRef>
-        </p:style>
-        <p:txBody>
-          <a:bodyPr rtlCol="0" anchor="ctr"/>
-          <a:lstStyle/>
-          <a:p>
-            <a:pPr algn="ctr"/>
-            <a:r>
-              <a:rPr lang="zh-CN" altLang="en-US" sz="1400" dirty="0"/>
-              <a:t>磁盘</a:t>
-            </a:r>
-            <a:endParaRPr lang="en-US" altLang="zh-CN" sz="1400" dirty="0"/>
-          </a:p>
-          <a:p>
-            <a:pPr algn="ctr"/>
-            <a:r>
-              <a:rPr lang="zh-CN" altLang="en-US" sz="1400" dirty="0"/>
-              <a:t>数据</a:t>
-            </a:r>
-          </a:p>
-        </p:txBody>
-      </p:sp>
-      <p:cxnSp>
-        <p:nvCxnSpPr>
-          <p:cNvPr id="42" name="直接箭头连接符 41">
-            <a:extLst>
-              <a:ext uri="{FF2B5EF4-FFF2-40B4-BE49-F238E27FC236}">
-                <a16:creationId xmlns:a16="http://schemas.microsoft.com/office/drawing/2014/main" id="{C12B272F-B69B-458A-8918-228E90B0AFB4}"/>
-              </a:ext>
-            </a:extLst>
-          </p:cNvPr>
-          <p:cNvCxnSpPr>
-            <a:cxnSpLocks/>
-          </p:cNvCxnSpPr>
-          <p:nvPr/>
-        </p:nvCxnSpPr>
-        <p:spPr>
-          <a:xfrm>
-            <a:off x="5812140" y="1296135"/>
-            <a:ext cx="485657" cy="151463"/>
-          </a:xfrm>
-          <a:prstGeom prst="straightConnector1">
-            <a:avLst/>
-          </a:prstGeom>
-          <a:ln>
-            <a:tailEnd type="triangle"/>
-          </a:ln>
-        </p:spPr>
-        <p:style>
-          <a:lnRef idx="3">
-            <a:schemeClr val="accent1"/>
-          </a:lnRef>
-          <a:fillRef idx="0">
-            <a:schemeClr val="accent1"/>
-          </a:fillRef>
-          <a:effectRef idx="2">
-            <a:schemeClr val="accent1"/>
-          </a:effectRef>
-          <a:fontRef idx="minor">
-            <a:schemeClr val="tx1"/>
-          </a:fontRef>
-        </p:style>
-      </p:cxnSp>
-      <p:cxnSp>
-        <p:nvCxnSpPr>
-          <p:cNvPr id="46" name="直接箭头连接符 45">
-            <a:extLst>
-              <a:ext uri="{FF2B5EF4-FFF2-40B4-BE49-F238E27FC236}">
-                <a16:creationId xmlns:a16="http://schemas.microsoft.com/office/drawing/2014/main" id="{6B2501BD-28CE-4AE1-AACE-5D42D8A51722}"/>
-              </a:ext>
-            </a:extLst>
-          </p:cNvPr>
-          <p:cNvCxnSpPr>
-            <a:cxnSpLocks/>
-          </p:cNvCxnSpPr>
-          <p:nvPr/>
-        </p:nvCxnSpPr>
-        <p:spPr>
-          <a:xfrm flipV="1">
-            <a:off x="5800845" y="1694326"/>
-            <a:ext cx="505059" cy="224792"/>
-          </a:xfrm>
-          <a:prstGeom prst="straightConnector1">
-            <a:avLst/>
-          </a:prstGeom>
-          <a:ln>
-            <a:tailEnd type="triangle"/>
-          </a:ln>
-        </p:spPr>
-        <p:style>
-          <a:lnRef idx="3">
-            <a:schemeClr val="accent1"/>
-          </a:lnRef>
-          <a:fillRef idx="0">
-            <a:schemeClr val="accent1"/>
-          </a:fillRef>
-          <a:effectRef idx="2">
-            <a:schemeClr val="accent1"/>
-          </a:effectRef>
-          <a:fontRef idx="minor">
-            <a:schemeClr val="tx1"/>
-          </a:fontRef>
-        </p:style>
-      </p:cxnSp>
-      <p:sp>
-        <p:nvSpPr>
-          <p:cNvPr id="48" name="文本框 47">
-            <a:extLst>
-              <a:ext uri="{FF2B5EF4-FFF2-40B4-BE49-F238E27FC236}">
-                <a16:creationId xmlns:a16="http://schemas.microsoft.com/office/drawing/2014/main" id="{B0EAA648-E1C3-482F-A438-062E49B11A02}"/>
-              </a:ext>
-            </a:extLst>
-          </p:cNvPr>
-          <p:cNvSpPr txBox="1"/>
-          <p:nvPr/>
-        </p:nvSpPr>
-        <p:spPr>
-          <a:xfrm>
-            <a:off x="5845390" y="896123"/>
             <a:ext cx="620315" cy="400110"/>
           </a:xfrm>
           <a:prstGeom prst="rect">
@@ -20793,235 +20803,10 @@
       </p:sp>
       <p:sp>
         <p:nvSpPr>
-          <p:cNvPr id="52" name="矩形 51">
-            <a:extLst>
-              <a:ext uri="{FF2B5EF4-FFF2-40B4-BE49-F238E27FC236}">
-                <a16:creationId xmlns:a16="http://schemas.microsoft.com/office/drawing/2014/main" id="{C1FA26D5-BE2C-4073-BA5B-13ADCEFA2CC3}"/>
-              </a:ext>
-            </a:extLst>
-          </p:cNvPr>
-          <p:cNvSpPr/>
-          <p:nvPr/>
-        </p:nvSpPr>
-        <p:spPr>
-          <a:xfrm>
-            <a:off x="7554004" y="1352113"/>
-            <a:ext cx="687728" cy="495370"/>
-          </a:xfrm>
-          <a:prstGeom prst="rect">
-            <a:avLst/>
-          </a:prstGeom>
-          <a:solidFill>
-            <a:schemeClr val="bg2">
-              <a:lumMod val="50000"/>
-            </a:schemeClr>
-          </a:solidFill>
-        </p:spPr>
-        <p:style>
-          <a:lnRef idx="2">
-            <a:schemeClr val="accent1">
-              <a:shade val="50000"/>
-            </a:schemeClr>
-          </a:lnRef>
-          <a:fillRef idx="1">
-            <a:schemeClr val="accent1"/>
-          </a:fillRef>
-          <a:effectRef idx="0">
-            <a:schemeClr val="accent1"/>
-          </a:effectRef>
-          <a:fontRef idx="minor">
-            <a:schemeClr val="lt1"/>
-          </a:fontRef>
-        </p:style>
-        <p:txBody>
-          <a:bodyPr rtlCol="0" anchor="ctr"/>
-          <a:lstStyle/>
-          <a:p>
-            <a:pPr algn="ctr"/>
-            <a:r>
-              <a:rPr lang="zh-CN" altLang="en-US" sz="1400" dirty="0"/>
-              <a:t>归并排序</a:t>
-            </a:r>
-          </a:p>
-        </p:txBody>
-      </p:sp>
-      <p:sp>
-        <p:nvSpPr>
-          <p:cNvPr id="53" name="矩形 52">
-            <a:extLst>
-              <a:ext uri="{FF2B5EF4-FFF2-40B4-BE49-F238E27FC236}">
-                <a16:creationId xmlns:a16="http://schemas.microsoft.com/office/drawing/2014/main" id="{82183D4E-8891-417C-AB74-380AA3E2468E}"/>
-              </a:ext>
-            </a:extLst>
-          </p:cNvPr>
-          <p:cNvSpPr/>
-          <p:nvPr/>
-        </p:nvSpPr>
-        <p:spPr>
-          <a:xfrm>
-            <a:off x="8715297" y="1352113"/>
-            <a:ext cx="687728" cy="495370"/>
-          </a:xfrm>
-          <a:prstGeom prst="rect">
-            <a:avLst/>
-          </a:prstGeom>
-          <a:solidFill>
-            <a:schemeClr val="bg2">
-              <a:lumMod val="50000"/>
-            </a:schemeClr>
-          </a:solidFill>
-        </p:spPr>
-        <p:style>
-          <a:lnRef idx="2">
-            <a:schemeClr val="accent1">
-              <a:shade val="50000"/>
-            </a:schemeClr>
-          </a:lnRef>
-          <a:fillRef idx="1">
-            <a:schemeClr val="accent1"/>
-          </a:fillRef>
-          <a:effectRef idx="0">
-            <a:schemeClr val="accent1"/>
-          </a:effectRef>
-          <a:fontRef idx="minor">
-            <a:schemeClr val="lt1"/>
-          </a:fontRef>
-        </p:style>
-        <p:txBody>
-          <a:bodyPr rtlCol="0" anchor="ctr"/>
-          <a:lstStyle/>
-          <a:p>
-            <a:pPr algn="ctr"/>
-            <a:r>
-              <a:rPr lang="zh-CN" altLang="en-US" sz="1400" dirty="0"/>
-              <a:t>分组</a:t>
-            </a:r>
-          </a:p>
-        </p:txBody>
-      </p:sp>
-      <p:sp>
-        <p:nvSpPr>
-          <p:cNvPr id="54" name="矩形 53">
-            <a:extLst>
-              <a:ext uri="{FF2B5EF4-FFF2-40B4-BE49-F238E27FC236}">
-                <a16:creationId xmlns:a16="http://schemas.microsoft.com/office/drawing/2014/main" id="{FC0C5F2E-B2E9-480E-94A7-EC2E91FF01BD}"/>
-              </a:ext>
-            </a:extLst>
-          </p:cNvPr>
-          <p:cNvSpPr/>
-          <p:nvPr/>
-        </p:nvSpPr>
-        <p:spPr>
-          <a:xfrm>
-            <a:off x="9876589" y="848896"/>
-            <a:ext cx="1658185" cy="1491333"/>
-          </a:xfrm>
-          <a:prstGeom prst="rect">
-            <a:avLst/>
-          </a:prstGeom>
-        </p:spPr>
-        <p:style>
-          <a:lnRef idx="2">
-            <a:schemeClr val="accent1">
-              <a:shade val="50000"/>
-            </a:schemeClr>
-          </a:lnRef>
-          <a:fillRef idx="1">
-            <a:schemeClr val="accent1"/>
-          </a:fillRef>
-          <a:effectRef idx="0">
-            <a:schemeClr val="accent1"/>
-          </a:effectRef>
-          <a:fontRef idx="minor">
-            <a:schemeClr val="lt1"/>
-          </a:fontRef>
-        </p:style>
-        <p:txBody>
-          <a:bodyPr rtlCol="0" anchor="ctr"/>
-          <a:lstStyle/>
-          <a:p>
-            <a:pPr algn="ctr"/>
-            <a:r>
-              <a:rPr lang="en-US" altLang="zh-CN" sz="1400" dirty="0"/>
-              <a:t>Reduce(</a:t>
-            </a:r>
-            <a:r>
-              <a:rPr lang="en-US" altLang="zh-CN" sz="1400" dirty="0" err="1"/>
-              <a:t>k,v</a:t>
-            </a:r>
-            <a:r>
-              <a:rPr lang="en-US" altLang="zh-CN" sz="1400" dirty="0"/>
-              <a:t>)</a:t>
-            </a:r>
-          </a:p>
-          <a:p>
-            <a:pPr algn="ctr"/>
-            <a:r>
-              <a:rPr lang="en-US" altLang="zh-CN" sz="1400" dirty="0" err="1"/>
-              <a:t>Context.write</a:t>
-            </a:r>
-            <a:r>
-              <a:rPr lang="en-US" altLang="zh-CN" sz="1400" dirty="0"/>
-              <a:t>(</a:t>
-            </a:r>
-            <a:r>
-              <a:rPr lang="en-US" altLang="zh-CN" sz="1400" dirty="0" err="1"/>
-              <a:t>k,v</a:t>
-            </a:r>
-            <a:r>
-              <a:rPr lang="en-US" altLang="zh-CN" sz="1400" dirty="0"/>
-              <a:t>)</a:t>
-            </a:r>
-          </a:p>
-        </p:txBody>
-      </p:sp>
-      <p:cxnSp>
-        <p:nvCxnSpPr>
-          <p:cNvPr id="55" name="直接箭头连接符 54">
-            <a:extLst>
-              <a:ext uri="{FF2B5EF4-FFF2-40B4-BE49-F238E27FC236}">
-                <a16:creationId xmlns:a16="http://schemas.microsoft.com/office/drawing/2014/main" id="{487E3CEC-AA0C-4473-90A0-ADCA7CD93907}"/>
-              </a:ext>
-            </a:extLst>
-          </p:cNvPr>
-          <p:cNvCxnSpPr>
-            <a:cxnSpLocks/>
-          </p:cNvCxnSpPr>
-          <p:nvPr/>
-        </p:nvCxnSpPr>
-        <p:spPr>
-          <a:xfrm>
-            <a:off x="7191898" y="1599798"/>
-            <a:ext cx="325665" cy="0"/>
-          </a:xfrm>
-          <a:prstGeom prst="straightConnector1">
-            <a:avLst/>
-          </a:prstGeom>
-          <a:ln>
-            <a:tailEnd type="triangle"/>
-          </a:ln>
-        </p:spPr>
-        <p:style>
-          <a:lnRef idx="3">
-            <a:schemeClr val="accent1"/>
-          </a:lnRef>
-          <a:fillRef idx="0">
-            <a:schemeClr val="accent1"/>
-          </a:fillRef>
-          <a:effectRef idx="2">
-            <a:schemeClr val="accent1"/>
-          </a:effectRef>
-          <a:fontRef idx="minor">
-            <a:schemeClr val="tx1"/>
-          </a:fontRef>
-        </p:style>
-      </p:cxnSp>
-      <p:sp>
-        <p:nvSpPr>
-          <p:cNvPr id="57" name="文本框 56">
-            <a:extLst>
-              <a:ext uri="{FF2B5EF4-FFF2-40B4-BE49-F238E27FC236}">
-                <a16:creationId xmlns:a16="http://schemas.microsoft.com/office/drawing/2014/main" id="{1EC75CF1-46B5-4ACC-965A-51ED4C6F8598}"/>
+          <p:cNvPr id="38" name="文本框 37">
+            <a:extLst>
+              <a:ext uri="{FF2B5EF4-FFF2-40B4-BE49-F238E27FC236}">
+                <a16:creationId xmlns:a16="http://schemas.microsoft.com/office/drawing/2014/main" id="{D2D227C7-F7AD-4FA2-8259-4EDACE533F77}"/>
               </a:ext>
             </a:extLst>
           </p:cNvPr>
@@ -21030,7 +20815,42 @@
         </p:nvSpPr>
         <p:spPr>
           <a:xfrm>
-            <a:off x="7105961" y="1134222"/>
+            <a:off x="4979447" y="470416"/>
+            <a:ext cx="909340" cy="276999"/>
+          </a:xfrm>
+          <a:prstGeom prst="rect">
+            <a:avLst/>
+          </a:prstGeom>
+          <a:noFill/>
+        </p:spPr>
+        <p:txBody>
+          <a:bodyPr wrap="square" rtlCol="0">
+            <a:spAutoFit/>
+          </a:bodyPr>
+          <a:lstStyle/>
+          <a:p>
+            <a:r>
+              <a:rPr lang="zh-CN" altLang="en-US" sz="1200" b="1" dirty="0"/>
+              <a:t>内存缓冲</a:t>
+            </a:r>
+          </a:p>
+        </p:txBody>
+      </p:sp>
+      <p:sp>
+        <p:nvSpPr>
+          <p:cNvPr id="48" name="文本框 47">
+            <a:extLst>
+              <a:ext uri="{FF2B5EF4-FFF2-40B4-BE49-F238E27FC236}">
+                <a16:creationId xmlns:a16="http://schemas.microsoft.com/office/drawing/2014/main" id="{B0EAA648-E1C3-482F-A438-062E49B11A02}"/>
+              </a:ext>
+            </a:extLst>
+          </p:cNvPr>
+          <p:cNvSpPr txBox="1"/>
+          <p:nvPr/>
+        </p:nvSpPr>
+        <p:spPr>
+          <a:xfrm>
+            <a:off x="5845390" y="896123"/>
             <a:ext cx="620315" cy="400110"/>
           </a:xfrm>
           <a:prstGeom prst="rect">
@@ -21060,173 +20880,79 @@
           </a:p>
         </p:txBody>
       </p:sp>
-      <p:cxnSp>
-        <p:nvCxnSpPr>
-          <p:cNvPr id="60" name="直接箭头连接符 59">
-            <a:extLst>
-              <a:ext uri="{FF2B5EF4-FFF2-40B4-BE49-F238E27FC236}">
-                <a16:creationId xmlns:a16="http://schemas.microsoft.com/office/drawing/2014/main" id="{008FA577-E7F2-4A98-B0E9-BDD39047BB0F}"/>
-              </a:ext>
-            </a:extLst>
-          </p:cNvPr>
-          <p:cNvCxnSpPr>
-            <a:cxnSpLocks/>
-          </p:cNvCxnSpPr>
-          <p:nvPr/>
-        </p:nvCxnSpPr>
-        <p:spPr>
-          <a:xfrm>
-            <a:off x="8327669" y="1619886"/>
-            <a:ext cx="325665" cy="0"/>
-          </a:xfrm>
-          <a:prstGeom prst="straightConnector1">
-            <a:avLst/>
-          </a:prstGeom>
-          <a:ln>
-            <a:tailEnd type="triangle"/>
-          </a:ln>
-        </p:spPr>
-        <p:style>
-          <a:lnRef idx="3">
-            <a:schemeClr val="accent1"/>
-          </a:lnRef>
-          <a:fillRef idx="0">
-            <a:schemeClr val="accent1"/>
-          </a:fillRef>
-          <a:effectRef idx="2">
-            <a:schemeClr val="accent1"/>
-          </a:effectRef>
-          <a:fontRef idx="minor">
-            <a:schemeClr val="tx1"/>
-          </a:fontRef>
-        </p:style>
-      </p:cxnSp>
-      <p:sp>
-        <p:nvSpPr>
-          <p:cNvPr id="61" name="文本框 60">
-            <a:extLst>
-              <a:ext uri="{FF2B5EF4-FFF2-40B4-BE49-F238E27FC236}">
-                <a16:creationId xmlns:a16="http://schemas.microsoft.com/office/drawing/2014/main" id="{74B31D30-4F8D-416F-90C6-77EBFE69519B}"/>
-              </a:ext>
-            </a:extLst>
-          </p:cNvPr>
-          <p:cNvSpPr txBox="1"/>
-          <p:nvPr/>
-        </p:nvSpPr>
-        <p:spPr>
-          <a:xfrm>
-            <a:off x="8241732" y="1154310"/>
-            <a:ext cx="620315" cy="400110"/>
-          </a:xfrm>
-          <a:prstGeom prst="rect">
-            <a:avLst/>
-          </a:prstGeom>
-          <a:noFill/>
-        </p:spPr>
-        <p:txBody>
-          <a:bodyPr wrap="square" rtlCol="0">
-            <a:spAutoFit/>
-          </a:bodyPr>
-          <a:lstStyle/>
-          <a:p>
-            <a:r>
-              <a:rPr lang="en-US" altLang="zh-CN" sz="2000" b="1" dirty="0">
-                <a:solidFill>
-                  <a:srgbClr val="FF0000"/>
-                </a:solidFill>
-              </a:rPr>
-              <a:t>15</a:t>
-            </a:r>
-            <a:endParaRPr lang="zh-CN" altLang="en-US" sz="2000" b="1" dirty="0">
-              <a:solidFill>
-                <a:srgbClr val="FF0000"/>
-              </a:solidFill>
-            </a:endParaRPr>
-          </a:p>
-        </p:txBody>
-      </p:sp>
-      <p:cxnSp>
-        <p:nvCxnSpPr>
-          <p:cNvPr id="62" name="直接箭头连接符 61">
-            <a:extLst>
-              <a:ext uri="{FF2B5EF4-FFF2-40B4-BE49-F238E27FC236}">
-                <a16:creationId xmlns:a16="http://schemas.microsoft.com/office/drawing/2014/main" id="{901E2953-B8EC-43B4-B6FA-B9F5C1AEBA6E}"/>
-              </a:ext>
-            </a:extLst>
-          </p:cNvPr>
-          <p:cNvCxnSpPr>
-            <a:cxnSpLocks/>
-          </p:cNvCxnSpPr>
-          <p:nvPr/>
-        </p:nvCxnSpPr>
-        <p:spPr>
-          <a:xfrm>
-            <a:off x="9498842" y="1619886"/>
-            <a:ext cx="325665" cy="0"/>
-          </a:xfrm>
-          <a:prstGeom prst="straightConnector1">
-            <a:avLst/>
-          </a:prstGeom>
-          <a:ln>
-            <a:tailEnd type="triangle"/>
-          </a:ln>
-        </p:spPr>
-        <p:style>
-          <a:lnRef idx="3">
-            <a:schemeClr val="accent1"/>
-          </a:lnRef>
-          <a:fillRef idx="0">
-            <a:schemeClr val="accent1"/>
-          </a:fillRef>
-          <a:effectRef idx="2">
-            <a:schemeClr val="accent1"/>
-          </a:effectRef>
-          <a:fontRef idx="minor">
-            <a:schemeClr val="tx1"/>
-          </a:fontRef>
-        </p:style>
-      </p:cxnSp>
-      <p:sp>
-        <p:nvSpPr>
-          <p:cNvPr id="63" name="文本框 62">
-            <a:extLst>
-              <a:ext uri="{FF2B5EF4-FFF2-40B4-BE49-F238E27FC236}">
-                <a16:creationId xmlns:a16="http://schemas.microsoft.com/office/drawing/2014/main" id="{DF9C5305-9626-4763-9761-AB55BA109DCE}"/>
-              </a:ext>
-            </a:extLst>
-          </p:cNvPr>
-          <p:cNvSpPr txBox="1"/>
-          <p:nvPr/>
-        </p:nvSpPr>
-        <p:spPr>
-          <a:xfrm>
-            <a:off x="9412905" y="1154310"/>
-            <a:ext cx="620315" cy="400110"/>
-          </a:xfrm>
-          <a:prstGeom prst="rect">
-            <a:avLst/>
-          </a:prstGeom>
-          <a:noFill/>
-        </p:spPr>
-        <p:txBody>
-          <a:bodyPr wrap="square" rtlCol="0">
-            <a:spAutoFit/>
-          </a:bodyPr>
-          <a:lstStyle/>
-          <a:p>
-            <a:r>
-              <a:rPr lang="en-US" altLang="zh-CN" sz="2000" b="1" dirty="0">
-                <a:solidFill>
-                  <a:srgbClr val="FF0000"/>
-                </a:solidFill>
-              </a:rPr>
-              <a:t>16</a:t>
-            </a:r>
-            <a:endParaRPr lang="zh-CN" altLang="en-US" sz="2000" b="1" dirty="0">
-              <a:solidFill>
-                <a:srgbClr val="FF0000"/>
-              </a:solidFill>
-            </a:endParaRPr>
+      <p:sp>
+        <p:nvSpPr>
+          <p:cNvPr id="54" name="矩形 53">
+            <a:extLst>
+              <a:ext uri="{FF2B5EF4-FFF2-40B4-BE49-F238E27FC236}">
+                <a16:creationId xmlns:a16="http://schemas.microsoft.com/office/drawing/2014/main" id="{FC0C5F2E-B2E9-480E-94A7-EC2E91FF01BD}"/>
+              </a:ext>
+            </a:extLst>
+          </p:cNvPr>
+          <p:cNvSpPr/>
+          <p:nvPr/>
+        </p:nvSpPr>
+        <p:spPr>
+          <a:xfrm>
+            <a:off x="9876589" y="848896"/>
+            <a:ext cx="1658185" cy="1491333"/>
+          </a:xfrm>
+          <a:prstGeom prst="rect">
+            <a:avLst/>
+          </a:prstGeom>
+        </p:spPr>
+        <p:style>
+          <a:lnRef idx="2">
+            <a:schemeClr val="accent1">
+              <a:shade val="50000"/>
+            </a:schemeClr>
+          </a:lnRef>
+          <a:fillRef idx="1">
+            <a:schemeClr val="accent1"/>
+          </a:fillRef>
+          <a:effectRef idx="0">
+            <a:schemeClr val="accent1"/>
+          </a:effectRef>
+          <a:fontRef idx="minor">
+            <a:schemeClr val="lt1"/>
+          </a:fontRef>
+        </p:style>
+        <p:txBody>
+          <a:bodyPr rtlCol="0" anchor="ctr"/>
+          <a:lstStyle/>
+          <a:p>
+            <a:pPr algn="ctr"/>
+            <a:r>
+              <a:rPr lang="en-US" altLang="zh-CN" sz="1400" dirty="0"/>
+              <a:t>Reduce(</a:t>
+            </a:r>
+            <a:r>
+              <a:rPr lang="en-US" altLang="zh-CN" sz="1400" dirty="0" err="1"/>
+              <a:t>k,v</a:t>
+            </a:r>
+            <a:r>
+              <a:rPr lang="en-US" altLang="zh-CN" sz="1400" dirty="0"/>
+              <a:t>)</a:t>
+            </a:r>
+          </a:p>
+          <a:p>
+            <a:pPr algn="ctr"/>
+            <a:r>
+              <a:rPr lang="en-US" altLang="zh-CN" sz="1400" dirty="0" err="1"/>
+              <a:t>Context.write</a:t>
+            </a:r>
+            <a:r>
+              <a:rPr lang="en-US" altLang="zh-CN" sz="1400" dirty="0"/>
+              <a:t>(</a:t>
+            </a:r>
+            <a:r>
+              <a:rPr lang="en-US" altLang="zh-CN" sz="1400" dirty="0" err="1"/>
+              <a:t>k,v</a:t>
+            </a:r>
+            <a:r>
+              <a:rPr lang="en-US" altLang="zh-CN" sz="1400" dirty="0"/>
+              <a:t>)</a:t>
+            </a:r>
           </a:p>
         </p:txBody>
       </p:sp>
@@ -22076,6 +21802,52 @@
       </p:sp>
       <p:sp>
         <p:nvSpPr>
+          <p:cNvPr id="14" name="矩形 13">
+            <a:extLst>
+              <a:ext uri="{FF2B5EF4-FFF2-40B4-BE49-F238E27FC236}">
+                <a16:creationId xmlns:a16="http://schemas.microsoft.com/office/drawing/2014/main" id="{0F2AEEE6-30BF-4363-A5AC-53BC8A1DB323}"/>
+              </a:ext>
+            </a:extLst>
+          </p:cNvPr>
+          <p:cNvSpPr/>
+          <p:nvPr/>
+        </p:nvSpPr>
+        <p:spPr>
+          <a:xfrm>
+            <a:off x="6251080" y="784618"/>
+            <a:ext cx="951413" cy="1596457"/>
+          </a:xfrm>
+          <a:prstGeom prst="rect">
+            <a:avLst/>
+          </a:prstGeom>
+        </p:spPr>
+        <p:style>
+          <a:lnRef idx="2">
+            <a:schemeClr val="accent3">
+              <a:shade val="50000"/>
+            </a:schemeClr>
+          </a:lnRef>
+          <a:fillRef idx="1">
+            <a:schemeClr val="accent3"/>
+          </a:fillRef>
+          <a:effectRef idx="0">
+            <a:schemeClr val="accent3"/>
+          </a:effectRef>
+          <a:fontRef idx="minor">
+            <a:schemeClr val="lt1"/>
+          </a:fontRef>
+        </p:style>
+        <p:txBody>
+          <a:bodyPr rtlCol="0" anchor="ctr"/>
+          <a:lstStyle/>
+          <a:p>
+            <a:pPr algn="ctr"/>
+            <a:endParaRPr lang="zh-CN" altLang="en-US"/>
+          </a:p>
+        </p:txBody>
+      </p:sp>
+      <p:sp>
+        <p:nvSpPr>
           <p:cNvPr id="121" name="文本框 120">
             <a:extLst>
               <a:ext uri="{FF2B5EF4-FFF2-40B4-BE49-F238E27FC236}">
@@ -22238,6 +22010,607 @@
         <p:spPr>
           <a:xfrm>
             <a:off x="11224616" y="4344098"/>
+            <a:ext cx="620315" cy="400110"/>
+          </a:xfrm>
+          <a:prstGeom prst="rect">
+            <a:avLst/>
+          </a:prstGeom>
+          <a:noFill/>
+        </p:spPr>
+        <p:txBody>
+          <a:bodyPr wrap="square" rtlCol="0">
+            <a:spAutoFit/>
+          </a:bodyPr>
+          <a:lstStyle/>
+          <a:p>
+            <a:r>
+              <a:rPr lang="en-US" altLang="zh-CN" sz="2000" b="1" dirty="0">
+                <a:solidFill>
+                  <a:srgbClr val="FF0000"/>
+                </a:solidFill>
+              </a:rPr>
+              <a:t>18</a:t>
+            </a:r>
+            <a:endParaRPr lang="zh-CN" altLang="en-US" sz="2000" b="1" dirty="0">
+              <a:solidFill>
+                <a:srgbClr val="FF0000"/>
+              </a:solidFill>
+            </a:endParaRPr>
+          </a:p>
+        </p:txBody>
+      </p:sp>
+      <p:sp>
+        <p:nvSpPr>
+          <p:cNvPr id="58" name="矩形 57">
+            <a:extLst>
+              <a:ext uri="{FF2B5EF4-FFF2-40B4-BE49-F238E27FC236}">
+                <a16:creationId xmlns:a16="http://schemas.microsoft.com/office/drawing/2014/main" id="{55FDA44E-7458-4829-B5CF-2E466E746368}"/>
+              </a:ext>
+            </a:extLst>
+          </p:cNvPr>
+          <p:cNvSpPr/>
+          <p:nvPr/>
+        </p:nvSpPr>
+        <p:spPr>
+          <a:xfrm>
+            <a:off x="6386913" y="1663673"/>
+            <a:ext cx="687728" cy="495370"/>
+          </a:xfrm>
+          <a:prstGeom prst="rect">
+            <a:avLst/>
+          </a:prstGeom>
+        </p:spPr>
+        <p:style>
+          <a:lnRef idx="2">
+            <a:schemeClr val="accent4">
+              <a:shade val="50000"/>
+            </a:schemeClr>
+          </a:lnRef>
+          <a:fillRef idx="1">
+            <a:schemeClr val="accent4"/>
+          </a:fillRef>
+          <a:effectRef idx="0">
+            <a:schemeClr val="accent4"/>
+          </a:effectRef>
+          <a:fontRef idx="minor">
+            <a:schemeClr val="lt1"/>
+          </a:fontRef>
+        </p:style>
+        <p:txBody>
+          <a:bodyPr rtlCol="0" anchor="ctr"/>
+          <a:lstStyle/>
+          <a:p>
+            <a:pPr algn="ctr"/>
+            <a:r>
+              <a:rPr lang="zh-CN" altLang="en-US" sz="1200" b="1" dirty="0">
+                <a:solidFill>
+                  <a:schemeClr val="tx1"/>
+                </a:solidFill>
+              </a:rPr>
+              <a:t>数据</a:t>
+            </a:r>
+            <a:endParaRPr lang="en-US" altLang="zh-CN" sz="1200" b="1" dirty="0">
+              <a:solidFill>
+                <a:schemeClr val="tx1"/>
+              </a:solidFill>
+            </a:endParaRPr>
+          </a:p>
+          <a:p>
+            <a:pPr algn="ctr"/>
+            <a:r>
+              <a:rPr lang="zh-CN" altLang="en-US" sz="1200" b="1" dirty="0">
+                <a:solidFill>
+                  <a:schemeClr val="tx1"/>
+                </a:solidFill>
+              </a:rPr>
+              <a:t>分区</a:t>
+            </a:r>
+            <a:r>
+              <a:rPr lang="en-US" altLang="zh-CN" sz="1200" b="1" dirty="0">
+                <a:solidFill>
+                  <a:schemeClr val="tx1"/>
+                </a:solidFill>
+              </a:rPr>
+              <a:t>2</a:t>
+            </a:r>
+            <a:endParaRPr lang="zh-CN" altLang="en-US" sz="1200" b="1" dirty="0">
+              <a:solidFill>
+                <a:schemeClr val="tx1"/>
+              </a:solidFill>
+            </a:endParaRPr>
+          </a:p>
+        </p:txBody>
+      </p:sp>
+      <p:cxnSp>
+        <p:nvCxnSpPr>
+          <p:cNvPr id="64" name="直接箭头连接符 63">
+            <a:extLst>
+              <a:ext uri="{FF2B5EF4-FFF2-40B4-BE49-F238E27FC236}">
+                <a16:creationId xmlns:a16="http://schemas.microsoft.com/office/drawing/2014/main" id="{722D9995-42AC-49BB-A170-0F987DC31C5B}"/>
+              </a:ext>
+            </a:extLst>
+          </p:cNvPr>
+          <p:cNvCxnSpPr>
+            <a:cxnSpLocks/>
+          </p:cNvCxnSpPr>
+          <p:nvPr/>
+        </p:nvCxnSpPr>
+        <p:spPr>
+          <a:xfrm>
+            <a:off x="5800845" y="1338319"/>
+            <a:ext cx="566924" cy="3138"/>
+          </a:xfrm>
+          <a:prstGeom prst="straightConnector1">
+            <a:avLst/>
+          </a:prstGeom>
+          <a:ln>
+            <a:tailEnd type="triangle"/>
+          </a:ln>
+        </p:spPr>
+        <p:style>
+          <a:lnRef idx="3">
+            <a:schemeClr val="accent1"/>
+          </a:lnRef>
+          <a:fillRef idx="0">
+            <a:schemeClr val="accent1"/>
+          </a:fillRef>
+          <a:effectRef idx="2">
+            <a:schemeClr val="accent1"/>
+          </a:effectRef>
+          <a:fontRef idx="minor">
+            <a:schemeClr val="tx1"/>
+          </a:fontRef>
+        </p:style>
+      </p:cxnSp>
+      <p:sp>
+        <p:nvSpPr>
+          <p:cNvPr id="40" name="矩形 39">
+            <a:extLst>
+              <a:ext uri="{FF2B5EF4-FFF2-40B4-BE49-F238E27FC236}">
+                <a16:creationId xmlns:a16="http://schemas.microsoft.com/office/drawing/2014/main" id="{5FC6B889-2751-48B6-A4F9-F43C70FD4DFF}"/>
+              </a:ext>
+            </a:extLst>
+          </p:cNvPr>
+          <p:cNvSpPr/>
+          <p:nvPr/>
+        </p:nvSpPr>
+        <p:spPr>
+          <a:xfrm>
+            <a:off x="6389052" y="1122988"/>
+            <a:ext cx="687728" cy="495370"/>
+          </a:xfrm>
+          <a:prstGeom prst="rect">
+            <a:avLst/>
+          </a:prstGeom>
+        </p:spPr>
+        <p:style>
+          <a:lnRef idx="2">
+            <a:schemeClr val="accent4">
+              <a:shade val="50000"/>
+            </a:schemeClr>
+          </a:lnRef>
+          <a:fillRef idx="1">
+            <a:schemeClr val="accent4"/>
+          </a:fillRef>
+          <a:effectRef idx="0">
+            <a:schemeClr val="accent4"/>
+          </a:effectRef>
+          <a:fontRef idx="minor">
+            <a:schemeClr val="lt1"/>
+          </a:fontRef>
+        </p:style>
+        <p:txBody>
+          <a:bodyPr rtlCol="0" anchor="ctr"/>
+          <a:lstStyle/>
+          <a:p>
+            <a:pPr algn="ctr"/>
+            <a:r>
+              <a:rPr lang="zh-CN" altLang="en-US" sz="1200" b="1" dirty="0">
+                <a:solidFill>
+                  <a:schemeClr val="tx1"/>
+                </a:solidFill>
+              </a:rPr>
+              <a:t>数据</a:t>
+            </a:r>
+            <a:endParaRPr lang="en-US" altLang="zh-CN" sz="1200" b="1" dirty="0">
+              <a:solidFill>
+                <a:schemeClr val="tx1"/>
+              </a:solidFill>
+            </a:endParaRPr>
+          </a:p>
+          <a:p>
+            <a:pPr algn="ctr"/>
+            <a:r>
+              <a:rPr lang="zh-CN" altLang="en-US" sz="1200" b="1" dirty="0">
+                <a:solidFill>
+                  <a:schemeClr val="tx1"/>
+                </a:solidFill>
+              </a:rPr>
+              <a:t>分区</a:t>
+            </a:r>
+            <a:r>
+              <a:rPr lang="en-US" altLang="zh-CN" sz="1200" b="1" dirty="0">
+                <a:solidFill>
+                  <a:schemeClr val="tx1"/>
+                </a:solidFill>
+              </a:rPr>
+              <a:t>1</a:t>
+            </a:r>
+            <a:endParaRPr lang="zh-CN" altLang="en-US" sz="1200" b="1" dirty="0">
+              <a:solidFill>
+                <a:schemeClr val="tx1"/>
+              </a:solidFill>
+            </a:endParaRPr>
+          </a:p>
+        </p:txBody>
+      </p:sp>
+      <p:cxnSp>
+        <p:nvCxnSpPr>
+          <p:cNvPr id="46" name="直接箭头连接符 45">
+            <a:extLst>
+              <a:ext uri="{FF2B5EF4-FFF2-40B4-BE49-F238E27FC236}">
+                <a16:creationId xmlns:a16="http://schemas.microsoft.com/office/drawing/2014/main" id="{6B2501BD-28CE-4AE1-AACE-5D42D8A51722}"/>
+              </a:ext>
+            </a:extLst>
+          </p:cNvPr>
+          <p:cNvCxnSpPr>
+            <a:cxnSpLocks/>
+          </p:cNvCxnSpPr>
+          <p:nvPr/>
+        </p:nvCxnSpPr>
+        <p:spPr>
+          <a:xfrm>
+            <a:off x="5800845" y="1919118"/>
+            <a:ext cx="566924" cy="3138"/>
+          </a:xfrm>
+          <a:prstGeom prst="straightConnector1">
+            <a:avLst/>
+          </a:prstGeom>
+          <a:ln>
+            <a:tailEnd type="triangle"/>
+          </a:ln>
+        </p:spPr>
+        <p:style>
+          <a:lnRef idx="3">
+            <a:schemeClr val="accent1"/>
+          </a:lnRef>
+          <a:fillRef idx="0">
+            <a:schemeClr val="accent1"/>
+          </a:fillRef>
+          <a:effectRef idx="2">
+            <a:schemeClr val="accent1"/>
+          </a:effectRef>
+          <a:fontRef idx="minor">
+            <a:schemeClr val="tx1"/>
+          </a:fontRef>
+        </p:style>
+      </p:cxnSp>
+      <p:sp>
+        <p:nvSpPr>
+          <p:cNvPr id="16" name="文本框 15">
+            <a:extLst>
+              <a:ext uri="{FF2B5EF4-FFF2-40B4-BE49-F238E27FC236}">
+                <a16:creationId xmlns:a16="http://schemas.microsoft.com/office/drawing/2014/main" id="{DE902371-6351-4443-92BA-71C28B0A0245}"/>
+              </a:ext>
+            </a:extLst>
+          </p:cNvPr>
+          <p:cNvSpPr txBox="1"/>
+          <p:nvPr/>
+        </p:nvSpPr>
+        <p:spPr>
+          <a:xfrm>
+            <a:off x="6464022" y="459283"/>
+            <a:ext cx="631097" cy="276999"/>
+          </a:xfrm>
+          <a:prstGeom prst="rect">
+            <a:avLst/>
+          </a:prstGeom>
+          <a:noFill/>
+        </p:spPr>
+        <p:txBody>
+          <a:bodyPr wrap="square" rtlCol="0">
+            <a:spAutoFit/>
+          </a:bodyPr>
+          <a:lstStyle/>
+          <a:p>
+            <a:r>
+              <a:rPr lang="zh-CN" altLang="en-US" sz="1200" b="1" dirty="0"/>
+              <a:t>磁盘</a:t>
+            </a:r>
+          </a:p>
+        </p:txBody>
+      </p:sp>
+      <p:sp>
+        <p:nvSpPr>
+          <p:cNvPr id="75" name="矩形 74">
+            <a:extLst>
+              <a:ext uri="{FF2B5EF4-FFF2-40B4-BE49-F238E27FC236}">
+                <a16:creationId xmlns:a16="http://schemas.microsoft.com/office/drawing/2014/main" id="{8617B570-C6C9-4AD5-B42E-922D3A5833D1}"/>
+              </a:ext>
+            </a:extLst>
+          </p:cNvPr>
+          <p:cNvSpPr/>
+          <p:nvPr/>
+        </p:nvSpPr>
+        <p:spPr>
+          <a:xfrm>
+            <a:off x="7379739" y="791529"/>
+            <a:ext cx="2284967" cy="1589534"/>
+          </a:xfrm>
+          <a:prstGeom prst="rect">
+            <a:avLst/>
+          </a:prstGeom>
+        </p:spPr>
+        <p:style>
+          <a:lnRef idx="2">
+            <a:schemeClr val="dk1"/>
+          </a:lnRef>
+          <a:fillRef idx="1">
+            <a:schemeClr val="lt1"/>
+          </a:fillRef>
+          <a:effectRef idx="0">
+            <a:schemeClr val="dk1"/>
+          </a:effectRef>
+          <a:fontRef idx="minor">
+            <a:schemeClr val="dk1"/>
+          </a:fontRef>
+        </p:style>
+        <p:txBody>
+          <a:bodyPr rtlCol="0" anchor="ctr"/>
+          <a:lstStyle/>
+          <a:p>
+            <a:pPr algn="ctr"/>
+            <a:endParaRPr lang="zh-CN" altLang="en-US"/>
+          </a:p>
+        </p:txBody>
+      </p:sp>
+      <p:sp>
+        <p:nvSpPr>
+          <p:cNvPr id="52" name="矩形 51">
+            <a:extLst>
+              <a:ext uri="{FF2B5EF4-FFF2-40B4-BE49-F238E27FC236}">
+                <a16:creationId xmlns:a16="http://schemas.microsoft.com/office/drawing/2014/main" id="{C1FA26D5-BE2C-4073-BA5B-13ADCEFA2CC3}"/>
+              </a:ext>
+            </a:extLst>
+          </p:cNvPr>
+          <p:cNvSpPr/>
+          <p:nvPr/>
+        </p:nvSpPr>
+        <p:spPr>
+          <a:xfrm>
+            <a:off x="7554004" y="1352113"/>
+            <a:ext cx="687728" cy="495370"/>
+          </a:xfrm>
+          <a:prstGeom prst="rect">
+            <a:avLst/>
+          </a:prstGeom>
+        </p:spPr>
+        <p:style>
+          <a:lnRef idx="2">
+            <a:schemeClr val="accent4">
+              <a:shade val="50000"/>
+            </a:schemeClr>
+          </a:lnRef>
+          <a:fillRef idx="1">
+            <a:schemeClr val="accent4"/>
+          </a:fillRef>
+          <a:effectRef idx="0">
+            <a:schemeClr val="accent4"/>
+          </a:effectRef>
+          <a:fontRef idx="minor">
+            <a:schemeClr val="lt1"/>
+          </a:fontRef>
+        </p:style>
+        <p:txBody>
+          <a:bodyPr rtlCol="0" anchor="ctr"/>
+          <a:lstStyle/>
+          <a:p>
+            <a:pPr algn="ctr"/>
+            <a:r>
+              <a:rPr lang="zh-CN" altLang="en-US" sz="1400" b="1" dirty="0">
+                <a:solidFill>
+                  <a:schemeClr val="tx1"/>
+                </a:solidFill>
+              </a:rPr>
+              <a:t>归并排序</a:t>
+            </a:r>
+          </a:p>
+        </p:txBody>
+      </p:sp>
+      <p:sp>
+        <p:nvSpPr>
+          <p:cNvPr id="53" name="矩形 52">
+            <a:extLst>
+              <a:ext uri="{FF2B5EF4-FFF2-40B4-BE49-F238E27FC236}">
+                <a16:creationId xmlns:a16="http://schemas.microsoft.com/office/drawing/2014/main" id="{82183D4E-8891-417C-AB74-380AA3E2468E}"/>
+              </a:ext>
+            </a:extLst>
+          </p:cNvPr>
+          <p:cNvSpPr/>
+          <p:nvPr/>
+        </p:nvSpPr>
+        <p:spPr>
+          <a:xfrm>
+            <a:off x="8715297" y="1352113"/>
+            <a:ext cx="687728" cy="495370"/>
+          </a:xfrm>
+          <a:prstGeom prst="rect">
+            <a:avLst/>
+          </a:prstGeom>
+        </p:spPr>
+        <p:style>
+          <a:lnRef idx="2">
+            <a:schemeClr val="accent4">
+              <a:shade val="50000"/>
+            </a:schemeClr>
+          </a:lnRef>
+          <a:fillRef idx="1">
+            <a:schemeClr val="accent4"/>
+          </a:fillRef>
+          <a:effectRef idx="0">
+            <a:schemeClr val="accent4"/>
+          </a:effectRef>
+          <a:fontRef idx="minor">
+            <a:schemeClr val="lt1"/>
+          </a:fontRef>
+        </p:style>
+        <p:txBody>
+          <a:bodyPr rtlCol="0" anchor="ctr"/>
+          <a:lstStyle/>
+          <a:p>
+            <a:pPr algn="ctr"/>
+            <a:r>
+              <a:rPr lang="zh-CN" altLang="en-US" sz="1400" b="1" dirty="0">
+                <a:solidFill>
+                  <a:schemeClr val="tx1"/>
+                </a:solidFill>
+              </a:rPr>
+              <a:t>分组</a:t>
+            </a:r>
+          </a:p>
+        </p:txBody>
+      </p:sp>
+      <p:cxnSp>
+        <p:nvCxnSpPr>
+          <p:cNvPr id="60" name="直接箭头连接符 59">
+            <a:extLst>
+              <a:ext uri="{FF2B5EF4-FFF2-40B4-BE49-F238E27FC236}">
+                <a16:creationId xmlns:a16="http://schemas.microsoft.com/office/drawing/2014/main" id="{008FA577-E7F2-4A98-B0E9-BDD39047BB0F}"/>
+              </a:ext>
+            </a:extLst>
+          </p:cNvPr>
+          <p:cNvCxnSpPr>
+            <a:cxnSpLocks/>
+          </p:cNvCxnSpPr>
+          <p:nvPr/>
+        </p:nvCxnSpPr>
+        <p:spPr>
+          <a:xfrm>
+            <a:off x="8327669" y="1619886"/>
+            <a:ext cx="325665" cy="0"/>
+          </a:xfrm>
+          <a:prstGeom prst="straightConnector1">
+            <a:avLst/>
+          </a:prstGeom>
+          <a:ln>
+            <a:tailEnd type="triangle"/>
+          </a:ln>
+        </p:spPr>
+        <p:style>
+          <a:lnRef idx="3">
+            <a:schemeClr val="accent1"/>
+          </a:lnRef>
+          <a:fillRef idx="0">
+            <a:schemeClr val="accent1"/>
+          </a:fillRef>
+          <a:effectRef idx="2">
+            <a:schemeClr val="accent1"/>
+          </a:effectRef>
+          <a:fontRef idx="minor">
+            <a:schemeClr val="tx1"/>
+          </a:fontRef>
+        </p:style>
+      </p:cxnSp>
+      <p:sp>
+        <p:nvSpPr>
+          <p:cNvPr id="61" name="文本框 60">
+            <a:extLst>
+              <a:ext uri="{FF2B5EF4-FFF2-40B4-BE49-F238E27FC236}">
+                <a16:creationId xmlns:a16="http://schemas.microsoft.com/office/drawing/2014/main" id="{74B31D30-4F8D-416F-90C6-77EBFE69519B}"/>
+              </a:ext>
+            </a:extLst>
+          </p:cNvPr>
+          <p:cNvSpPr txBox="1"/>
+          <p:nvPr/>
+        </p:nvSpPr>
+        <p:spPr>
+          <a:xfrm>
+            <a:off x="8241732" y="1154310"/>
+            <a:ext cx="620315" cy="400110"/>
+          </a:xfrm>
+          <a:prstGeom prst="rect">
+            <a:avLst/>
+          </a:prstGeom>
+          <a:noFill/>
+        </p:spPr>
+        <p:txBody>
+          <a:bodyPr wrap="square" rtlCol="0">
+            <a:spAutoFit/>
+          </a:bodyPr>
+          <a:lstStyle/>
+          <a:p>
+            <a:r>
+              <a:rPr lang="en-US" altLang="zh-CN" sz="2000" b="1" dirty="0">
+                <a:solidFill>
+                  <a:srgbClr val="FF0000"/>
+                </a:solidFill>
+              </a:rPr>
+              <a:t>16</a:t>
+            </a:r>
+            <a:endParaRPr lang="zh-CN" altLang="en-US" sz="2000" b="1" dirty="0">
+              <a:solidFill>
+                <a:srgbClr val="FF0000"/>
+              </a:solidFill>
+            </a:endParaRPr>
+          </a:p>
+        </p:txBody>
+      </p:sp>
+      <p:cxnSp>
+        <p:nvCxnSpPr>
+          <p:cNvPr id="62" name="直接箭头连接符 61">
+            <a:extLst>
+              <a:ext uri="{FF2B5EF4-FFF2-40B4-BE49-F238E27FC236}">
+                <a16:creationId xmlns:a16="http://schemas.microsoft.com/office/drawing/2014/main" id="{901E2953-B8EC-43B4-B6FA-B9F5C1AEBA6E}"/>
+              </a:ext>
+            </a:extLst>
+          </p:cNvPr>
+          <p:cNvCxnSpPr>
+            <a:cxnSpLocks/>
+          </p:cNvCxnSpPr>
+          <p:nvPr/>
+        </p:nvCxnSpPr>
+        <p:spPr>
+          <a:xfrm>
+            <a:off x="9498842" y="1619886"/>
+            <a:ext cx="325665" cy="0"/>
+          </a:xfrm>
+          <a:prstGeom prst="straightConnector1">
+            <a:avLst/>
+          </a:prstGeom>
+          <a:ln>
+            <a:tailEnd type="triangle"/>
+          </a:ln>
+        </p:spPr>
+        <p:style>
+          <a:lnRef idx="3">
+            <a:schemeClr val="accent1"/>
+          </a:lnRef>
+          <a:fillRef idx="0">
+            <a:schemeClr val="accent1"/>
+          </a:fillRef>
+          <a:effectRef idx="2">
+            <a:schemeClr val="accent1"/>
+          </a:effectRef>
+          <a:fontRef idx="minor">
+            <a:schemeClr val="tx1"/>
+          </a:fontRef>
+        </p:style>
+      </p:cxnSp>
+      <p:sp>
+        <p:nvSpPr>
+          <p:cNvPr id="63" name="文本框 62">
+            <a:extLst>
+              <a:ext uri="{FF2B5EF4-FFF2-40B4-BE49-F238E27FC236}">
+                <a16:creationId xmlns:a16="http://schemas.microsoft.com/office/drawing/2014/main" id="{DF9C5305-9626-4763-9761-AB55BA109DCE}"/>
+              </a:ext>
+            </a:extLst>
+          </p:cNvPr>
+          <p:cNvSpPr txBox="1"/>
+          <p:nvPr/>
+        </p:nvSpPr>
+        <p:spPr>
+          <a:xfrm>
+            <a:off x="9412905" y="1154310"/>
             <a:ext cx="620315" cy="400110"/>
           </a:xfrm>
           <a:prstGeom prst="rect">
@@ -22267,10 +22640,1218 @@
           </a:p>
         </p:txBody>
       </p:sp>
+      <p:sp>
+        <p:nvSpPr>
+          <p:cNvPr id="57" name="文本框 56">
+            <a:extLst>
+              <a:ext uri="{FF2B5EF4-FFF2-40B4-BE49-F238E27FC236}">
+                <a16:creationId xmlns:a16="http://schemas.microsoft.com/office/drawing/2014/main" id="{1EC75CF1-46B5-4ACC-965A-51ED4C6F8598}"/>
+              </a:ext>
+            </a:extLst>
+          </p:cNvPr>
+          <p:cNvSpPr txBox="1"/>
+          <p:nvPr/>
+        </p:nvSpPr>
+        <p:spPr>
+          <a:xfrm>
+            <a:off x="7099254" y="943882"/>
+            <a:ext cx="620315" cy="400110"/>
+          </a:xfrm>
+          <a:prstGeom prst="rect">
+            <a:avLst/>
+          </a:prstGeom>
+          <a:noFill/>
+        </p:spPr>
+        <p:txBody>
+          <a:bodyPr wrap="square" rtlCol="0">
+            <a:spAutoFit/>
+          </a:bodyPr>
+          <a:lstStyle/>
+          <a:p>
+            <a:r>
+              <a:rPr lang="en-US" altLang="zh-CN" sz="2000" b="1" dirty="0">
+                <a:solidFill>
+                  <a:srgbClr val="FF0000"/>
+                </a:solidFill>
+              </a:rPr>
+              <a:t>15</a:t>
+            </a:r>
+            <a:endParaRPr lang="zh-CN" altLang="en-US" sz="2000" b="1" dirty="0">
+              <a:solidFill>
+                <a:srgbClr val="FF0000"/>
+              </a:solidFill>
+            </a:endParaRPr>
+          </a:p>
+        </p:txBody>
+      </p:sp>
+      <p:cxnSp>
+        <p:nvCxnSpPr>
+          <p:cNvPr id="55" name="直接箭头连接符 54">
+            <a:extLst>
+              <a:ext uri="{FF2B5EF4-FFF2-40B4-BE49-F238E27FC236}">
+                <a16:creationId xmlns:a16="http://schemas.microsoft.com/office/drawing/2014/main" id="{487E3CEC-AA0C-4473-90A0-ADCA7CD93907}"/>
+              </a:ext>
+            </a:extLst>
+          </p:cNvPr>
+          <p:cNvCxnSpPr>
+            <a:cxnSpLocks/>
+          </p:cNvCxnSpPr>
+          <p:nvPr/>
+        </p:nvCxnSpPr>
+        <p:spPr>
+          <a:xfrm>
+            <a:off x="7125471" y="1370673"/>
+            <a:ext cx="392092" cy="229125"/>
+          </a:xfrm>
+          <a:prstGeom prst="straightConnector1">
+            <a:avLst/>
+          </a:prstGeom>
+          <a:ln>
+            <a:tailEnd type="triangle"/>
+          </a:ln>
+        </p:spPr>
+        <p:style>
+          <a:lnRef idx="3">
+            <a:schemeClr val="accent1"/>
+          </a:lnRef>
+          <a:fillRef idx="0">
+            <a:schemeClr val="accent1"/>
+          </a:fillRef>
+          <a:effectRef idx="2">
+            <a:schemeClr val="accent1"/>
+          </a:effectRef>
+          <a:fontRef idx="minor">
+            <a:schemeClr val="tx1"/>
+          </a:fontRef>
+        </p:style>
+      </p:cxnSp>
+      <p:cxnSp>
+        <p:nvCxnSpPr>
+          <p:cNvPr id="69" name="直接箭头连接符 68">
+            <a:extLst>
+              <a:ext uri="{FF2B5EF4-FFF2-40B4-BE49-F238E27FC236}">
+                <a16:creationId xmlns:a16="http://schemas.microsoft.com/office/drawing/2014/main" id="{52B97E2E-FA3D-499A-8D79-4C7DD71FF90E}"/>
+              </a:ext>
+            </a:extLst>
+          </p:cNvPr>
+          <p:cNvCxnSpPr>
+            <a:cxnSpLocks/>
+          </p:cNvCxnSpPr>
+          <p:nvPr/>
+        </p:nvCxnSpPr>
+        <p:spPr>
+          <a:xfrm flipV="1">
+            <a:off x="7095119" y="1663673"/>
+            <a:ext cx="422444" cy="245453"/>
+          </a:xfrm>
+          <a:prstGeom prst="straightConnector1">
+            <a:avLst/>
+          </a:prstGeom>
+          <a:ln>
+            <a:tailEnd type="triangle"/>
+          </a:ln>
+        </p:spPr>
+        <p:style>
+          <a:lnRef idx="3">
+            <a:schemeClr val="accent1"/>
+          </a:lnRef>
+          <a:fillRef idx="0">
+            <a:schemeClr val="accent1"/>
+          </a:fillRef>
+          <a:effectRef idx="2">
+            <a:schemeClr val="accent1"/>
+          </a:effectRef>
+          <a:fontRef idx="minor">
+            <a:schemeClr val="tx1"/>
+          </a:fontRef>
+        </p:style>
+      </p:cxnSp>
+      <p:sp>
+        <p:nvSpPr>
+          <p:cNvPr id="76" name="文本框 75">
+            <a:extLst>
+              <a:ext uri="{FF2B5EF4-FFF2-40B4-BE49-F238E27FC236}">
+                <a16:creationId xmlns:a16="http://schemas.microsoft.com/office/drawing/2014/main" id="{081149C5-216D-4E23-BE1B-B7ACEDEE8A29}"/>
+              </a:ext>
+            </a:extLst>
+          </p:cNvPr>
+          <p:cNvSpPr txBox="1"/>
+          <p:nvPr/>
+        </p:nvSpPr>
+        <p:spPr>
+          <a:xfrm>
+            <a:off x="8198664" y="479672"/>
+            <a:ext cx="909340" cy="276999"/>
+          </a:xfrm>
+          <a:prstGeom prst="rect">
+            <a:avLst/>
+          </a:prstGeom>
+          <a:noFill/>
+        </p:spPr>
+        <p:txBody>
+          <a:bodyPr wrap="square" rtlCol="0">
+            <a:spAutoFit/>
+          </a:bodyPr>
+          <a:lstStyle/>
+          <a:p>
+            <a:r>
+              <a:rPr lang="zh-CN" altLang="en-US" sz="1200" b="1" dirty="0"/>
+              <a:t>内存</a:t>
+            </a:r>
+          </a:p>
+        </p:txBody>
+      </p:sp>
     </p:spTree>
     <p:extLst>
       <p:ext uri="{BB962C8B-B14F-4D97-AF65-F5344CB8AC3E}">
         <p14:creationId xmlns:p14="http://schemas.microsoft.com/office/powerpoint/2010/main" val="2604439928"/>
+      </p:ext>
+    </p:extLst>
+  </p:cSld>
+  <p:clrMapOvr>
+    <a:masterClrMapping/>
+  </p:clrMapOvr>
+</p:sld>
+</file>
+
+<file path=ppt/slides/slide9.xml><?xml version="1.0" encoding="utf-8"?>
+<p:sld xmlns:a="http://schemas.openxmlformats.org/drawingml/2006/main" xmlns:r="http://schemas.openxmlformats.org/officeDocument/2006/relationships" xmlns:p="http://schemas.openxmlformats.org/presentationml/2006/main">
+  <p:cSld>
+    <p:spTree>
+      <p:nvGrpSpPr>
+        <p:cNvPr id="1" name=""/>
+        <p:cNvGrpSpPr/>
+        <p:nvPr/>
+      </p:nvGrpSpPr>
+      <p:grpSpPr>
+        <a:xfrm>
+          <a:off x="0" y="0"/>
+          <a:ext cx="0" cy="0"/>
+          <a:chOff x="0" y="0"/>
+          <a:chExt cx="0" cy="0"/>
+        </a:xfrm>
+      </p:grpSpPr>
+      <p:sp>
+        <p:nvSpPr>
+          <p:cNvPr id="2" name="矩形 1">
+            <a:extLst>
+              <a:ext uri="{FF2B5EF4-FFF2-40B4-BE49-F238E27FC236}">
+                <a16:creationId xmlns:a16="http://schemas.microsoft.com/office/drawing/2014/main" id="{022FA3E2-B9E3-4E7B-B98A-64D670DE1622}"/>
+              </a:ext>
+            </a:extLst>
+          </p:cNvPr>
+          <p:cNvSpPr/>
+          <p:nvPr/>
+        </p:nvSpPr>
+        <p:spPr>
+          <a:xfrm>
+            <a:off x="7883990" y="1330818"/>
+            <a:ext cx="754957" cy="455861"/>
+          </a:xfrm>
+          <a:prstGeom prst="rect">
+            <a:avLst/>
+          </a:prstGeom>
+        </p:spPr>
+        <p:style>
+          <a:lnRef idx="3">
+            <a:schemeClr val="lt1"/>
+          </a:lnRef>
+          <a:fillRef idx="1">
+            <a:schemeClr val="accent4"/>
+          </a:fillRef>
+          <a:effectRef idx="1">
+            <a:schemeClr val="accent4"/>
+          </a:effectRef>
+          <a:fontRef idx="minor">
+            <a:schemeClr val="lt1"/>
+          </a:fontRef>
+        </p:style>
+        <p:txBody>
+          <a:bodyPr rtlCol="0" anchor="ctr"/>
+          <a:lstStyle/>
+          <a:p>
+            <a:pPr algn="ctr"/>
+            <a:r>
+              <a:rPr lang="zh-CN" altLang="en-US" sz="1600" b="1" dirty="0">
+                <a:solidFill>
+                  <a:schemeClr val="tx1"/>
+                </a:solidFill>
+              </a:rPr>
+              <a:t>分区</a:t>
+            </a:r>
+            <a:r>
+              <a:rPr lang="en-US" altLang="zh-CN" sz="1600" b="1" dirty="0">
+                <a:solidFill>
+                  <a:schemeClr val="tx1"/>
+                </a:solidFill>
+              </a:rPr>
+              <a:t>1</a:t>
+            </a:r>
+            <a:endParaRPr lang="zh-CN" altLang="en-US" sz="1600" b="1" dirty="0">
+              <a:solidFill>
+                <a:schemeClr val="tx1"/>
+              </a:solidFill>
+            </a:endParaRPr>
+          </a:p>
+        </p:txBody>
+      </p:sp>
+      <p:sp>
+        <p:nvSpPr>
+          <p:cNvPr id="3" name="矩形 2">
+            <a:extLst>
+              <a:ext uri="{FF2B5EF4-FFF2-40B4-BE49-F238E27FC236}">
+                <a16:creationId xmlns:a16="http://schemas.microsoft.com/office/drawing/2014/main" id="{15F3D8F3-5779-4D52-BEB8-B99C7816980F}"/>
+              </a:ext>
+            </a:extLst>
+          </p:cNvPr>
+          <p:cNvSpPr/>
+          <p:nvPr/>
+        </p:nvSpPr>
+        <p:spPr>
+          <a:xfrm>
+            <a:off x="8638947" y="1330818"/>
+            <a:ext cx="754957" cy="455861"/>
+          </a:xfrm>
+          <a:prstGeom prst="rect">
+            <a:avLst/>
+          </a:prstGeom>
+        </p:spPr>
+        <p:style>
+          <a:lnRef idx="3">
+            <a:schemeClr val="lt1"/>
+          </a:lnRef>
+          <a:fillRef idx="1">
+            <a:schemeClr val="accent4"/>
+          </a:fillRef>
+          <a:effectRef idx="1">
+            <a:schemeClr val="accent4"/>
+          </a:effectRef>
+          <a:fontRef idx="minor">
+            <a:schemeClr val="lt1"/>
+          </a:fontRef>
+        </p:style>
+        <p:txBody>
+          <a:bodyPr rtlCol="0" anchor="ctr"/>
+          <a:lstStyle/>
+          <a:p>
+            <a:pPr algn="ctr"/>
+            <a:r>
+              <a:rPr lang="zh-CN" altLang="en-US" sz="1600" b="1" dirty="0">
+                <a:solidFill>
+                  <a:schemeClr val="tx1"/>
+                </a:solidFill>
+              </a:rPr>
+              <a:t>分区</a:t>
+            </a:r>
+            <a:r>
+              <a:rPr lang="en-US" altLang="zh-CN" sz="1600" b="1" dirty="0">
+                <a:solidFill>
+                  <a:schemeClr val="tx1"/>
+                </a:solidFill>
+              </a:rPr>
+              <a:t>2</a:t>
+            </a:r>
+            <a:endParaRPr lang="zh-CN" altLang="en-US" sz="1600" b="1" dirty="0">
+              <a:solidFill>
+                <a:schemeClr val="tx1"/>
+              </a:solidFill>
+            </a:endParaRPr>
+          </a:p>
+        </p:txBody>
+      </p:sp>
+      <p:sp>
+        <p:nvSpPr>
+          <p:cNvPr id="4" name="矩形 3">
+            <a:extLst>
+              <a:ext uri="{FF2B5EF4-FFF2-40B4-BE49-F238E27FC236}">
+                <a16:creationId xmlns:a16="http://schemas.microsoft.com/office/drawing/2014/main" id="{8AD7B720-036C-4689-A42A-552A706ED6AD}"/>
+              </a:ext>
+            </a:extLst>
+          </p:cNvPr>
+          <p:cNvSpPr/>
+          <p:nvPr/>
+        </p:nvSpPr>
+        <p:spPr>
+          <a:xfrm>
+            <a:off x="7900580" y="2582693"/>
+            <a:ext cx="754957" cy="455861"/>
+          </a:xfrm>
+          <a:prstGeom prst="rect">
+            <a:avLst/>
+          </a:prstGeom>
+        </p:spPr>
+        <p:style>
+          <a:lnRef idx="3">
+            <a:schemeClr val="lt1"/>
+          </a:lnRef>
+          <a:fillRef idx="1">
+            <a:schemeClr val="accent4"/>
+          </a:fillRef>
+          <a:effectRef idx="1">
+            <a:schemeClr val="accent4"/>
+          </a:effectRef>
+          <a:fontRef idx="minor">
+            <a:schemeClr val="lt1"/>
+          </a:fontRef>
+        </p:style>
+        <p:txBody>
+          <a:bodyPr rtlCol="0" anchor="ctr"/>
+          <a:lstStyle/>
+          <a:p>
+            <a:pPr algn="ctr"/>
+            <a:r>
+              <a:rPr lang="zh-CN" altLang="en-US" sz="1600" b="1" dirty="0">
+                <a:solidFill>
+                  <a:schemeClr val="tx1"/>
+                </a:solidFill>
+              </a:rPr>
+              <a:t>分区</a:t>
+            </a:r>
+            <a:r>
+              <a:rPr lang="en-US" altLang="zh-CN" sz="1600" b="1" dirty="0">
+                <a:solidFill>
+                  <a:schemeClr val="tx1"/>
+                </a:solidFill>
+              </a:rPr>
+              <a:t>1</a:t>
+            </a:r>
+            <a:endParaRPr lang="zh-CN" altLang="en-US" sz="1600" b="1" dirty="0">
+              <a:solidFill>
+                <a:schemeClr val="tx1"/>
+              </a:solidFill>
+            </a:endParaRPr>
+          </a:p>
+        </p:txBody>
+      </p:sp>
+      <p:sp>
+        <p:nvSpPr>
+          <p:cNvPr id="5" name="矩形 4">
+            <a:extLst>
+              <a:ext uri="{FF2B5EF4-FFF2-40B4-BE49-F238E27FC236}">
+                <a16:creationId xmlns:a16="http://schemas.microsoft.com/office/drawing/2014/main" id="{376DED9E-4775-4D37-8D55-E874CA4702BD}"/>
+              </a:ext>
+            </a:extLst>
+          </p:cNvPr>
+          <p:cNvSpPr/>
+          <p:nvPr/>
+        </p:nvSpPr>
+        <p:spPr>
+          <a:xfrm>
+            <a:off x="8655537" y="2582693"/>
+            <a:ext cx="754957" cy="455861"/>
+          </a:xfrm>
+          <a:prstGeom prst="rect">
+            <a:avLst/>
+          </a:prstGeom>
+        </p:spPr>
+        <p:style>
+          <a:lnRef idx="3">
+            <a:schemeClr val="lt1"/>
+          </a:lnRef>
+          <a:fillRef idx="1">
+            <a:schemeClr val="accent4"/>
+          </a:fillRef>
+          <a:effectRef idx="1">
+            <a:schemeClr val="accent4"/>
+          </a:effectRef>
+          <a:fontRef idx="minor">
+            <a:schemeClr val="lt1"/>
+          </a:fontRef>
+        </p:style>
+        <p:txBody>
+          <a:bodyPr rtlCol="0" anchor="ctr"/>
+          <a:lstStyle/>
+          <a:p>
+            <a:pPr algn="ctr"/>
+            <a:r>
+              <a:rPr lang="zh-CN" altLang="en-US" sz="1600" b="1" dirty="0">
+                <a:solidFill>
+                  <a:schemeClr val="tx1"/>
+                </a:solidFill>
+              </a:rPr>
+              <a:t>分区</a:t>
+            </a:r>
+            <a:r>
+              <a:rPr lang="en-US" altLang="zh-CN" sz="1600" b="1" dirty="0">
+                <a:solidFill>
+                  <a:schemeClr val="tx1"/>
+                </a:solidFill>
+              </a:rPr>
+              <a:t>2</a:t>
+            </a:r>
+            <a:endParaRPr lang="zh-CN" altLang="en-US" sz="1600" b="1" dirty="0">
+              <a:solidFill>
+                <a:schemeClr val="tx1"/>
+              </a:solidFill>
+            </a:endParaRPr>
+          </a:p>
+        </p:txBody>
+      </p:sp>
+      <p:sp>
+        <p:nvSpPr>
+          <p:cNvPr id="6" name="文本框 5">
+            <a:extLst>
+              <a:ext uri="{FF2B5EF4-FFF2-40B4-BE49-F238E27FC236}">
+                <a16:creationId xmlns:a16="http://schemas.microsoft.com/office/drawing/2014/main" id="{43DE10CA-EB23-421E-9BB3-C1EBFE709755}"/>
+              </a:ext>
+            </a:extLst>
+          </p:cNvPr>
+          <p:cNvSpPr txBox="1"/>
+          <p:nvPr/>
+        </p:nvSpPr>
+        <p:spPr>
+          <a:xfrm>
+            <a:off x="8387060" y="1007542"/>
+            <a:ext cx="736296" cy="276999"/>
+          </a:xfrm>
+          <a:prstGeom prst="rect">
+            <a:avLst/>
+          </a:prstGeom>
+          <a:noFill/>
+        </p:spPr>
+        <p:txBody>
+          <a:bodyPr wrap="square" rtlCol="0">
+            <a:spAutoFit/>
+          </a:bodyPr>
+          <a:lstStyle/>
+          <a:p>
+            <a:r>
+              <a:rPr lang="zh-CN" altLang="en-US" sz="1200" b="1" dirty="0"/>
+              <a:t>分区</a:t>
+            </a:r>
+          </a:p>
+        </p:txBody>
+      </p:sp>
+      <p:sp>
+        <p:nvSpPr>
+          <p:cNvPr id="7" name="文本框 6">
+            <a:extLst>
+              <a:ext uri="{FF2B5EF4-FFF2-40B4-BE49-F238E27FC236}">
+                <a16:creationId xmlns:a16="http://schemas.microsoft.com/office/drawing/2014/main" id="{BDAD6883-9827-4528-AF9E-C0B3A442B538}"/>
+              </a:ext>
+            </a:extLst>
+          </p:cNvPr>
+          <p:cNvSpPr txBox="1"/>
+          <p:nvPr/>
+        </p:nvSpPr>
+        <p:spPr>
+          <a:xfrm>
+            <a:off x="8429191" y="2323225"/>
+            <a:ext cx="736296" cy="276999"/>
+          </a:xfrm>
+          <a:prstGeom prst="rect">
+            <a:avLst/>
+          </a:prstGeom>
+          <a:noFill/>
+        </p:spPr>
+        <p:txBody>
+          <a:bodyPr wrap="square" rtlCol="0">
+            <a:spAutoFit/>
+          </a:bodyPr>
+          <a:lstStyle/>
+          <a:p>
+            <a:r>
+              <a:rPr lang="zh-CN" altLang="en-US" sz="1200" b="1" dirty="0"/>
+              <a:t>分区</a:t>
+            </a:r>
+          </a:p>
+        </p:txBody>
+      </p:sp>
+      <p:cxnSp>
+        <p:nvCxnSpPr>
+          <p:cNvPr id="8" name="直接箭头连接符 7">
+            <a:extLst>
+              <a:ext uri="{FF2B5EF4-FFF2-40B4-BE49-F238E27FC236}">
+                <a16:creationId xmlns:a16="http://schemas.microsoft.com/office/drawing/2014/main" id="{A789325C-1A2A-40E7-A698-7880CD98E16D}"/>
+              </a:ext>
+            </a:extLst>
+          </p:cNvPr>
+          <p:cNvCxnSpPr>
+            <a:cxnSpLocks/>
+          </p:cNvCxnSpPr>
+          <p:nvPr/>
+        </p:nvCxnSpPr>
+        <p:spPr>
+          <a:xfrm flipV="1">
+            <a:off x="7433631" y="1566730"/>
+            <a:ext cx="448999" cy="1"/>
+          </a:xfrm>
+          <a:prstGeom prst="straightConnector1">
+            <a:avLst/>
+          </a:prstGeom>
+          <a:ln>
+            <a:tailEnd type="triangle"/>
+          </a:ln>
+        </p:spPr>
+        <p:style>
+          <a:lnRef idx="3">
+            <a:schemeClr val="accent1"/>
+          </a:lnRef>
+          <a:fillRef idx="0">
+            <a:schemeClr val="accent1"/>
+          </a:fillRef>
+          <a:effectRef idx="2">
+            <a:schemeClr val="accent1"/>
+          </a:effectRef>
+          <a:fontRef idx="minor">
+            <a:schemeClr val="tx1"/>
+          </a:fontRef>
+        </p:style>
+      </p:cxnSp>
+      <p:cxnSp>
+        <p:nvCxnSpPr>
+          <p:cNvPr id="9" name="直接箭头连接符 8">
+            <a:extLst>
+              <a:ext uri="{FF2B5EF4-FFF2-40B4-BE49-F238E27FC236}">
+                <a16:creationId xmlns:a16="http://schemas.microsoft.com/office/drawing/2014/main" id="{E373B4BF-5CD9-4294-9EDA-C97A436E4D1B}"/>
+              </a:ext>
+            </a:extLst>
+          </p:cNvPr>
+          <p:cNvCxnSpPr>
+            <a:cxnSpLocks/>
+          </p:cNvCxnSpPr>
+          <p:nvPr/>
+        </p:nvCxnSpPr>
+        <p:spPr>
+          <a:xfrm flipV="1">
+            <a:off x="7443812" y="2839395"/>
+            <a:ext cx="448999" cy="1"/>
+          </a:xfrm>
+          <a:prstGeom prst="straightConnector1">
+            <a:avLst/>
+          </a:prstGeom>
+          <a:ln>
+            <a:tailEnd type="triangle"/>
+          </a:ln>
+        </p:spPr>
+        <p:style>
+          <a:lnRef idx="3">
+            <a:schemeClr val="accent1"/>
+          </a:lnRef>
+          <a:fillRef idx="0">
+            <a:schemeClr val="accent1"/>
+          </a:fillRef>
+          <a:effectRef idx="2">
+            <a:schemeClr val="accent1"/>
+          </a:effectRef>
+          <a:fontRef idx="minor">
+            <a:schemeClr val="tx1"/>
+          </a:fontRef>
+        </p:style>
+      </p:cxnSp>
+      <p:cxnSp>
+        <p:nvCxnSpPr>
+          <p:cNvPr id="10" name="直接箭头连接符 9">
+            <a:extLst>
+              <a:ext uri="{FF2B5EF4-FFF2-40B4-BE49-F238E27FC236}">
+                <a16:creationId xmlns:a16="http://schemas.microsoft.com/office/drawing/2014/main" id="{58953B7C-D70F-42D7-AB2E-F86C5D39459A}"/>
+              </a:ext>
+            </a:extLst>
+          </p:cNvPr>
+          <p:cNvCxnSpPr>
+            <a:cxnSpLocks/>
+          </p:cNvCxnSpPr>
+          <p:nvPr/>
+        </p:nvCxnSpPr>
+        <p:spPr>
+          <a:xfrm flipV="1">
+            <a:off x="9417077" y="1570498"/>
+            <a:ext cx="296599" cy="1478"/>
+          </a:xfrm>
+          <a:prstGeom prst="straightConnector1">
+            <a:avLst/>
+          </a:prstGeom>
+          <a:ln>
+            <a:tailEnd type="triangle"/>
+          </a:ln>
+        </p:spPr>
+        <p:style>
+          <a:lnRef idx="3">
+            <a:schemeClr val="accent1"/>
+          </a:lnRef>
+          <a:fillRef idx="0">
+            <a:schemeClr val="accent1"/>
+          </a:fillRef>
+          <a:effectRef idx="2">
+            <a:schemeClr val="accent1"/>
+          </a:effectRef>
+          <a:fontRef idx="minor">
+            <a:schemeClr val="tx1"/>
+          </a:fontRef>
+        </p:style>
+      </p:cxnSp>
+      <p:cxnSp>
+        <p:nvCxnSpPr>
+          <p:cNvPr id="11" name="直接箭头连接符 10">
+            <a:extLst>
+              <a:ext uri="{FF2B5EF4-FFF2-40B4-BE49-F238E27FC236}">
+                <a16:creationId xmlns:a16="http://schemas.microsoft.com/office/drawing/2014/main" id="{B7BF1469-1763-47B1-AE13-FA19F04A87C9}"/>
+              </a:ext>
+            </a:extLst>
+          </p:cNvPr>
+          <p:cNvCxnSpPr>
+            <a:cxnSpLocks/>
+          </p:cNvCxnSpPr>
+          <p:nvPr/>
+        </p:nvCxnSpPr>
+        <p:spPr>
+          <a:xfrm flipV="1">
+            <a:off x="9426008" y="2809145"/>
+            <a:ext cx="296599" cy="1478"/>
+          </a:xfrm>
+          <a:prstGeom prst="straightConnector1">
+            <a:avLst/>
+          </a:prstGeom>
+          <a:ln>
+            <a:tailEnd type="triangle"/>
+          </a:ln>
+        </p:spPr>
+        <p:style>
+          <a:lnRef idx="3">
+            <a:schemeClr val="accent1"/>
+          </a:lnRef>
+          <a:fillRef idx="0">
+            <a:schemeClr val="accent1"/>
+          </a:fillRef>
+          <a:effectRef idx="2">
+            <a:schemeClr val="accent1"/>
+          </a:effectRef>
+          <a:fontRef idx="minor">
+            <a:schemeClr val="tx1"/>
+          </a:fontRef>
+        </p:style>
+      </p:cxnSp>
+      <p:sp>
+        <p:nvSpPr>
+          <p:cNvPr id="12" name="圆: 空心 11">
+            <a:extLst>
+              <a:ext uri="{FF2B5EF4-FFF2-40B4-BE49-F238E27FC236}">
+                <a16:creationId xmlns:a16="http://schemas.microsoft.com/office/drawing/2014/main" id="{2C36C222-B7E4-4F9F-B66E-046EB04B0773}"/>
+              </a:ext>
+            </a:extLst>
+          </p:cNvPr>
+          <p:cNvSpPr/>
+          <p:nvPr/>
+        </p:nvSpPr>
+        <p:spPr>
+          <a:xfrm>
+            <a:off x="2379765" y="539135"/>
+            <a:ext cx="1746348" cy="1711137"/>
+          </a:xfrm>
+          <a:prstGeom prst="donut">
+            <a:avLst/>
+          </a:prstGeom>
+        </p:spPr>
+        <p:style>
+          <a:lnRef idx="2">
+            <a:schemeClr val="accent1">
+              <a:shade val="50000"/>
+            </a:schemeClr>
+          </a:lnRef>
+          <a:fillRef idx="1">
+            <a:schemeClr val="accent1"/>
+          </a:fillRef>
+          <a:effectRef idx="0">
+            <a:schemeClr val="accent1"/>
+          </a:effectRef>
+          <a:fontRef idx="minor">
+            <a:schemeClr val="lt1"/>
+          </a:fontRef>
+        </p:style>
+        <p:txBody>
+          <a:bodyPr rtlCol="0" anchor="ctr"/>
+          <a:lstStyle/>
+          <a:p>
+            <a:pPr algn="ctr"/>
+            <a:endParaRPr lang="zh-CN" altLang="en-US" b="1">
+              <a:solidFill>
+                <a:schemeClr val="tx1"/>
+              </a:solidFill>
+            </a:endParaRPr>
+          </a:p>
+        </p:txBody>
+      </p:sp>
+      <p:sp>
+        <p:nvSpPr>
+          <p:cNvPr id="13" name="文本框 12">
+            <a:extLst>
+              <a:ext uri="{FF2B5EF4-FFF2-40B4-BE49-F238E27FC236}">
+                <a16:creationId xmlns:a16="http://schemas.microsoft.com/office/drawing/2014/main" id="{6DE9FA54-935C-417E-9079-CC94D6C807E2}"/>
+              </a:ext>
+            </a:extLst>
+          </p:cNvPr>
+          <p:cNvSpPr txBox="1"/>
+          <p:nvPr/>
+        </p:nvSpPr>
+        <p:spPr>
+          <a:xfrm>
+            <a:off x="2845129" y="330130"/>
+            <a:ext cx="1009201" cy="276999"/>
+          </a:xfrm>
+          <a:prstGeom prst="rect">
+            <a:avLst/>
+          </a:prstGeom>
+          <a:noFill/>
+        </p:spPr>
+        <p:txBody>
+          <a:bodyPr wrap="square" rtlCol="0">
+            <a:spAutoFit/>
+          </a:bodyPr>
+          <a:lstStyle/>
+          <a:p>
+            <a:r>
+              <a:rPr lang="zh-CN" altLang="en-US" sz="1200" b="1" dirty="0">
+                <a:solidFill>
+                  <a:srgbClr val="FF0000"/>
+                </a:solidFill>
+              </a:rPr>
+              <a:t>默认</a:t>
+            </a:r>
+            <a:r>
+              <a:rPr lang="en-US" altLang="zh-CN" sz="1200" b="1" dirty="0">
+                <a:solidFill>
+                  <a:srgbClr val="FF0000"/>
+                </a:solidFill>
+              </a:rPr>
+              <a:t>100m</a:t>
+            </a:r>
+            <a:endParaRPr lang="zh-CN" altLang="en-US" sz="1200" b="1" dirty="0">
+              <a:solidFill>
+                <a:srgbClr val="FF0000"/>
+              </a:solidFill>
+            </a:endParaRPr>
+          </a:p>
+        </p:txBody>
+      </p:sp>
+      <p:sp>
+        <p:nvSpPr>
+          <p:cNvPr id="14" name="箭头: 左弧形 13">
+            <a:extLst>
+              <a:ext uri="{FF2B5EF4-FFF2-40B4-BE49-F238E27FC236}">
+                <a16:creationId xmlns:a16="http://schemas.microsoft.com/office/drawing/2014/main" id="{820ACDA7-17E0-4641-A11A-8C094BAE27FC}"/>
+              </a:ext>
+            </a:extLst>
+          </p:cNvPr>
+          <p:cNvSpPr/>
+          <p:nvPr/>
+        </p:nvSpPr>
+        <p:spPr>
+          <a:xfrm>
+            <a:off x="2560044" y="647876"/>
+            <a:ext cx="629637" cy="1558126"/>
+          </a:xfrm>
+          <a:prstGeom prst="curvedRightArrow">
+            <a:avLst>
+              <a:gd name="adj1" fmla="val 25000"/>
+              <a:gd name="adj2" fmla="val 50000"/>
+              <a:gd name="adj3" fmla="val 26317"/>
+            </a:avLst>
+          </a:prstGeom>
+        </p:spPr>
+        <p:style>
+          <a:lnRef idx="2">
+            <a:schemeClr val="accent3">
+              <a:shade val="50000"/>
+            </a:schemeClr>
+          </a:lnRef>
+          <a:fillRef idx="1">
+            <a:schemeClr val="accent3"/>
+          </a:fillRef>
+          <a:effectRef idx="0">
+            <a:schemeClr val="accent3"/>
+          </a:effectRef>
+          <a:fontRef idx="minor">
+            <a:schemeClr val="lt1"/>
+          </a:fontRef>
+        </p:style>
+        <p:txBody>
+          <a:bodyPr rtlCol="0" anchor="ctr"/>
+          <a:lstStyle/>
+          <a:p>
+            <a:pPr algn="ctr"/>
+            <a:endParaRPr lang="zh-CN" altLang="en-US" b="1">
+              <a:solidFill>
+                <a:schemeClr val="tx1"/>
+              </a:solidFill>
+            </a:endParaRPr>
+          </a:p>
+        </p:txBody>
+      </p:sp>
+      <p:sp>
+        <p:nvSpPr>
+          <p:cNvPr id="15" name="箭头: 右弧形 14">
+            <a:extLst>
+              <a:ext uri="{FF2B5EF4-FFF2-40B4-BE49-F238E27FC236}">
+                <a16:creationId xmlns:a16="http://schemas.microsoft.com/office/drawing/2014/main" id="{47B38F9A-72AE-4FE4-A4F9-BA663AEA6BFF}"/>
+              </a:ext>
+            </a:extLst>
+          </p:cNvPr>
+          <p:cNvSpPr/>
+          <p:nvPr/>
+        </p:nvSpPr>
+        <p:spPr>
+          <a:xfrm>
+            <a:off x="3306962" y="638914"/>
+            <a:ext cx="701870" cy="1584405"/>
+          </a:xfrm>
+          <a:prstGeom prst="curvedLeftArrow">
+            <a:avLst/>
+          </a:prstGeom>
+        </p:spPr>
+        <p:style>
+          <a:lnRef idx="2">
+            <a:schemeClr val="accent6">
+              <a:shade val="50000"/>
+            </a:schemeClr>
+          </a:lnRef>
+          <a:fillRef idx="1">
+            <a:schemeClr val="accent6"/>
+          </a:fillRef>
+          <a:effectRef idx="0">
+            <a:schemeClr val="accent6"/>
+          </a:effectRef>
+          <a:fontRef idx="minor">
+            <a:schemeClr val="lt1"/>
+          </a:fontRef>
+        </p:style>
+        <p:txBody>
+          <a:bodyPr rtlCol="0" anchor="ctr"/>
+          <a:lstStyle/>
+          <a:p>
+            <a:pPr algn="ctr"/>
+            <a:endParaRPr lang="zh-CN" altLang="en-US" b="1">
+              <a:solidFill>
+                <a:schemeClr val="tx1"/>
+              </a:solidFill>
+            </a:endParaRPr>
+          </a:p>
+        </p:txBody>
+      </p:sp>
+      <p:sp>
+        <p:nvSpPr>
+          <p:cNvPr id="16" name="文本框 15">
+            <a:extLst>
+              <a:ext uri="{FF2B5EF4-FFF2-40B4-BE49-F238E27FC236}">
+                <a16:creationId xmlns:a16="http://schemas.microsoft.com/office/drawing/2014/main" id="{BF540081-C0FE-4391-9418-6EAE4C446D16}"/>
+              </a:ext>
+            </a:extLst>
+          </p:cNvPr>
+          <p:cNvSpPr txBox="1"/>
+          <p:nvPr/>
+        </p:nvSpPr>
+        <p:spPr>
+          <a:xfrm>
+            <a:off x="2383487" y="2092893"/>
+            <a:ext cx="1419521" cy="646331"/>
+          </a:xfrm>
+          <a:prstGeom prst="rect">
+            <a:avLst/>
+          </a:prstGeom>
+          <a:noFill/>
+        </p:spPr>
+        <p:txBody>
+          <a:bodyPr wrap="square" rtlCol="0">
+            <a:spAutoFit/>
+          </a:bodyPr>
+          <a:lstStyle/>
+          <a:p>
+            <a:r>
+              <a:rPr lang="zh-CN" altLang="en-US" sz="1200" b="1" dirty="0"/>
+              <a:t>索引 </a:t>
+            </a:r>
+            <a:endParaRPr lang="en-US" altLang="zh-CN" sz="1200" b="1" dirty="0"/>
+          </a:p>
+          <a:p>
+            <a:r>
+              <a:rPr lang="en-US" altLang="zh-CN" sz="1200" dirty="0" err="1"/>
+              <a:t>Kvmeta</a:t>
+            </a:r>
+            <a:endParaRPr lang="en-US" altLang="zh-CN" sz="1200" dirty="0"/>
+          </a:p>
+          <a:p>
+            <a:r>
+              <a:rPr lang="en-US" altLang="zh-CN" sz="1200" dirty="0" err="1"/>
+              <a:t>kvindex</a:t>
+            </a:r>
+            <a:endParaRPr lang="zh-CN" altLang="en-US" sz="1200" dirty="0"/>
+          </a:p>
+        </p:txBody>
+      </p:sp>
+      <p:sp>
+        <p:nvSpPr>
+          <p:cNvPr id="17" name="文本框 16">
+            <a:extLst>
+              <a:ext uri="{FF2B5EF4-FFF2-40B4-BE49-F238E27FC236}">
+                <a16:creationId xmlns:a16="http://schemas.microsoft.com/office/drawing/2014/main" id="{2C059511-C1E6-4ABD-A05E-424274BAB872}"/>
+              </a:ext>
+            </a:extLst>
+          </p:cNvPr>
+          <p:cNvSpPr txBox="1"/>
+          <p:nvPr/>
+        </p:nvSpPr>
+        <p:spPr>
+          <a:xfrm>
+            <a:off x="2909813" y="1535806"/>
+            <a:ext cx="1419521" cy="276999"/>
+          </a:xfrm>
+          <a:prstGeom prst="rect">
+            <a:avLst/>
+          </a:prstGeom>
+          <a:noFill/>
+        </p:spPr>
+        <p:txBody>
+          <a:bodyPr wrap="square" rtlCol="0">
+            <a:spAutoFit/>
+          </a:bodyPr>
+          <a:lstStyle/>
+          <a:p>
+            <a:r>
+              <a:rPr lang="en-US" altLang="zh-CN" sz="1200" b="1" dirty="0">
+                <a:solidFill>
+                  <a:srgbClr val="FF0000"/>
+                </a:solidFill>
+              </a:rPr>
+              <a:t>80%</a:t>
+            </a:r>
+            <a:r>
+              <a:rPr lang="zh-CN" altLang="en-US" sz="1200" b="1" dirty="0">
+                <a:solidFill>
+                  <a:srgbClr val="FF0000"/>
+                </a:solidFill>
+              </a:rPr>
+              <a:t>反向</a:t>
+            </a:r>
+          </a:p>
+        </p:txBody>
+      </p:sp>
+      <p:sp>
+        <p:nvSpPr>
+          <p:cNvPr id="18" name="文本框 17">
+            <a:extLst>
+              <a:ext uri="{FF2B5EF4-FFF2-40B4-BE49-F238E27FC236}">
+                <a16:creationId xmlns:a16="http://schemas.microsoft.com/office/drawing/2014/main" id="{7032EF0C-31AF-40B7-8328-779BBAA8E76A}"/>
+              </a:ext>
+            </a:extLst>
+          </p:cNvPr>
+          <p:cNvSpPr txBox="1"/>
+          <p:nvPr/>
+        </p:nvSpPr>
+        <p:spPr>
+          <a:xfrm>
+            <a:off x="3532763" y="2103888"/>
+            <a:ext cx="908162" cy="646331"/>
+          </a:xfrm>
+          <a:prstGeom prst="rect">
+            <a:avLst/>
+          </a:prstGeom>
+          <a:noFill/>
+        </p:spPr>
+        <p:txBody>
+          <a:bodyPr wrap="square" rtlCol="0">
+            <a:spAutoFit/>
+          </a:bodyPr>
+          <a:lstStyle/>
+          <a:p>
+            <a:r>
+              <a:rPr lang="zh-CN" altLang="en-US" sz="1200" b="1" dirty="0"/>
+              <a:t>数据</a:t>
+            </a:r>
+            <a:endParaRPr lang="en-US" altLang="zh-CN" sz="1200" b="1" dirty="0"/>
+          </a:p>
+          <a:p>
+            <a:r>
+              <a:rPr lang="en-US" altLang="zh-CN" sz="1200" dirty="0"/>
+              <a:t>&lt;</a:t>
+            </a:r>
+            <a:r>
+              <a:rPr lang="en-US" altLang="zh-CN" sz="1200" dirty="0" err="1"/>
+              <a:t>k,v</a:t>
+            </a:r>
+            <a:r>
+              <a:rPr lang="en-US" altLang="zh-CN" sz="1200" dirty="0"/>
+              <a:t>&gt;</a:t>
+            </a:r>
+          </a:p>
+          <a:p>
+            <a:r>
+              <a:rPr lang="en-US" altLang="zh-CN" sz="1200" dirty="0" err="1"/>
+              <a:t>bufindex</a:t>
+            </a:r>
+            <a:endParaRPr lang="zh-CN" altLang="en-US" sz="1200" dirty="0"/>
+          </a:p>
+        </p:txBody>
+      </p:sp>
+      <p:cxnSp>
+        <p:nvCxnSpPr>
+          <p:cNvPr id="19" name="直接箭头连接符 18">
+            <a:extLst>
+              <a:ext uri="{FF2B5EF4-FFF2-40B4-BE49-F238E27FC236}">
+                <a16:creationId xmlns:a16="http://schemas.microsoft.com/office/drawing/2014/main" id="{D9E341B1-2B58-4A9B-97B7-114515120C38}"/>
+              </a:ext>
+            </a:extLst>
+          </p:cNvPr>
+          <p:cNvCxnSpPr>
+            <a:cxnSpLocks/>
+          </p:cNvCxnSpPr>
+          <p:nvPr/>
+        </p:nvCxnSpPr>
+        <p:spPr>
+          <a:xfrm>
+            <a:off x="1724851" y="1394705"/>
+            <a:ext cx="551624" cy="5470"/>
+          </a:xfrm>
+          <a:prstGeom prst="straightConnector1">
+            <a:avLst/>
+          </a:prstGeom>
+          <a:ln>
+            <a:tailEnd type="triangle"/>
+          </a:ln>
+        </p:spPr>
+        <p:style>
+          <a:lnRef idx="3">
+            <a:schemeClr val="accent1"/>
+          </a:lnRef>
+          <a:fillRef idx="0">
+            <a:schemeClr val="accent1"/>
+          </a:fillRef>
+          <a:effectRef idx="2">
+            <a:schemeClr val="accent1"/>
+          </a:effectRef>
+          <a:fontRef idx="minor">
+            <a:schemeClr val="tx1"/>
+          </a:fontRef>
+        </p:style>
+      </p:cxnSp>
+      <p:sp>
+        <p:nvSpPr>
+          <p:cNvPr id="20" name="文本框 19">
+            <a:extLst>
+              <a:ext uri="{FF2B5EF4-FFF2-40B4-BE49-F238E27FC236}">
+                <a16:creationId xmlns:a16="http://schemas.microsoft.com/office/drawing/2014/main" id="{2224E4B2-C166-4FD5-A07F-4C5F6E352CFA}"/>
+              </a:ext>
+            </a:extLst>
+          </p:cNvPr>
+          <p:cNvSpPr txBox="1"/>
+          <p:nvPr/>
+        </p:nvSpPr>
+        <p:spPr>
+          <a:xfrm>
+            <a:off x="1794125" y="943184"/>
+            <a:ext cx="620315" cy="400110"/>
+          </a:xfrm>
+          <a:prstGeom prst="rect">
+            <a:avLst/>
+          </a:prstGeom>
+          <a:noFill/>
+        </p:spPr>
+        <p:txBody>
+          <a:bodyPr wrap="square" rtlCol="0">
+            <a:spAutoFit/>
+          </a:bodyPr>
+          <a:lstStyle/>
+          <a:p>
+            <a:r>
+              <a:rPr lang="en-US" altLang="zh-CN" sz="2000" b="1" dirty="0">
+                <a:solidFill>
+                  <a:srgbClr val="FF0000"/>
+                </a:solidFill>
+              </a:rPr>
+              <a:t>7</a:t>
+            </a:r>
+            <a:endParaRPr lang="zh-CN" altLang="en-US" sz="2000" b="1" dirty="0">
+              <a:solidFill>
+                <a:srgbClr val="FF0000"/>
+              </a:solidFill>
+            </a:endParaRPr>
+          </a:p>
+        </p:txBody>
+      </p:sp>
+      <p:cxnSp>
+        <p:nvCxnSpPr>
+          <p:cNvPr id="21" name="直接箭头连接符 20">
+            <a:extLst>
+              <a:ext uri="{FF2B5EF4-FFF2-40B4-BE49-F238E27FC236}">
+                <a16:creationId xmlns:a16="http://schemas.microsoft.com/office/drawing/2014/main" id="{9ED7CB65-EE7B-4A7C-9D88-709D36CCC842}"/>
+              </a:ext>
+            </a:extLst>
+          </p:cNvPr>
+          <p:cNvCxnSpPr>
+            <a:cxnSpLocks/>
+          </p:cNvCxnSpPr>
+          <p:nvPr/>
+        </p:nvCxnSpPr>
+        <p:spPr>
+          <a:xfrm flipV="1">
+            <a:off x="4099881" y="1023805"/>
+            <a:ext cx="448999" cy="1"/>
+          </a:xfrm>
+          <a:prstGeom prst="straightConnector1">
+            <a:avLst/>
+          </a:prstGeom>
+          <a:ln>
+            <a:tailEnd type="triangle"/>
+          </a:ln>
+        </p:spPr>
+        <p:style>
+          <a:lnRef idx="3">
+            <a:schemeClr val="accent1"/>
+          </a:lnRef>
+          <a:fillRef idx="0">
+            <a:schemeClr val="accent1"/>
+          </a:fillRef>
+          <a:effectRef idx="2">
+            <a:schemeClr val="accent1"/>
+          </a:effectRef>
+          <a:fontRef idx="minor">
+            <a:schemeClr val="tx1"/>
+          </a:fontRef>
+        </p:style>
+      </p:cxnSp>
+      <p:cxnSp>
+        <p:nvCxnSpPr>
+          <p:cNvPr id="22" name="直接箭头连接符 21">
+            <a:extLst>
+              <a:ext uri="{FF2B5EF4-FFF2-40B4-BE49-F238E27FC236}">
+                <a16:creationId xmlns:a16="http://schemas.microsoft.com/office/drawing/2014/main" id="{BAC20B78-D5B6-49D8-98FF-7B153FB18952}"/>
+              </a:ext>
+            </a:extLst>
+          </p:cNvPr>
+          <p:cNvCxnSpPr>
+            <a:cxnSpLocks/>
+          </p:cNvCxnSpPr>
+          <p:nvPr/>
+        </p:nvCxnSpPr>
+        <p:spPr>
+          <a:xfrm flipV="1">
+            <a:off x="4110062" y="2296470"/>
+            <a:ext cx="448999" cy="1"/>
+          </a:xfrm>
+          <a:prstGeom prst="straightConnector1">
+            <a:avLst/>
+          </a:prstGeom>
+          <a:ln>
+            <a:tailEnd type="triangle"/>
+          </a:ln>
+        </p:spPr>
+        <p:style>
+          <a:lnRef idx="3">
+            <a:schemeClr val="accent1"/>
+          </a:lnRef>
+          <a:fillRef idx="0">
+            <a:schemeClr val="accent1"/>
+          </a:fillRef>
+          <a:effectRef idx="2">
+            <a:schemeClr val="accent1"/>
+          </a:effectRef>
+          <a:fontRef idx="minor">
+            <a:schemeClr val="tx1"/>
+          </a:fontRef>
+        </p:style>
+      </p:cxnSp>
+    </p:spTree>
+    <p:extLst>
+      <p:ext uri="{BB962C8B-B14F-4D97-AF65-F5344CB8AC3E}">
+        <p14:creationId xmlns:p14="http://schemas.microsoft.com/office/powerpoint/2010/main" val="1069447175"/>
       </p:ext>
     </p:extLst>
   </p:cSld>
